--- a/06 - Model-based methods/slides.pptx
+++ b/06 - Model-based methods/slides.pptx
@@ -3935,6 +3935,986 @@
     </pc:docChg>
   </pc:docChgLst>
   <pc:docChgLst>
+    <pc:chgData name="Riccardo Berta" userId="c8694f89-bba4-4576-b0a8-456619ca5a8c" providerId="ADAL" clId="{4967B734-A465-2844-BA15-7FBACE49D2F8}"/>
+    <pc:docChg chg="undo redo custSel addSld delSld modSld sldOrd">
+      <pc:chgData name="Riccardo Berta" userId="c8694f89-bba4-4576-b0a8-456619ca5a8c" providerId="ADAL" clId="{4967B734-A465-2844-BA15-7FBACE49D2F8}" dt="2022-10-10T05:41:52.141" v="2700" actId="1036"/>
+      <pc:docMkLst>
+        <pc:docMk/>
+      </pc:docMkLst>
+      <pc:sldChg chg="modSp mod">
+        <pc:chgData name="Riccardo Berta" userId="c8694f89-bba4-4576-b0a8-456619ca5a8c" providerId="ADAL" clId="{4967B734-A465-2844-BA15-7FBACE49D2F8}" dt="2022-10-04T09:21:06.296" v="1514" actId="790"/>
+        <pc:sldMkLst>
+          <pc:docMk/>
+          <pc:sldMk cId="0" sldId="256"/>
+        </pc:sldMkLst>
+        <pc:spChg chg="mod">
+          <ac:chgData name="Riccardo Berta" userId="c8694f89-bba4-4576-b0a8-456619ca5a8c" providerId="ADAL" clId="{4967B734-A465-2844-BA15-7FBACE49D2F8}" dt="2022-10-04T09:21:06.296" v="1514" actId="790"/>
+          <ac:spMkLst>
+            <pc:docMk/>
+            <pc:sldMk cId="0" sldId="256"/>
+            <ac:spMk id="62" creationId="{00000000-0000-0000-0000-000000000000}"/>
+          </ac:spMkLst>
+        </pc:spChg>
+      </pc:sldChg>
+      <pc:sldChg chg="delSp modSp mod">
+        <pc:chgData name="Riccardo Berta" userId="c8694f89-bba4-4576-b0a8-456619ca5a8c" providerId="ADAL" clId="{4967B734-A465-2844-BA15-7FBACE49D2F8}" dt="2022-10-05T05:37:06.487" v="2566" actId="20577"/>
+        <pc:sldMkLst>
+          <pc:docMk/>
+          <pc:sldMk cId="0" sldId="257"/>
+        </pc:sldMkLst>
+        <pc:spChg chg="mod">
+          <ac:chgData name="Riccardo Berta" userId="c8694f89-bba4-4576-b0a8-456619ca5a8c" providerId="ADAL" clId="{4967B734-A465-2844-BA15-7FBACE49D2F8}" dt="2022-10-04T06:59:58.583" v="222" actId="20577"/>
+          <ac:spMkLst>
+            <pc:docMk/>
+            <pc:sldMk cId="0" sldId="257"/>
+            <ac:spMk id="83" creationId="{00000000-0000-0000-0000-000000000000}"/>
+          </ac:spMkLst>
+        </pc:spChg>
+        <pc:spChg chg="mod">
+          <ac:chgData name="Riccardo Berta" userId="c8694f89-bba4-4576-b0a8-456619ca5a8c" providerId="ADAL" clId="{4967B734-A465-2844-BA15-7FBACE49D2F8}" dt="2022-10-05T05:37:06.487" v="2566" actId="20577"/>
+          <ac:spMkLst>
+            <pc:docMk/>
+            <pc:sldMk cId="0" sldId="257"/>
+            <ac:spMk id="84" creationId="{00000000-0000-0000-0000-000000000000}"/>
+          </ac:spMkLst>
+        </pc:spChg>
+        <pc:picChg chg="del">
+          <ac:chgData name="Riccardo Berta" userId="c8694f89-bba4-4576-b0a8-456619ca5a8c" providerId="ADAL" clId="{4967B734-A465-2844-BA15-7FBACE49D2F8}" dt="2022-10-04T06:53:54.793" v="41" actId="478"/>
+          <ac:picMkLst>
+            <pc:docMk/>
+            <pc:sldMk cId="0" sldId="257"/>
+            <ac:picMk id="2" creationId="{1E81BD5B-9F1C-4180-0225-A6FA7F7521E2}"/>
+          </ac:picMkLst>
+        </pc:picChg>
+      </pc:sldChg>
+      <pc:sldChg chg="del">
+        <pc:chgData name="Riccardo Berta" userId="c8694f89-bba4-4576-b0a8-456619ca5a8c" providerId="ADAL" clId="{4967B734-A465-2844-BA15-7FBACE49D2F8}" dt="2022-10-04T06:54:03.310" v="50" actId="2696"/>
+        <pc:sldMkLst>
+          <pc:docMk/>
+          <pc:sldMk cId="3018556184" sldId="259"/>
+        </pc:sldMkLst>
+      </pc:sldChg>
+      <pc:sldChg chg="del">
+        <pc:chgData name="Riccardo Berta" userId="c8694f89-bba4-4576-b0a8-456619ca5a8c" providerId="ADAL" clId="{4967B734-A465-2844-BA15-7FBACE49D2F8}" dt="2022-10-04T06:54:03.809" v="51" actId="2696"/>
+        <pc:sldMkLst>
+          <pc:docMk/>
+          <pc:sldMk cId="723946338" sldId="261"/>
+        </pc:sldMkLst>
+      </pc:sldChg>
+      <pc:sldChg chg="modSp mod">
+        <pc:chgData name="Riccardo Berta" userId="c8694f89-bba4-4576-b0a8-456619ca5a8c" providerId="ADAL" clId="{4967B734-A465-2844-BA15-7FBACE49D2F8}" dt="2022-10-04T09:53:48.313" v="2176" actId="1076"/>
+        <pc:sldMkLst>
+          <pc:docMk/>
+          <pc:sldMk cId="0" sldId="264"/>
+        </pc:sldMkLst>
+        <pc:spChg chg="mod">
+          <ac:chgData name="Riccardo Berta" userId="c8694f89-bba4-4576-b0a8-456619ca5a8c" providerId="ADAL" clId="{4967B734-A465-2844-BA15-7FBACE49D2F8}" dt="2022-10-04T09:53:48.313" v="2176" actId="1076"/>
+          <ac:spMkLst>
+            <pc:docMk/>
+            <pc:sldMk cId="0" sldId="264"/>
+            <ac:spMk id="84" creationId="{00000000-0000-0000-0000-000000000000}"/>
+          </ac:spMkLst>
+        </pc:spChg>
+      </pc:sldChg>
+      <pc:sldChg chg="del">
+        <pc:chgData name="Riccardo Berta" userId="c8694f89-bba4-4576-b0a8-456619ca5a8c" providerId="ADAL" clId="{4967B734-A465-2844-BA15-7FBACE49D2F8}" dt="2022-10-04T06:54:04.269" v="52" actId="2696"/>
+        <pc:sldMkLst>
+          <pc:docMk/>
+          <pc:sldMk cId="2752186034" sldId="265"/>
+        </pc:sldMkLst>
+      </pc:sldChg>
+      <pc:sldChg chg="addSp modSp add mod">
+        <pc:chgData name="Riccardo Berta" userId="c8694f89-bba4-4576-b0a8-456619ca5a8c" providerId="ADAL" clId="{4967B734-A465-2844-BA15-7FBACE49D2F8}" dt="2022-10-05T05:38:43.218" v="2573" actId="20577"/>
+        <pc:sldMkLst>
+          <pc:docMk/>
+          <pc:sldMk cId="4260925133" sldId="265"/>
+        </pc:sldMkLst>
+        <pc:spChg chg="mod">
+          <ac:chgData name="Riccardo Berta" userId="c8694f89-bba4-4576-b0a8-456619ca5a8c" providerId="ADAL" clId="{4967B734-A465-2844-BA15-7FBACE49D2F8}" dt="2022-10-04T07:03:57.181" v="300" actId="20577"/>
+          <ac:spMkLst>
+            <pc:docMk/>
+            <pc:sldMk cId="4260925133" sldId="265"/>
+            <ac:spMk id="83" creationId="{00000000-0000-0000-0000-000000000000}"/>
+          </ac:spMkLst>
+        </pc:spChg>
+        <pc:spChg chg="mod">
+          <ac:chgData name="Riccardo Berta" userId="c8694f89-bba4-4576-b0a8-456619ca5a8c" providerId="ADAL" clId="{4967B734-A465-2844-BA15-7FBACE49D2F8}" dt="2022-10-05T05:38:43.218" v="2573" actId="20577"/>
+          <ac:spMkLst>
+            <pc:docMk/>
+            <pc:sldMk cId="4260925133" sldId="265"/>
+            <ac:spMk id="84" creationId="{00000000-0000-0000-0000-000000000000}"/>
+          </ac:spMkLst>
+        </pc:spChg>
+        <pc:picChg chg="add mod">
+          <ac:chgData name="Riccardo Berta" userId="c8694f89-bba4-4576-b0a8-456619ca5a8c" providerId="ADAL" clId="{4967B734-A465-2844-BA15-7FBACE49D2F8}" dt="2022-10-04T07:04:48.519" v="307" actId="167"/>
+          <ac:picMkLst>
+            <pc:docMk/>
+            <pc:sldMk cId="4260925133" sldId="265"/>
+            <ac:picMk id="3" creationId="{674E15D2-3951-6F58-7582-C0EB4A615F1D}"/>
+          </ac:picMkLst>
+        </pc:picChg>
+      </pc:sldChg>
+      <pc:sldChg chg="addSp delSp modSp add mod">
+        <pc:chgData name="Riccardo Berta" userId="c8694f89-bba4-4576-b0a8-456619ca5a8c" providerId="ADAL" clId="{4967B734-A465-2844-BA15-7FBACE49D2F8}" dt="2022-10-05T05:43:30.967" v="2628" actId="20577"/>
+        <pc:sldMkLst>
+          <pc:docMk/>
+          <pc:sldMk cId="2074499598" sldId="266"/>
+        </pc:sldMkLst>
+        <pc:spChg chg="mod">
+          <ac:chgData name="Riccardo Berta" userId="c8694f89-bba4-4576-b0a8-456619ca5a8c" providerId="ADAL" clId="{4967B734-A465-2844-BA15-7FBACE49D2F8}" dt="2022-10-04T08:27:30.224" v="813" actId="20577"/>
+          <ac:spMkLst>
+            <pc:docMk/>
+            <pc:sldMk cId="2074499598" sldId="266"/>
+            <ac:spMk id="83" creationId="{00000000-0000-0000-0000-000000000000}"/>
+          </ac:spMkLst>
+        </pc:spChg>
+        <pc:spChg chg="mod">
+          <ac:chgData name="Riccardo Berta" userId="c8694f89-bba4-4576-b0a8-456619ca5a8c" providerId="ADAL" clId="{4967B734-A465-2844-BA15-7FBACE49D2F8}" dt="2022-10-05T05:43:30.967" v="2628" actId="20577"/>
+          <ac:spMkLst>
+            <pc:docMk/>
+            <pc:sldMk cId="2074499598" sldId="266"/>
+            <ac:spMk id="84" creationId="{00000000-0000-0000-0000-000000000000}"/>
+          </ac:spMkLst>
+        </pc:spChg>
+        <pc:picChg chg="add del mod">
+          <ac:chgData name="Riccardo Berta" userId="c8694f89-bba4-4576-b0a8-456619ca5a8c" providerId="ADAL" clId="{4967B734-A465-2844-BA15-7FBACE49D2F8}" dt="2022-10-04T08:28:52.112" v="847" actId="478"/>
+          <ac:picMkLst>
+            <pc:docMk/>
+            <pc:sldMk cId="2074499598" sldId="266"/>
+            <ac:picMk id="3" creationId="{44D37D90-9379-A202-D5CB-57A361B7ED10}"/>
+          </ac:picMkLst>
+        </pc:picChg>
+      </pc:sldChg>
+      <pc:sldChg chg="addSp delSp modSp add mod ord">
+        <pc:chgData name="Riccardo Berta" userId="c8694f89-bba4-4576-b0a8-456619ca5a8c" providerId="ADAL" clId="{4967B734-A465-2844-BA15-7FBACE49D2F8}" dt="2022-10-05T05:40:18.404" v="2582" actId="20577"/>
+        <pc:sldMkLst>
+          <pc:docMk/>
+          <pc:sldMk cId="2259674710" sldId="267"/>
+        </pc:sldMkLst>
+        <pc:spChg chg="mod">
+          <ac:chgData name="Riccardo Berta" userId="c8694f89-bba4-4576-b0a8-456619ca5a8c" providerId="ADAL" clId="{4967B734-A465-2844-BA15-7FBACE49D2F8}" dt="2022-10-04T07:10:58.043" v="468" actId="20577"/>
+          <ac:spMkLst>
+            <pc:docMk/>
+            <pc:sldMk cId="2259674710" sldId="267"/>
+            <ac:spMk id="83" creationId="{00000000-0000-0000-0000-000000000000}"/>
+          </ac:spMkLst>
+        </pc:spChg>
+        <pc:spChg chg="mod">
+          <ac:chgData name="Riccardo Berta" userId="c8694f89-bba4-4576-b0a8-456619ca5a8c" providerId="ADAL" clId="{4967B734-A465-2844-BA15-7FBACE49D2F8}" dt="2022-10-05T05:40:18.404" v="2582" actId="20577"/>
+          <ac:spMkLst>
+            <pc:docMk/>
+            <pc:sldMk cId="2259674710" sldId="267"/>
+            <ac:spMk id="84" creationId="{00000000-0000-0000-0000-000000000000}"/>
+          </ac:spMkLst>
+        </pc:spChg>
+        <pc:grpChg chg="add mod">
+          <ac:chgData name="Riccardo Berta" userId="c8694f89-bba4-4576-b0a8-456619ca5a8c" providerId="ADAL" clId="{4967B734-A465-2844-BA15-7FBACE49D2F8}" dt="2022-10-04T07:10:46.067" v="451" actId="1076"/>
+          <ac:grpSpMkLst>
+            <pc:docMk/>
+            <pc:sldMk cId="2259674710" sldId="267"/>
+            <ac:grpSpMk id="8" creationId="{76E119E0-3152-62BD-BDB3-39042BF2F1A5}"/>
+          </ac:grpSpMkLst>
+        </pc:grpChg>
+        <pc:grpChg chg="add mod">
+          <ac:chgData name="Riccardo Berta" userId="c8694f89-bba4-4576-b0a8-456619ca5a8c" providerId="ADAL" clId="{4967B734-A465-2844-BA15-7FBACE49D2F8}" dt="2022-10-04T07:10:41.433" v="450" actId="1076"/>
+          <ac:grpSpMkLst>
+            <pc:docMk/>
+            <pc:sldMk cId="2259674710" sldId="267"/>
+            <ac:grpSpMk id="13" creationId="{06C159A0-B8B5-40E9-02ED-983116530DFD}"/>
+          </ac:grpSpMkLst>
+        </pc:grpChg>
+        <pc:picChg chg="add del mod">
+          <ac:chgData name="Riccardo Berta" userId="c8694f89-bba4-4576-b0a8-456619ca5a8c" providerId="ADAL" clId="{4967B734-A465-2844-BA15-7FBACE49D2F8}" dt="2022-10-04T07:09:16.200" v="426" actId="478"/>
+          <ac:picMkLst>
+            <pc:docMk/>
+            <pc:sldMk cId="2259674710" sldId="267"/>
+            <ac:picMk id="3" creationId="{2ABEDA67-0163-D4F3-A664-9064A870FA11}"/>
+          </ac:picMkLst>
+        </pc:picChg>
+        <pc:picChg chg="add mod">
+          <ac:chgData name="Riccardo Berta" userId="c8694f89-bba4-4576-b0a8-456619ca5a8c" providerId="ADAL" clId="{4967B734-A465-2844-BA15-7FBACE49D2F8}" dt="2022-10-04T07:09:56.780" v="438" actId="164"/>
+          <ac:picMkLst>
+            <pc:docMk/>
+            <pc:sldMk cId="2259674710" sldId="267"/>
+            <ac:picMk id="5" creationId="{32BFCBAB-B883-C97F-EB56-9BCA8EFD7C98}"/>
+          </ac:picMkLst>
+        </pc:picChg>
+        <pc:picChg chg="add mod">
+          <ac:chgData name="Riccardo Berta" userId="c8694f89-bba4-4576-b0a8-456619ca5a8c" providerId="ADAL" clId="{4967B734-A465-2844-BA15-7FBACE49D2F8}" dt="2022-10-04T07:09:56.780" v="438" actId="164"/>
+          <ac:picMkLst>
+            <pc:docMk/>
+            <pc:sldMk cId="2259674710" sldId="267"/>
+            <ac:picMk id="7" creationId="{40DBC67E-51C8-0100-997A-3D832D4D8980}"/>
+          </ac:picMkLst>
+        </pc:picChg>
+        <pc:picChg chg="add mod">
+          <ac:chgData name="Riccardo Berta" userId="c8694f89-bba4-4576-b0a8-456619ca5a8c" providerId="ADAL" clId="{4967B734-A465-2844-BA15-7FBACE49D2F8}" dt="2022-10-04T07:10:38.910" v="449" actId="164"/>
+          <ac:picMkLst>
+            <pc:docMk/>
+            <pc:sldMk cId="2259674710" sldId="267"/>
+            <ac:picMk id="10" creationId="{CE457A6C-F4AE-07DF-22FD-0203427E5E4D}"/>
+          </ac:picMkLst>
+        </pc:picChg>
+        <pc:picChg chg="add mod">
+          <ac:chgData name="Riccardo Berta" userId="c8694f89-bba4-4576-b0a8-456619ca5a8c" providerId="ADAL" clId="{4967B734-A465-2844-BA15-7FBACE49D2F8}" dt="2022-10-04T07:10:38.910" v="449" actId="164"/>
+          <ac:picMkLst>
+            <pc:docMk/>
+            <pc:sldMk cId="2259674710" sldId="267"/>
+            <ac:picMk id="12" creationId="{C697C6E3-A578-4BB5-2F96-37B0F860D0FA}"/>
+          </ac:picMkLst>
+        </pc:picChg>
+      </pc:sldChg>
+      <pc:sldChg chg="addSp delSp modSp add mod ord">
+        <pc:chgData name="Riccardo Berta" userId="c8694f89-bba4-4576-b0a8-456619ca5a8c" providerId="ADAL" clId="{4967B734-A465-2844-BA15-7FBACE49D2F8}" dt="2022-10-04T08:21:03.314" v="615" actId="20577"/>
+        <pc:sldMkLst>
+          <pc:docMk/>
+          <pc:sldMk cId="2756532613" sldId="268"/>
+        </pc:sldMkLst>
+        <pc:spChg chg="mod">
+          <ac:chgData name="Riccardo Berta" userId="c8694f89-bba4-4576-b0a8-456619ca5a8c" providerId="ADAL" clId="{4967B734-A465-2844-BA15-7FBACE49D2F8}" dt="2022-10-04T08:19:34.413" v="566" actId="20577"/>
+          <ac:spMkLst>
+            <pc:docMk/>
+            <pc:sldMk cId="2756532613" sldId="268"/>
+            <ac:spMk id="83" creationId="{00000000-0000-0000-0000-000000000000}"/>
+          </ac:spMkLst>
+        </pc:spChg>
+        <pc:spChg chg="mod">
+          <ac:chgData name="Riccardo Berta" userId="c8694f89-bba4-4576-b0a8-456619ca5a8c" providerId="ADAL" clId="{4967B734-A465-2844-BA15-7FBACE49D2F8}" dt="2022-10-04T08:21:03.314" v="615" actId="20577"/>
+          <ac:spMkLst>
+            <pc:docMk/>
+            <pc:sldMk cId="2756532613" sldId="268"/>
+            <ac:spMk id="84" creationId="{00000000-0000-0000-0000-000000000000}"/>
+          </ac:spMkLst>
+        </pc:spChg>
+        <pc:picChg chg="add del mod">
+          <ac:chgData name="Riccardo Berta" userId="c8694f89-bba4-4576-b0a8-456619ca5a8c" providerId="ADAL" clId="{4967B734-A465-2844-BA15-7FBACE49D2F8}" dt="2022-10-04T08:20:02.584" v="570" actId="21"/>
+          <ac:picMkLst>
+            <pc:docMk/>
+            <pc:sldMk cId="2756532613" sldId="268"/>
+            <ac:picMk id="3" creationId="{98442946-176C-875C-17DD-8426B4357AF0}"/>
+          </ac:picMkLst>
+        </pc:picChg>
+      </pc:sldChg>
+      <pc:sldChg chg="addSp delSp modSp add mod ord">
+        <pc:chgData name="Riccardo Berta" userId="c8694f89-bba4-4576-b0a8-456619ca5a8c" providerId="ADAL" clId="{4967B734-A465-2844-BA15-7FBACE49D2F8}" dt="2022-10-04T08:22:30.428" v="629" actId="20577"/>
+        <pc:sldMkLst>
+          <pc:docMk/>
+          <pc:sldMk cId="3950372499" sldId="269"/>
+        </pc:sldMkLst>
+        <pc:spChg chg="add del mod">
+          <ac:chgData name="Riccardo Berta" userId="c8694f89-bba4-4576-b0a8-456619ca5a8c" providerId="ADAL" clId="{4967B734-A465-2844-BA15-7FBACE49D2F8}" dt="2022-10-04T08:21:20.713" v="620" actId="478"/>
+          <ac:spMkLst>
+            <pc:docMk/>
+            <pc:sldMk cId="3950372499" sldId="269"/>
+            <ac:spMk id="4" creationId="{39E4D033-B0C4-D65C-AF4F-60006E851E46}"/>
+          </ac:spMkLst>
+        </pc:spChg>
+        <pc:spChg chg="mod">
+          <ac:chgData name="Riccardo Berta" userId="c8694f89-bba4-4576-b0a8-456619ca5a8c" providerId="ADAL" clId="{4967B734-A465-2844-BA15-7FBACE49D2F8}" dt="2022-10-04T08:22:30.428" v="629" actId="20577"/>
+          <ac:spMkLst>
+            <pc:docMk/>
+            <pc:sldMk cId="3950372499" sldId="269"/>
+            <ac:spMk id="83" creationId="{00000000-0000-0000-0000-000000000000}"/>
+          </ac:spMkLst>
+        </pc:spChg>
+        <pc:spChg chg="del">
+          <ac:chgData name="Riccardo Berta" userId="c8694f89-bba4-4576-b0a8-456619ca5a8c" providerId="ADAL" clId="{4967B734-A465-2844-BA15-7FBACE49D2F8}" dt="2022-10-04T08:21:12.185" v="617" actId="478"/>
+          <ac:spMkLst>
+            <pc:docMk/>
+            <pc:sldMk cId="3950372499" sldId="269"/>
+            <ac:spMk id="84" creationId="{00000000-0000-0000-0000-000000000000}"/>
+          </ac:spMkLst>
+        </pc:spChg>
+        <pc:picChg chg="add del mod modCrop">
+          <ac:chgData name="Riccardo Berta" userId="c8694f89-bba4-4576-b0a8-456619ca5a8c" providerId="ADAL" clId="{4967B734-A465-2844-BA15-7FBACE49D2F8}" dt="2022-10-04T08:22:28.190" v="625" actId="1076"/>
+          <ac:picMkLst>
+            <pc:docMk/>
+            <pc:sldMk cId="3950372499" sldId="269"/>
+            <ac:picMk id="2" creationId="{DD7459EB-2FB9-EE3F-1B0C-BEEC31DF7753}"/>
+          </ac:picMkLst>
+        </pc:picChg>
+      </pc:sldChg>
+      <pc:sldChg chg="addSp delSp modSp add mod">
+        <pc:chgData name="Riccardo Berta" userId="c8694f89-bba4-4576-b0a8-456619ca5a8c" providerId="ADAL" clId="{4967B734-A465-2844-BA15-7FBACE49D2F8}" dt="2022-10-04T08:30:10.946" v="871" actId="1076"/>
+        <pc:sldMkLst>
+          <pc:docMk/>
+          <pc:sldMk cId="3668836689" sldId="270"/>
+        </pc:sldMkLst>
+        <pc:spChg chg="add del mod">
+          <ac:chgData name="Riccardo Berta" userId="c8694f89-bba4-4576-b0a8-456619ca5a8c" providerId="ADAL" clId="{4967B734-A465-2844-BA15-7FBACE49D2F8}" dt="2022-10-04T08:28:59.088" v="849" actId="478"/>
+          <ac:spMkLst>
+            <pc:docMk/>
+            <pc:sldMk cId="3668836689" sldId="270"/>
+            <ac:spMk id="3" creationId="{ADD0BEAE-9DF8-C7CC-E5FD-45BD4BBED0AD}"/>
+          </ac:spMkLst>
+        </pc:spChg>
+        <pc:spChg chg="mod">
+          <ac:chgData name="Riccardo Berta" userId="c8694f89-bba4-4576-b0a8-456619ca5a8c" providerId="ADAL" clId="{4967B734-A465-2844-BA15-7FBACE49D2F8}" dt="2022-10-04T08:29:04.981" v="863" actId="20577"/>
+          <ac:spMkLst>
+            <pc:docMk/>
+            <pc:sldMk cId="3668836689" sldId="270"/>
+            <ac:spMk id="83" creationId="{00000000-0000-0000-0000-000000000000}"/>
+          </ac:spMkLst>
+        </pc:spChg>
+        <pc:spChg chg="del">
+          <ac:chgData name="Riccardo Berta" userId="c8694f89-bba4-4576-b0a8-456619ca5a8c" providerId="ADAL" clId="{4967B734-A465-2844-BA15-7FBACE49D2F8}" dt="2022-10-04T08:28:56.705" v="848" actId="478"/>
+          <ac:spMkLst>
+            <pc:docMk/>
+            <pc:sldMk cId="3668836689" sldId="270"/>
+            <ac:spMk id="84" creationId="{00000000-0000-0000-0000-000000000000}"/>
+          </ac:spMkLst>
+        </pc:spChg>
+        <pc:picChg chg="add mod modCrop">
+          <ac:chgData name="Riccardo Berta" userId="c8694f89-bba4-4576-b0a8-456619ca5a8c" providerId="ADAL" clId="{4967B734-A465-2844-BA15-7FBACE49D2F8}" dt="2022-10-04T08:30:10.946" v="871" actId="1076"/>
+          <ac:picMkLst>
+            <pc:docMk/>
+            <pc:sldMk cId="3668836689" sldId="270"/>
+            <ac:picMk id="4" creationId="{577B3EB2-1884-58A5-AA7F-C288CC12280D}"/>
+          </ac:picMkLst>
+        </pc:picChg>
+      </pc:sldChg>
+      <pc:sldChg chg="addSp modSp add mod">
+        <pc:chgData name="Riccardo Berta" userId="c8694f89-bba4-4576-b0a8-456619ca5a8c" providerId="ADAL" clId="{4967B734-A465-2844-BA15-7FBACE49D2F8}" dt="2022-10-04T08:33:08.776" v="912" actId="1076"/>
+        <pc:sldMkLst>
+          <pc:docMk/>
+          <pc:sldMk cId="1894295752" sldId="271"/>
+        </pc:sldMkLst>
+        <pc:spChg chg="mod">
+          <ac:chgData name="Riccardo Berta" userId="c8694f89-bba4-4576-b0a8-456619ca5a8c" providerId="ADAL" clId="{4967B734-A465-2844-BA15-7FBACE49D2F8}" dt="2022-10-04T08:30:25.791" v="874" actId="20577"/>
+          <ac:spMkLst>
+            <pc:docMk/>
+            <pc:sldMk cId="1894295752" sldId="271"/>
+            <ac:spMk id="83" creationId="{00000000-0000-0000-0000-000000000000}"/>
+          </ac:spMkLst>
+        </pc:spChg>
+        <pc:spChg chg="mod">
+          <ac:chgData name="Riccardo Berta" userId="c8694f89-bba4-4576-b0a8-456619ca5a8c" providerId="ADAL" clId="{4967B734-A465-2844-BA15-7FBACE49D2F8}" dt="2022-10-04T08:33:01.838" v="909" actId="1035"/>
+          <ac:spMkLst>
+            <pc:docMk/>
+            <pc:sldMk cId="1894295752" sldId="271"/>
+            <ac:spMk id="84" creationId="{00000000-0000-0000-0000-000000000000}"/>
+          </ac:spMkLst>
+        </pc:spChg>
+        <pc:picChg chg="add mod">
+          <ac:chgData name="Riccardo Berta" userId="c8694f89-bba4-4576-b0a8-456619ca5a8c" providerId="ADAL" clId="{4967B734-A465-2844-BA15-7FBACE49D2F8}" dt="2022-10-04T08:33:08.776" v="912" actId="1076"/>
+          <ac:picMkLst>
+            <pc:docMk/>
+            <pc:sldMk cId="1894295752" sldId="271"/>
+            <ac:picMk id="3" creationId="{B5A2D85B-25EA-51CE-30EE-5FCC2A5BCEE7}"/>
+          </ac:picMkLst>
+        </pc:picChg>
+      </pc:sldChg>
+      <pc:sldChg chg="del">
+        <pc:chgData name="Riccardo Berta" userId="c8694f89-bba4-4576-b0a8-456619ca5a8c" providerId="ADAL" clId="{4967B734-A465-2844-BA15-7FBACE49D2F8}" dt="2022-10-04T06:54:05.175" v="54" actId="2696"/>
+        <pc:sldMkLst>
+          <pc:docMk/>
+          <pc:sldMk cId="1942012932" sldId="271"/>
+        </pc:sldMkLst>
+      </pc:sldChg>
+      <pc:sldChg chg="addSp modSp add mod">
+        <pc:chgData name="Riccardo Berta" userId="c8694f89-bba4-4576-b0a8-456619ca5a8c" providerId="ADAL" clId="{4967B734-A465-2844-BA15-7FBACE49D2F8}" dt="2022-10-05T05:45:21.155" v="2636" actId="20577"/>
+        <pc:sldMkLst>
+          <pc:docMk/>
+          <pc:sldMk cId="732868139" sldId="272"/>
+        </pc:sldMkLst>
+        <pc:spChg chg="mod">
+          <ac:chgData name="Riccardo Berta" userId="c8694f89-bba4-4576-b0a8-456619ca5a8c" providerId="ADAL" clId="{4967B734-A465-2844-BA15-7FBACE49D2F8}" dt="2022-10-04T08:33:38.186" v="939" actId="20577"/>
+          <ac:spMkLst>
+            <pc:docMk/>
+            <pc:sldMk cId="732868139" sldId="272"/>
+            <ac:spMk id="83" creationId="{00000000-0000-0000-0000-000000000000}"/>
+          </ac:spMkLst>
+        </pc:spChg>
+        <pc:spChg chg="mod">
+          <ac:chgData name="Riccardo Berta" userId="c8694f89-bba4-4576-b0a8-456619ca5a8c" providerId="ADAL" clId="{4967B734-A465-2844-BA15-7FBACE49D2F8}" dt="2022-10-05T05:45:21.155" v="2636" actId="20577"/>
+          <ac:spMkLst>
+            <pc:docMk/>
+            <pc:sldMk cId="732868139" sldId="272"/>
+            <ac:spMk id="84" creationId="{00000000-0000-0000-0000-000000000000}"/>
+          </ac:spMkLst>
+        </pc:spChg>
+        <pc:picChg chg="add mod">
+          <ac:chgData name="Riccardo Berta" userId="c8694f89-bba4-4576-b0a8-456619ca5a8c" providerId="ADAL" clId="{4967B734-A465-2844-BA15-7FBACE49D2F8}" dt="2022-10-04T08:36:29.105" v="1008" actId="1076"/>
+          <ac:picMkLst>
+            <pc:docMk/>
+            <pc:sldMk cId="732868139" sldId="272"/>
+            <ac:picMk id="3" creationId="{06C364F7-5AEB-D00D-6586-D30FF7199764}"/>
+          </ac:picMkLst>
+        </pc:picChg>
+      </pc:sldChg>
+      <pc:sldChg chg="addSp delSp modSp add mod">
+        <pc:chgData name="Riccardo Berta" userId="c8694f89-bba4-4576-b0a8-456619ca5a8c" providerId="ADAL" clId="{4967B734-A465-2844-BA15-7FBACE49D2F8}" dt="2022-10-04T08:54:59.469" v="1509" actId="20577"/>
+        <pc:sldMkLst>
+          <pc:docMk/>
+          <pc:sldMk cId="3859598341" sldId="273"/>
+        </pc:sldMkLst>
+        <pc:spChg chg="add del">
+          <ac:chgData name="Riccardo Berta" userId="c8694f89-bba4-4576-b0a8-456619ca5a8c" providerId="ADAL" clId="{4967B734-A465-2844-BA15-7FBACE49D2F8}" dt="2022-10-04T08:40:47.038" v="1073" actId="478"/>
+          <ac:spMkLst>
+            <pc:docMk/>
+            <pc:sldMk cId="3859598341" sldId="273"/>
+            <ac:spMk id="5" creationId="{4BD7BBB3-7BD1-8528-AAC5-76102E39DEBE}"/>
+          </ac:spMkLst>
+        </pc:spChg>
+        <pc:spChg chg="mod">
+          <ac:chgData name="Riccardo Berta" userId="c8694f89-bba4-4576-b0a8-456619ca5a8c" providerId="ADAL" clId="{4967B734-A465-2844-BA15-7FBACE49D2F8}" dt="2022-10-04T08:54:59.469" v="1509" actId="20577"/>
+          <ac:spMkLst>
+            <pc:docMk/>
+            <pc:sldMk cId="3859598341" sldId="273"/>
+            <ac:spMk id="83" creationId="{00000000-0000-0000-0000-000000000000}"/>
+          </ac:spMkLst>
+        </pc:spChg>
+        <pc:spChg chg="mod">
+          <ac:chgData name="Riccardo Berta" userId="c8694f89-bba4-4576-b0a8-456619ca5a8c" providerId="ADAL" clId="{4967B734-A465-2844-BA15-7FBACE49D2F8}" dt="2022-10-04T08:50:37.924" v="1412" actId="113"/>
+          <ac:spMkLst>
+            <pc:docMk/>
+            <pc:sldMk cId="3859598341" sldId="273"/>
+            <ac:spMk id="84" creationId="{00000000-0000-0000-0000-000000000000}"/>
+          </ac:spMkLst>
+        </pc:spChg>
+        <pc:picChg chg="add del mod">
+          <ac:chgData name="Riccardo Berta" userId="c8694f89-bba4-4576-b0a8-456619ca5a8c" providerId="ADAL" clId="{4967B734-A465-2844-BA15-7FBACE49D2F8}" dt="2022-10-04T08:40:42.684" v="1072" actId="478"/>
+          <ac:picMkLst>
+            <pc:docMk/>
+            <pc:sldMk cId="3859598341" sldId="273"/>
+            <ac:picMk id="3" creationId="{20386706-AA10-6FE6-3018-AE4EEDC01050}"/>
+          </ac:picMkLst>
+        </pc:picChg>
+        <pc:picChg chg="add mod">
+          <ac:chgData name="Riccardo Berta" userId="c8694f89-bba4-4576-b0a8-456619ca5a8c" providerId="ADAL" clId="{4967B734-A465-2844-BA15-7FBACE49D2F8}" dt="2022-10-04T08:50:21.355" v="1410" actId="1076"/>
+          <ac:picMkLst>
+            <pc:docMk/>
+            <pc:sldMk cId="3859598341" sldId="273"/>
+            <ac:picMk id="7" creationId="{3AA9CA5E-B11C-5354-F133-CC2410A67F28}"/>
+          </ac:picMkLst>
+        </pc:picChg>
+      </pc:sldChg>
+      <pc:sldChg chg="addSp modSp add mod">
+        <pc:chgData name="Riccardo Berta" userId="c8694f89-bba4-4576-b0a8-456619ca5a8c" providerId="ADAL" clId="{4967B734-A465-2844-BA15-7FBACE49D2F8}" dt="2022-10-04T08:55:10.050" v="1510" actId="1076"/>
+        <pc:sldMkLst>
+          <pc:docMk/>
+          <pc:sldMk cId="2213323745" sldId="274"/>
+        </pc:sldMkLst>
+        <pc:spChg chg="mod">
+          <ac:chgData name="Riccardo Berta" userId="c8694f89-bba4-4576-b0a8-456619ca5a8c" providerId="ADAL" clId="{4967B734-A465-2844-BA15-7FBACE49D2F8}" dt="2022-10-04T08:54:47.815" v="1503" actId="20577"/>
+          <ac:spMkLst>
+            <pc:docMk/>
+            <pc:sldMk cId="2213323745" sldId="274"/>
+            <ac:spMk id="83" creationId="{00000000-0000-0000-0000-000000000000}"/>
+          </ac:spMkLst>
+        </pc:spChg>
+        <pc:spChg chg="mod">
+          <ac:chgData name="Riccardo Berta" userId="c8694f89-bba4-4576-b0a8-456619ca5a8c" providerId="ADAL" clId="{4967B734-A465-2844-BA15-7FBACE49D2F8}" dt="2022-10-04T08:54:36.556" v="1475" actId="5793"/>
+          <ac:spMkLst>
+            <pc:docMk/>
+            <pc:sldMk cId="2213323745" sldId="274"/>
+            <ac:spMk id="84" creationId="{00000000-0000-0000-0000-000000000000}"/>
+          </ac:spMkLst>
+        </pc:spChg>
+        <pc:picChg chg="add mod">
+          <ac:chgData name="Riccardo Berta" userId="c8694f89-bba4-4576-b0a8-456619ca5a8c" providerId="ADAL" clId="{4967B734-A465-2844-BA15-7FBACE49D2F8}" dt="2022-10-04T08:55:10.050" v="1510" actId="1076"/>
+          <ac:picMkLst>
+            <pc:docMk/>
+            <pc:sldMk cId="2213323745" sldId="274"/>
+            <ac:picMk id="3" creationId="{DC8EA310-4CEB-F6CD-8EBA-90EBC000E7D0}"/>
+          </ac:picMkLst>
+        </pc:picChg>
+      </pc:sldChg>
+      <pc:sldChg chg="del">
+        <pc:chgData name="Riccardo Berta" userId="c8694f89-bba4-4576-b0a8-456619ca5a8c" providerId="ADAL" clId="{4967B734-A465-2844-BA15-7FBACE49D2F8}" dt="2022-10-04T06:54:05.569" v="55" actId="2696"/>
+        <pc:sldMkLst>
+          <pc:docMk/>
+          <pc:sldMk cId="2759966790" sldId="274"/>
+        </pc:sldMkLst>
+      </pc:sldChg>
+      <pc:sldChg chg="addSp modSp add mod">
+        <pc:chgData name="Riccardo Berta" userId="c8694f89-bba4-4576-b0a8-456619ca5a8c" providerId="ADAL" clId="{4967B734-A465-2844-BA15-7FBACE49D2F8}" dt="2022-10-10T05:36:43.547" v="2688" actId="20577"/>
+        <pc:sldMkLst>
+          <pc:docMk/>
+          <pc:sldMk cId="303121765" sldId="275"/>
+        </pc:sldMkLst>
+        <pc:spChg chg="mod">
+          <ac:chgData name="Riccardo Berta" userId="c8694f89-bba4-4576-b0a8-456619ca5a8c" providerId="ADAL" clId="{4967B734-A465-2844-BA15-7FBACE49D2F8}" dt="2022-10-04T08:56:19.042" v="1513"/>
+          <ac:spMkLst>
+            <pc:docMk/>
+            <pc:sldMk cId="303121765" sldId="275"/>
+            <ac:spMk id="83" creationId="{00000000-0000-0000-0000-000000000000}"/>
+          </ac:spMkLst>
+        </pc:spChg>
+        <pc:spChg chg="mod">
+          <ac:chgData name="Riccardo Berta" userId="c8694f89-bba4-4576-b0a8-456619ca5a8c" providerId="ADAL" clId="{4967B734-A465-2844-BA15-7FBACE49D2F8}" dt="2022-10-10T05:36:43.547" v="2688" actId="20577"/>
+          <ac:spMkLst>
+            <pc:docMk/>
+            <pc:sldMk cId="303121765" sldId="275"/>
+            <ac:spMk id="84" creationId="{00000000-0000-0000-0000-000000000000}"/>
+          </ac:spMkLst>
+        </pc:spChg>
+        <pc:picChg chg="add mod">
+          <ac:chgData name="Riccardo Berta" userId="c8694f89-bba4-4576-b0a8-456619ca5a8c" providerId="ADAL" clId="{4967B734-A465-2844-BA15-7FBACE49D2F8}" dt="2022-10-04T09:29:01.183" v="1661" actId="1076"/>
+          <ac:picMkLst>
+            <pc:docMk/>
+            <pc:sldMk cId="303121765" sldId="275"/>
+            <ac:picMk id="3" creationId="{1558432E-BB9A-36EE-DEE9-411FA3BCAAC6}"/>
+          </ac:picMkLst>
+        </pc:picChg>
+        <pc:picChg chg="add mod">
+          <ac:chgData name="Riccardo Berta" userId="c8694f89-bba4-4576-b0a8-456619ca5a8c" providerId="ADAL" clId="{4967B734-A465-2844-BA15-7FBACE49D2F8}" dt="2022-10-04T09:29:10.609" v="1671" actId="1076"/>
+          <ac:picMkLst>
+            <pc:docMk/>
+            <pc:sldMk cId="303121765" sldId="275"/>
+            <ac:picMk id="5" creationId="{AFA7E6B6-E78E-79EF-CB15-0348F1C7B395}"/>
+          </ac:picMkLst>
+        </pc:picChg>
+      </pc:sldChg>
+      <pc:sldChg chg="del">
+        <pc:chgData name="Riccardo Berta" userId="c8694f89-bba4-4576-b0a8-456619ca5a8c" providerId="ADAL" clId="{4967B734-A465-2844-BA15-7FBACE49D2F8}" dt="2022-10-04T06:54:06.082" v="56" actId="2696"/>
+        <pc:sldMkLst>
+          <pc:docMk/>
+          <pc:sldMk cId="3965473342" sldId="275"/>
+        </pc:sldMkLst>
+      </pc:sldChg>
+      <pc:sldChg chg="addSp modSp add mod">
+        <pc:chgData name="Riccardo Berta" userId="c8694f89-bba4-4576-b0a8-456619ca5a8c" providerId="ADAL" clId="{4967B734-A465-2844-BA15-7FBACE49D2F8}" dt="2022-10-04T09:35:09.338" v="1844" actId="113"/>
+        <pc:sldMkLst>
+          <pc:docMk/>
+          <pc:sldMk cId="2020526202" sldId="276"/>
+        </pc:sldMkLst>
+        <pc:spChg chg="mod">
+          <ac:chgData name="Riccardo Berta" userId="c8694f89-bba4-4576-b0a8-456619ca5a8c" providerId="ADAL" clId="{4967B734-A465-2844-BA15-7FBACE49D2F8}" dt="2022-10-04T09:29:30.015" v="1699" actId="20577"/>
+          <ac:spMkLst>
+            <pc:docMk/>
+            <pc:sldMk cId="2020526202" sldId="276"/>
+            <ac:spMk id="83" creationId="{00000000-0000-0000-0000-000000000000}"/>
+          </ac:spMkLst>
+        </pc:spChg>
+        <pc:spChg chg="mod">
+          <ac:chgData name="Riccardo Berta" userId="c8694f89-bba4-4576-b0a8-456619ca5a8c" providerId="ADAL" clId="{4967B734-A465-2844-BA15-7FBACE49D2F8}" dt="2022-10-04T09:35:09.338" v="1844" actId="113"/>
+          <ac:spMkLst>
+            <pc:docMk/>
+            <pc:sldMk cId="2020526202" sldId="276"/>
+            <ac:spMk id="84" creationId="{00000000-0000-0000-0000-000000000000}"/>
+          </ac:spMkLst>
+        </pc:spChg>
+        <pc:picChg chg="add mod">
+          <ac:chgData name="Riccardo Berta" userId="c8694f89-bba4-4576-b0a8-456619ca5a8c" providerId="ADAL" clId="{4967B734-A465-2844-BA15-7FBACE49D2F8}" dt="2022-10-04T09:34:22.336" v="1806" actId="1076"/>
+          <ac:picMkLst>
+            <pc:docMk/>
+            <pc:sldMk cId="2020526202" sldId="276"/>
+            <ac:picMk id="3" creationId="{88ECFE04-FF14-52F4-A978-DE862D655546}"/>
+          </ac:picMkLst>
+        </pc:picChg>
+      </pc:sldChg>
+      <pc:sldChg chg="del">
+        <pc:chgData name="Riccardo Berta" userId="c8694f89-bba4-4576-b0a8-456619ca5a8c" providerId="ADAL" clId="{4967B734-A465-2844-BA15-7FBACE49D2F8}" dt="2022-10-04T06:54:06.650" v="57" actId="2696"/>
+        <pc:sldMkLst>
+          <pc:docMk/>
+          <pc:sldMk cId="3364334937" sldId="276"/>
+        </pc:sldMkLst>
+      </pc:sldChg>
+      <pc:sldChg chg="del">
+        <pc:chgData name="Riccardo Berta" userId="c8694f89-bba4-4576-b0a8-456619ca5a8c" providerId="ADAL" clId="{4967B734-A465-2844-BA15-7FBACE49D2F8}" dt="2022-10-04T06:54:07.117" v="58" actId="2696"/>
+        <pc:sldMkLst>
+          <pc:docMk/>
+          <pc:sldMk cId="2920432797" sldId="277"/>
+        </pc:sldMkLst>
+      </pc:sldChg>
+      <pc:sldChg chg="addSp modSp add mod">
+        <pc:chgData name="Riccardo Berta" userId="c8694f89-bba4-4576-b0a8-456619ca5a8c" providerId="ADAL" clId="{4967B734-A465-2844-BA15-7FBACE49D2F8}" dt="2022-10-10T05:38:42.742" v="2693" actId="20577"/>
+        <pc:sldMkLst>
+          <pc:docMk/>
+          <pc:sldMk cId="3156887330" sldId="277"/>
+        </pc:sldMkLst>
+        <pc:spChg chg="mod">
+          <ac:chgData name="Riccardo Berta" userId="c8694f89-bba4-4576-b0a8-456619ca5a8c" providerId="ADAL" clId="{4967B734-A465-2844-BA15-7FBACE49D2F8}" dt="2022-10-04T09:34:47.105" v="1828" actId="20577"/>
+          <ac:spMkLst>
+            <pc:docMk/>
+            <pc:sldMk cId="3156887330" sldId="277"/>
+            <ac:spMk id="83" creationId="{00000000-0000-0000-0000-000000000000}"/>
+          </ac:spMkLst>
+        </pc:spChg>
+        <pc:spChg chg="mod">
+          <ac:chgData name="Riccardo Berta" userId="c8694f89-bba4-4576-b0a8-456619ca5a8c" providerId="ADAL" clId="{4967B734-A465-2844-BA15-7FBACE49D2F8}" dt="2022-10-10T05:38:42.742" v="2693" actId="20577"/>
+          <ac:spMkLst>
+            <pc:docMk/>
+            <pc:sldMk cId="3156887330" sldId="277"/>
+            <ac:spMk id="84" creationId="{00000000-0000-0000-0000-000000000000}"/>
+          </ac:spMkLst>
+        </pc:spChg>
+        <pc:picChg chg="add mod">
+          <ac:chgData name="Riccardo Berta" userId="c8694f89-bba4-4576-b0a8-456619ca5a8c" providerId="ADAL" clId="{4967B734-A465-2844-BA15-7FBACE49D2F8}" dt="2022-10-04T09:39:19.764" v="1943" actId="1076"/>
+          <ac:picMkLst>
+            <pc:docMk/>
+            <pc:sldMk cId="3156887330" sldId="277"/>
+            <ac:picMk id="3" creationId="{EC767993-3E78-5F54-36E2-E40875AD49A1}"/>
+          </ac:picMkLst>
+        </pc:picChg>
+      </pc:sldChg>
+      <pc:sldChg chg="addSp modSp add mod">
+        <pc:chgData name="Riccardo Berta" userId="c8694f89-bba4-4576-b0a8-456619ca5a8c" providerId="ADAL" clId="{4967B734-A465-2844-BA15-7FBACE49D2F8}" dt="2022-10-04T09:50:43.485" v="2061" actId="1076"/>
+        <pc:sldMkLst>
+          <pc:docMk/>
+          <pc:sldMk cId="1586284290" sldId="278"/>
+        </pc:sldMkLst>
+        <pc:spChg chg="mod">
+          <ac:chgData name="Riccardo Berta" userId="c8694f89-bba4-4576-b0a8-456619ca5a8c" providerId="ADAL" clId="{4967B734-A465-2844-BA15-7FBACE49D2F8}" dt="2022-10-04T09:39:46.696" v="1972" actId="20577"/>
+          <ac:spMkLst>
+            <pc:docMk/>
+            <pc:sldMk cId="1586284290" sldId="278"/>
+            <ac:spMk id="83" creationId="{00000000-0000-0000-0000-000000000000}"/>
+          </ac:spMkLst>
+        </pc:spChg>
+        <pc:spChg chg="mod">
+          <ac:chgData name="Riccardo Berta" userId="c8694f89-bba4-4576-b0a8-456619ca5a8c" providerId="ADAL" clId="{4967B734-A465-2844-BA15-7FBACE49D2F8}" dt="2022-10-04T09:50:25.842" v="2059" actId="20577"/>
+          <ac:spMkLst>
+            <pc:docMk/>
+            <pc:sldMk cId="1586284290" sldId="278"/>
+            <ac:spMk id="84" creationId="{00000000-0000-0000-0000-000000000000}"/>
+          </ac:spMkLst>
+        </pc:spChg>
+        <pc:picChg chg="add mod modCrop">
+          <ac:chgData name="Riccardo Berta" userId="c8694f89-bba4-4576-b0a8-456619ca5a8c" providerId="ADAL" clId="{4967B734-A465-2844-BA15-7FBACE49D2F8}" dt="2022-10-04T09:48:54.619" v="2028" actId="1076"/>
+          <ac:picMkLst>
+            <pc:docMk/>
+            <pc:sldMk cId="1586284290" sldId="278"/>
+            <ac:picMk id="3" creationId="{EC904396-95B0-3596-C30B-F4DAD67A93A0}"/>
+          </ac:picMkLst>
+        </pc:picChg>
+        <pc:picChg chg="add mod">
+          <ac:chgData name="Riccardo Berta" userId="c8694f89-bba4-4576-b0a8-456619ca5a8c" providerId="ADAL" clId="{4967B734-A465-2844-BA15-7FBACE49D2F8}" dt="2022-10-04T09:50:43.485" v="2061" actId="1076"/>
+          <ac:picMkLst>
+            <pc:docMk/>
+            <pc:sldMk cId="1586284290" sldId="278"/>
+            <ac:picMk id="5" creationId="{F263AB65-02BC-B30C-60E2-24FB398F2F09}"/>
+          </ac:picMkLst>
+        </pc:picChg>
+      </pc:sldChg>
+      <pc:sldChg chg="del">
+        <pc:chgData name="Riccardo Berta" userId="c8694f89-bba4-4576-b0a8-456619ca5a8c" providerId="ADAL" clId="{4967B734-A465-2844-BA15-7FBACE49D2F8}" dt="2022-10-04T06:54:07.594" v="59" actId="2696"/>
+        <pc:sldMkLst>
+          <pc:docMk/>
+          <pc:sldMk cId="3024273348" sldId="278"/>
+        </pc:sldMkLst>
+      </pc:sldChg>
+      <pc:sldChg chg="del">
+        <pc:chgData name="Riccardo Berta" userId="c8694f89-bba4-4576-b0a8-456619ca5a8c" providerId="ADAL" clId="{4967B734-A465-2844-BA15-7FBACE49D2F8}" dt="2022-10-04T06:54:08.017" v="60" actId="2696"/>
+        <pc:sldMkLst>
+          <pc:docMk/>
+          <pc:sldMk cId="2505677359" sldId="279"/>
+        </pc:sldMkLst>
+      </pc:sldChg>
+      <pc:sldChg chg="modSp add mod">
+        <pc:chgData name="Riccardo Berta" userId="c8694f89-bba4-4576-b0a8-456619ca5a8c" providerId="ADAL" clId="{4967B734-A465-2844-BA15-7FBACE49D2F8}" dt="2022-10-04T09:56:29.719" v="2268" actId="404"/>
+        <pc:sldMkLst>
+          <pc:docMk/>
+          <pc:sldMk cId="2677523252" sldId="279"/>
+        </pc:sldMkLst>
+        <pc:spChg chg="mod">
+          <ac:chgData name="Riccardo Berta" userId="c8694f89-bba4-4576-b0a8-456619ca5a8c" providerId="ADAL" clId="{4967B734-A465-2844-BA15-7FBACE49D2F8}" dt="2022-10-04T09:51:16.166" v="2076" actId="20577"/>
+          <ac:spMkLst>
+            <pc:docMk/>
+            <pc:sldMk cId="2677523252" sldId="279"/>
+            <ac:spMk id="83" creationId="{00000000-0000-0000-0000-000000000000}"/>
+          </ac:spMkLst>
+        </pc:spChg>
+        <pc:spChg chg="mod">
+          <ac:chgData name="Riccardo Berta" userId="c8694f89-bba4-4576-b0a8-456619ca5a8c" providerId="ADAL" clId="{4967B734-A465-2844-BA15-7FBACE49D2F8}" dt="2022-10-04T09:56:29.719" v="2268" actId="404"/>
+          <ac:spMkLst>
+            <pc:docMk/>
+            <pc:sldMk cId="2677523252" sldId="279"/>
+            <ac:spMk id="84" creationId="{00000000-0000-0000-0000-000000000000}"/>
+          </ac:spMkLst>
+        </pc:spChg>
+      </pc:sldChg>
+      <pc:sldChg chg="addSp delSp modSp add mod">
+        <pc:chgData name="Riccardo Berta" userId="c8694f89-bba4-4576-b0a8-456619ca5a8c" providerId="ADAL" clId="{4967B734-A465-2844-BA15-7FBACE49D2F8}" dt="2022-10-10T05:41:52.141" v="2700" actId="1036"/>
+        <pc:sldMkLst>
+          <pc:docMk/>
+          <pc:sldMk cId="635836889" sldId="280"/>
+        </pc:sldMkLst>
+        <pc:spChg chg="add del mod">
+          <ac:chgData name="Riccardo Berta" userId="c8694f89-bba4-4576-b0a8-456619ca5a8c" providerId="ADAL" clId="{4967B734-A465-2844-BA15-7FBACE49D2F8}" dt="2022-10-04T10:06:24.142" v="2388"/>
+          <ac:spMkLst>
+            <pc:docMk/>
+            <pc:sldMk cId="635836889" sldId="280"/>
+            <ac:spMk id="4" creationId="{CD5234B4-8570-26AF-D55A-23B29365C2EC}"/>
+          </ac:spMkLst>
+        </pc:spChg>
+        <pc:spChg chg="mod">
+          <ac:chgData name="Riccardo Berta" userId="c8694f89-bba4-4576-b0a8-456619ca5a8c" providerId="ADAL" clId="{4967B734-A465-2844-BA15-7FBACE49D2F8}" dt="2022-10-04T10:04:00.493" v="2348" actId="20577"/>
+          <ac:spMkLst>
+            <pc:docMk/>
+            <pc:sldMk cId="635836889" sldId="280"/>
+            <ac:spMk id="83" creationId="{00000000-0000-0000-0000-000000000000}"/>
+          </ac:spMkLst>
+        </pc:spChg>
+        <pc:spChg chg="mod">
+          <ac:chgData name="Riccardo Berta" userId="c8694f89-bba4-4576-b0a8-456619ca5a8c" providerId="ADAL" clId="{4967B734-A465-2844-BA15-7FBACE49D2F8}" dt="2022-10-10T05:41:42.757" v="2695" actId="20577"/>
+          <ac:spMkLst>
+            <pc:docMk/>
+            <pc:sldMk cId="635836889" sldId="280"/>
+            <ac:spMk id="84" creationId="{00000000-0000-0000-0000-000000000000}"/>
+          </ac:spMkLst>
+        </pc:spChg>
+        <pc:picChg chg="add mod">
+          <ac:chgData name="Riccardo Berta" userId="c8694f89-bba4-4576-b0a8-456619ca5a8c" providerId="ADAL" clId="{4967B734-A465-2844-BA15-7FBACE49D2F8}" dt="2022-10-10T05:41:52.141" v="2700" actId="1036"/>
+          <ac:picMkLst>
+            <pc:docMk/>
+            <pc:sldMk cId="635836889" sldId="280"/>
+            <ac:picMk id="3" creationId="{9D698964-6810-0A38-210E-1AC551FB61ED}"/>
+          </ac:picMkLst>
+        </pc:picChg>
+      </pc:sldChg>
+      <pc:sldChg chg="del">
+        <pc:chgData name="Riccardo Berta" userId="c8694f89-bba4-4576-b0a8-456619ca5a8c" providerId="ADAL" clId="{4967B734-A465-2844-BA15-7FBACE49D2F8}" dt="2022-10-04T06:54:08.481" v="61" actId="2696"/>
+        <pc:sldMkLst>
+          <pc:docMk/>
+          <pc:sldMk cId="3525330065" sldId="280"/>
+        </pc:sldMkLst>
+      </pc:sldChg>
+      <pc:sldChg chg="del">
+        <pc:chgData name="Riccardo Berta" userId="c8694f89-bba4-4576-b0a8-456619ca5a8c" providerId="ADAL" clId="{4967B734-A465-2844-BA15-7FBACE49D2F8}" dt="2022-10-04T06:54:08.911" v="62" actId="2696"/>
+        <pc:sldMkLst>
+          <pc:docMk/>
+          <pc:sldMk cId="349541788" sldId="281"/>
+        </pc:sldMkLst>
+      </pc:sldChg>
+      <pc:sldChg chg="addSp modSp add mod">
+        <pc:chgData name="Riccardo Berta" userId="c8694f89-bba4-4576-b0a8-456619ca5a8c" providerId="ADAL" clId="{4967B734-A465-2844-BA15-7FBACE49D2F8}" dt="2022-10-04T10:06:15.809" v="2385" actId="1076"/>
+        <pc:sldMkLst>
+          <pc:docMk/>
+          <pc:sldMk cId="2288803032" sldId="281"/>
+        </pc:sldMkLst>
+        <pc:spChg chg="mod">
+          <ac:chgData name="Riccardo Berta" userId="c8694f89-bba4-4576-b0a8-456619ca5a8c" providerId="ADAL" clId="{4967B734-A465-2844-BA15-7FBACE49D2F8}" dt="2022-10-04T10:04:07.647" v="2351" actId="20577"/>
+          <ac:spMkLst>
+            <pc:docMk/>
+            <pc:sldMk cId="2288803032" sldId="281"/>
+            <ac:spMk id="83" creationId="{00000000-0000-0000-0000-000000000000}"/>
+          </ac:spMkLst>
+        </pc:spChg>
+        <pc:spChg chg="mod">
+          <ac:chgData name="Riccardo Berta" userId="c8694f89-bba4-4576-b0a8-456619ca5a8c" providerId="ADAL" clId="{4967B734-A465-2844-BA15-7FBACE49D2F8}" dt="2022-10-04T10:06:05.744" v="2382" actId="113"/>
+          <ac:spMkLst>
+            <pc:docMk/>
+            <pc:sldMk cId="2288803032" sldId="281"/>
+            <ac:spMk id="84" creationId="{00000000-0000-0000-0000-000000000000}"/>
+          </ac:spMkLst>
+        </pc:spChg>
+        <pc:picChg chg="add mod">
+          <ac:chgData name="Riccardo Berta" userId="c8694f89-bba4-4576-b0a8-456619ca5a8c" providerId="ADAL" clId="{4967B734-A465-2844-BA15-7FBACE49D2F8}" dt="2022-10-04T10:06:15.809" v="2385" actId="1076"/>
+          <ac:picMkLst>
+            <pc:docMk/>
+            <pc:sldMk cId="2288803032" sldId="281"/>
+            <ac:picMk id="3" creationId="{54E22ADE-C1D5-4C60-42F1-3C4C79C16916}"/>
+          </ac:picMkLst>
+        </pc:picChg>
+      </pc:sldChg>
+      <pc:sldChg chg="addSp delSp modSp add mod">
+        <pc:chgData name="Riccardo Berta" userId="c8694f89-bba4-4576-b0a8-456619ca5a8c" providerId="ADAL" clId="{4967B734-A465-2844-BA15-7FBACE49D2F8}" dt="2022-10-04T10:16:31.835" v="2463" actId="20577"/>
+        <pc:sldMkLst>
+          <pc:docMk/>
+          <pc:sldMk cId="663506827" sldId="282"/>
+        </pc:sldMkLst>
+        <pc:spChg chg="mod">
+          <ac:chgData name="Riccardo Berta" userId="c8694f89-bba4-4576-b0a8-456619ca5a8c" providerId="ADAL" clId="{4967B734-A465-2844-BA15-7FBACE49D2F8}" dt="2022-10-04T10:16:31.835" v="2463" actId="20577"/>
+          <ac:spMkLst>
+            <pc:docMk/>
+            <pc:sldMk cId="663506827" sldId="282"/>
+            <ac:spMk id="83" creationId="{00000000-0000-0000-0000-000000000000}"/>
+          </ac:spMkLst>
+        </pc:spChg>
+        <pc:spChg chg="mod">
+          <ac:chgData name="Riccardo Berta" userId="c8694f89-bba4-4576-b0a8-456619ca5a8c" providerId="ADAL" clId="{4967B734-A465-2844-BA15-7FBACE49D2F8}" dt="2022-10-04T10:07:50.041" v="2416" actId="1076"/>
+          <ac:spMkLst>
+            <pc:docMk/>
+            <pc:sldMk cId="663506827" sldId="282"/>
+            <ac:spMk id="84" creationId="{00000000-0000-0000-0000-000000000000}"/>
+          </ac:spMkLst>
+        </pc:spChg>
+        <pc:picChg chg="del">
+          <ac:chgData name="Riccardo Berta" userId="c8694f89-bba4-4576-b0a8-456619ca5a8c" providerId="ADAL" clId="{4967B734-A465-2844-BA15-7FBACE49D2F8}" dt="2022-10-04T10:06:28.259" v="2391" actId="478"/>
+          <ac:picMkLst>
+            <pc:docMk/>
+            <pc:sldMk cId="663506827" sldId="282"/>
+            <ac:picMk id="3" creationId="{54E22ADE-C1D5-4C60-42F1-3C4C79C16916}"/>
+          </ac:picMkLst>
+        </pc:picChg>
+        <pc:picChg chg="add mod">
+          <ac:chgData name="Riccardo Berta" userId="c8694f89-bba4-4576-b0a8-456619ca5a8c" providerId="ADAL" clId="{4967B734-A465-2844-BA15-7FBACE49D2F8}" dt="2022-10-04T10:07:56.607" v="2418" actId="1076"/>
+          <ac:picMkLst>
+            <pc:docMk/>
+            <pc:sldMk cId="663506827" sldId="282"/>
+            <ac:picMk id="4" creationId="{CB17357D-3BA1-B6CF-F4B0-06F6D3C3026E}"/>
+          </ac:picMkLst>
+        </pc:picChg>
+      </pc:sldChg>
+      <pc:sldChg chg="del">
+        <pc:chgData name="Riccardo Berta" userId="c8694f89-bba4-4576-b0a8-456619ca5a8c" providerId="ADAL" clId="{4967B734-A465-2844-BA15-7FBACE49D2F8}" dt="2022-10-04T06:54:09.464" v="63" actId="2696"/>
+        <pc:sldMkLst>
+          <pc:docMk/>
+          <pc:sldMk cId="2584172506" sldId="282"/>
+        </pc:sldMkLst>
+      </pc:sldChg>
+      <pc:sldChg chg="addSp delSp modSp add mod">
+        <pc:chgData name="Riccardo Berta" userId="c8694f89-bba4-4576-b0a8-456619ca5a8c" providerId="ADAL" clId="{4967B734-A465-2844-BA15-7FBACE49D2F8}" dt="2022-10-04T10:17:39.088" v="2550" actId="20577"/>
+        <pc:sldMkLst>
+          <pc:docMk/>
+          <pc:sldMk cId="2423864326" sldId="283"/>
+        </pc:sldMkLst>
+        <pc:spChg chg="mod">
+          <ac:chgData name="Riccardo Berta" userId="c8694f89-bba4-4576-b0a8-456619ca5a8c" providerId="ADAL" clId="{4967B734-A465-2844-BA15-7FBACE49D2F8}" dt="2022-10-04T10:16:35.426" v="2465" actId="20577"/>
+          <ac:spMkLst>
+            <pc:docMk/>
+            <pc:sldMk cId="2423864326" sldId="283"/>
+            <ac:spMk id="83" creationId="{00000000-0000-0000-0000-000000000000}"/>
+          </ac:spMkLst>
+        </pc:spChg>
+        <pc:spChg chg="mod">
+          <ac:chgData name="Riccardo Berta" userId="c8694f89-bba4-4576-b0a8-456619ca5a8c" providerId="ADAL" clId="{4967B734-A465-2844-BA15-7FBACE49D2F8}" dt="2022-10-04T10:17:39.088" v="2550" actId="20577"/>
+          <ac:spMkLst>
+            <pc:docMk/>
+            <pc:sldMk cId="2423864326" sldId="283"/>
+            <ac:spMk id="84" creationId="{00000000-0000-0000-0000-000000000000}"/>
+          </ac:spMkLst>
+        </pc:spChg>
+        <pc:picChg chg="add mod">
+          <ac:chgData name="Riccardo Berta" userId="c8694f89-bba4-4576-b0a8-456619ca5a8c" providerId="ADAL" clId="{4967B734-A465-2844-BA15-7FBACE49D2F8}" dt="2022-10-04T10:16:40.395" v="2467" actId="1076"/>
+          <ac:picMkLst>
+            <pc:docMk/>
+            <pc:sldMk cId="2423864326" sldId="283"/>
+            <ac:picMk id="3" creationId="{A9220B9F-26DE-F97C-B182-0C5B8ACF52A6}"/>
+          </ac:picMkLst>
+        </pc:picChg>
+        <pc:picChg chg="del">
+          <ac:chgData name="Riccardo Berta" userId="c8694f89-bba4-4576-b0a8-456619ca5a8c" providerId="ADAL" clId="{4967B734-A465-2844-BA15-7FBACE49D2F8}" dt="2022-10-04T10:08:28.635" v="2424" actId="478"/>
+          <ac:picMkLst>
+            <pc:docMk/>
+            <pc:sldMk cId="2423864326" sldId="283"/>
+            <ac:picMk id="4" creationId="{CB17357D-3BA1-B6CF-F4B0-06F6D3C3026E}"/>
+          </ac:picMkLst>
+        </pc:picChg>
+        <pc:picChg chg="add del mod">
+          <ac:chgData name="Riccardo Berta" userId="c8694f89-bba4-4576-b0a8-456619ca5a8c" providerId="ADAL" clId="{4967B734-A465-2844-BA15-7FBACE49D2F8}" dt="2022-10-04T10:15:22.510" v="2440" actId="21"/>
+          <ac:picMkLst>
+            <pc:docMk/>
+            <pc:sldMk cId="2423864326" sldId="283"/>
+            <ac:picMk id="6" creationId="{47EEA959-CD75-423F-FF11-1B537B275B90}"/>
+          </ac:picMkLst>
+        </pc:picChg>
+      </pc:sldChg>
+      <pc:sldChg chg="del">
+        <pc:chgData name="Riccardo Berta" userId="c8694f89-bba4-4576-b0a8-456619ca5a8c" providerId="ADAL" clId="{4967B734-A465-2844-BA15-7FBACE49D2F8}" dt="2022-10-04T06:54:09.892" v="64" actId="2696"/>
+        <pc:sldMkLst>
+          <pc:docMk/>
+          <pc:sldMk cId="2548826204" sldId="283"/>
+        </pc:sldMkLst>
+      </pc:sldChg>
+      <pc:sldChg chg="add del">
+        <pc:chgData name="Riccardo Berta" userId="c8694f89-bba4-4576-b0a8-456619ca5a8c" providerId="ADAL" clId="{4967B734-A465-2844-BA15-7FBACE49D2F8}" dt="2022-10-04T10:14:48.405" v="2429"/>
+        <pc:sldMkLst>
+          <pc:docMk/>
+          <pc:sldMk cId="196183857" sldId="284"/>
+        </pc:sldMkLst>
+      </pc:sldChg>
+      <pc:sldChg chg="addSp delSp modSp add mod">
+        <pc:chgData name="Riccardo Berta" userId="c8694f89-bba4-4576-b0a8-456619ca5a8c" providerId="ADAL" clId="{4967B734-A465-2844-BA15-7FBACE49D2F8}" dt="2022-10-04T10:16:23.053" v="2461" actId="1076"/>
+        <pc:sldMkLst>
+          <pc:docMk/>
+          <pc:sldMk cId="852930802" sldId="284"/>
+        </pc:sldMkLst>
+        <pc:spChg chg="mod">
+          <ac:chgData name="Riccardo Berta" userId="c8694f89-bba4-4576-b0a8-456619ca5a8c" providerId="ADAL" clId="{4967B734-A465-2844-BA15-7FBACE49D2F8}" dt="2022-10-04T10:15:10.060" v="2434" actId="20577"/>
+          <ac:spMkLst>
+            <pc:docMk/>
+            <pc:sldMk cId="852930802" sldId="284"/>
+            <ac:spMk id="83" creationId="{00000000-0000-0000-0000-000000000000}"/>
+          </ac:spMkLst>
+        </pc:spChg>
+        <pc:spChg chg="mod">
+          <ac:chgData name="Riccardo Berta" userId="c8694f89-bba4-4576-b0a8-456619ca5a8c" providerId="ADAL" clId="{4967B734-A465-2844-BA15-7FBACE49D2F8}" dt="2022-10-04T10:16:02.996" v="2458" actId="20577"/>
+          <ac:spMkLst>
+            <pc:docMk/>
+            <pc:sldMk cId="852930802" sldId="284"/>
+            <ac:spMk id="84" creationId="{00000000-0000-0000-0000-000000000000}"/>
+          </ac:spMkLst>
+        </pc:spChg>
+        <pc:picChg chg="add mod">
+          <ac:chgData name="Riccardo Berta" userId="c8694f89-bba4-4576-b0a8-456619ca5a8c" providerId="ADAL" clId="{4967B734-A465-2844-BA15-7FBACE49D2F8}" dt="2022-10-04T10:16:23.053" v="2461" actId="1076"/>
+          <ac:picMkLst>
+            <pc:docMk/>
+            <pc:sldMk cId="852930802" sldId="284"/>
+            <ac:picMk id="2" creationId="{DF568B29-4E99-A3CF-2B9A-96B190172962}"/>
+          </ac:picMkLst>
+        </pc:picChg>
+        <pc:picChg chg="del">
+          <ac:chgData name="Riccardo Berta" userId="c8694f89-bba4-4576-b0a8-456619ca5a8c" providerId="ADAL" clId="{4967B734-A465-2844-BA15-7FBACE49D2F8}" dt="2022-10-04T10:15:11.873" v="2435" actId="478"/>
+          <ac:picMkLst>
+            <pc:docMk/>
+            <pc:sldMk cId="852930802" sldId="284"/>
+            <ac:picMk id="3" creationId="{54E22ADE-C1D5-4C60-42F1-3C4C79C16916}"/>
+          </ac:picMkLst>
+        </pc:picChg>
+      </pc:sldChg>
+      <pc:sldChg chg="del">
+        <pc:chgData name="Riccardo Berta" userId="c8694f89-bba4-4576-b0a8-456619ca5a8c" providerId="ADAL" clId="{4967B734-A465-2844-BA15-7FBACE49D2F8}" dt="2022-10-04T06:54:10.321" v="65" actId="2696"/>
+        <pc:sldMkLst>
+          <pc:docMk/>
+          <pc:sldMk cId="3494619461" sldId="284"/>
+        </pc:sldMkLst>
+      </pc:sldChg>
+      <pc:sldChg chg="del">
+        <pc:chgData name="Riccardo Berta" userId="c8694f89-bba4-4576-b0a8-456619ca5a8c" providerId="ADAL" clId="{4967B734-A465-2844-BA15-7FBACE49D2F8}" dt="2022-10-04T06:54:10.985" v="66" actId="2696"/>
+        <pc:sldMkLst>
+          <pc:docMk/>
+          <pc:sldMk cId="3458162749" sldId="285"/>
+        </pc:sldMkLst>
+      </pc:sldChg>
+      <pc:sldChg chg="del">
+        <pc:chgData name="Riccardo Berta" userId="c8694f89-bba4-4576-b0a8-456619ca5a8c" providerId="ADAL" clId="{4967B734-A465-2844-BA15-7FBACE49D2F8}" dt="2022-10-04T06:54:13.372" v="69" actId="2696"/>
+        <pc:sldMkLst>
+          <pc:docMk/>
+          <pc:sldMk cId="3186725423" sldId="286"/>
+        </pc:sldMkLst>
+      </pc:sldChg>
+      <pc:sldChg chg="del">
+        <pc:chgData name="Riccardo Berta" userId="c8694f89-bba4-4576-b0a8-456619ca5a8c" providerId="ADAL" clId="{4967B734-A465-2844-BA15-7FBACE49D2F8}" dt="2022-10-04T06:54:04.705" v="53" actId="2696"/>
+        <pc:sldMkLst>
+          <pc:docMk/>
+          <pc:sldMk cId="1166550415" sldId="288"/>
+        </pc:sldMkLst>
+      </pc:sldChg>
+      <pc:sldChg chg="del">
+        <pc:chgData name="Riccardo Berta" userId="c8694f89-bba4-4576-b0a8-456619ca5a8c" providerId="ADAL" clId="{4967B734-A465-2844-BA15-7FBACE49D2F8}" dt="2022-10-04T06:54:12.030" v="67" actId="2696"/>
+        <pc:sldMkLst>
+          <pc:docMk/>
+          <pc:sldMk cId="0" sldId="344"/>
+        </pc:sldMkLst>
+      </pc:sldChg>
+      <pc:sldChg chg="del">
+        <pc:chgData name="Riccardo Berta" userId="c8694f89-bba4-4576-b0a8-456619ca5a8c" providerId="ADAL" clId="{4967B734-A465-2844-BA15-7FBACE49D2F8}" dt="2022-10-04T06:54:12.601" v="68" actId="2696"/>
+        <pc:sldMkLst>
+          <pc:docMk/>
+          <pc:sldMk cId="615642029" sldId="403"/>
+        </pc:sldMkLst>
+      </pc:sldChg>
+      <pc:sldMasterChg chg="delSldLayout">
+        <pc:chgData name="Riccardo Berta" userId="c8694f89-bba4-4576-b0a8-456619ca5a8c" providerId="ADAL" clId="{4967B734-A465-2844-BA15-7FBACE49D2F8}" dt="2022-10-04T06:54:12.601" v="68" actId="2696"/>
+        <pc:sldMasterMkLst>
+          <pc:docMk/>
+          <pc:sldMasterMk cId="0" sldId="2147483659"/>
+        </pc:sldMasterMkLst>
+        <pc:sldLayoutChg chg="del">
+          <pc:chgData name="Riccardo Berta" userId="c8694f89-bba4-4576-b0a8-456619ca5a8c" providerId="ADAL" clId="{4967B734-A465-2844-BA15-7FBACE49D2F8}" dt="2022-10-04T06:54:12.601" v="68" actId="2696"/>
+          <pc:sldLayoutMkLst>
+            <pc:docMk/>
+            <pc:sldMasterMk cId="0" sldId="2147483659"/>
+            <pc:sldLayoutMk cId="2937273629" sldId="2147483660"/>
+          </pc:sldLayoutMkLst>
+        </pc:sldLayoutChg>
+      </pc:sldMasterChg>
+    </pc:docChg>
+  </pc:docChgLst>
+  <pc:docChgLst>
     <pc:chgData name="Riccardo Berta" userId="c8694f89-bba4-4576-b0a8-456619ca5a8c" providerId="ADAL" clId="{0F224E75-CFB0-994A-998D-4867A3C3D5B8}"/>
     <pc:docChg chg="custSel modSld">
       <pc:chgData name="Riccardo Berta" userId="c8694f89-bba4-4576-b0a8-456619ca5a8c" providerId="ADAL" clId="{0F224E75-CFB0-994A-998D-4867A3C3D5B8}" dt="2022-12-05T09:02:20.005" v="93"/>
@@ -4101,986 +5081,6 @@
           </ac:spMkLst>
         </pc:spChg>
       </pc:sldChg>
-    </pc:docChg>
-  </pc:docChgLst>
-  <pc:docChgLst>
-    <pc:chgData name="Riccardo Berta" userId="c8694f89-bba4-4576-b0a8-456619ca5a8c" providerId="ADAL" clId="{4967B734-A465-2844-BA15-7FBACE49D2F8}"/>
-    <pc:docChg chg="undo redo custSel addSld delSld modSld sldOrd">
-      <pc:chgData name="Riccardo Berta" userId="c8694f89-bba4-4576-b0a8-456619ca5a8c" providerId="ADAL" clId="{4967B734-A465-2844-BA15-7FBACE49D2F8}" dt="2022-10-10T05:41:52.141" v="2700" actId="1036"/>
-      <pc:docMkLst>
-        <pc:docMk/>
-      </pc:docMkLst>
-      <pc:sldChg chg="modSp mod">
-        <pc:chgData name="Riccardo Berta" userId="c8694f89-bba4-4576-b0a8-456619ca5a8c" providerId="ADAL" clId="{4967B734-A465-2844-BA15-7FBACE49D2F8}" dt="2022-10-04T09:21:06.296" v="1514" actId="790"/>
-        <pc:sldMkLst>
-          <pc:docMk/>
-          <pc:sldMk cId="0" sldId="256"/>
-        </pc:sldMkLst>
-        <pc:spChg chg="mod">
-          <ac:chgData name="Riccardo Berta" userId="c8694f89-bba4-4576-b0a8-456619ca5a8c" providerId="ADAL" clId="{4967B734-A465-2844-BA15-7FBACE49D2F8}" dt="2022-10-04T09:21:06.296" v="1514" actId="790"/>
-          <ac:spMkLst>
-            <pc:docMk/>
-            <pc:sldMk cId="0" sldId="256"/>
-            <ac:spMk id="62" creationId="{00000000-0000-0000-0000-000000000000}"/>
-          </ac:spMkLst>
-        </pc:spChg>
-      </pc:sldChg>
-      <pc:sldChg chg="delSp modSp mod">
-        <pc:chgData name="Riccardo Berta" userId="c8694f89-bba4-4576-b0a8-456619ca5a8c" providerId="ADAL" clId="{4967B734-A465-2844-BA15-7FBACE49D2F8}" dt="2022-10-05T05:37:06.487" v="2566" actId="20577"/>
-        <pc:sldMkLst>
-          <pc:docMk/>
-          <pc:sldMk cId="0" sldId="257"/>
-        </pc:sldMkLst>
-        <pc:spChg chg="mod">
-          <ac:chgData name="Riccardo Berta" userId="c8694f89-bba4-4576-b0a8-456619ca5a8c" providerId="ADAL" clId="{4967B734-A465-2844-BA15-7FBACE49D2F8}" dt="2022-10-04T06:59:58.583" v="222" actId="20577"/>
-          <ac:spMkLst>
-            <pc:docMk/>
-            <pc:sldMk cId="0" sldId="257"/>
-            <ac:spMk id="83" creationId="{00000000-0000-0000-0000-000000000000}"/>
-          </ac:spMkLst>
-        </pc:spChg>
-        <pc:spChg chg="mod">
-          <ac:chgData name="Riccardo Berta" userId="c8694f89-bba4-4576-b0a8-456619ca5a8c" providerId="ADAL" clId="{4967B734-A465-2844-BA15-7FBACE49D2F8}" dt="2022-10-05T05:37:06.487" v="2566" actId="20577"/>
-          <ac:spMkLst>
-            <pc:docMk/>
-            <pc:sldMk cId="0" sldId="257"/>
-            <ac:spMk id="84" creationId="{00000000-0000-0000-0000-000000000000}"/>
-          </ac:spMkLst>
-        </pc:spChg>
-        <pc:picChg chg="del">
-          <ac:chgData name="Riccardo Berta" userId="c8694f89-bba4-4576-b0a8-456619ca5a8c" providerId="ADAL" clId="{4967B734-A465-2844-BA15-7FBACE49D2F8}" dt="2022-10-04T06:53:54.793" v="41" actId="478"/>
-          <ac:picMkLst>
-            <pc:docMk/>
-            <pc:sldMk cId="0" sldId="257"/>
-            <ac:picMk id="2" creationId="{1E81BD5B-9F1C-4180-0225-A6FA7F7521E2}"/>
-          </ac:picMkLst>
-        </pc:picChg>
-      </pc:sldChg>
-      <pc:sldChg chg="del">
-        <pc:chgData name="Riccardo Berta" userId="c8694f89-bba4-4576-b0a8-456619ca5a8c" providerId="ADAL" clId="{4967B734-A465-2844-BA15-7FBACE49D2F8}" dt="2022-10-04T06:54:03.310" v="50" actId="2696"/>
-        <pc:sldMkLst>
-          <pc:docMk/>
-          <pc:sldMk cId="3018556184" sldId="259"/>
-        </pc:sldMkLst>
-      </pc:sldChg>
-      <pc:sldChg chg="del">
-        <pc:chgData name="Riccardo Berta" userId="c8694f89-bba4-4576-b0a8-456619ca5a8c" providerId="ADAL" clId="{4967B734-A465-2844-BA15-7FBACE49D2F8}" dt="2022-10-04T06:54:03.809" v="51" actId="2696"/>
-        <pc:sldMkLst>
-          <pc:docMk/>
-          <pc:sldMk cId="723946338" sldId="261"/>
-        </pc:sldMkLst>
-      </pc:sldChg>
-      <pc:sldChg chg="modSp mod">
-        <pc:chgData name="Riccardo Berta" userId="c8694f89-bba4-4576-b0a8-456619ca5a8c" providerId="ADAL" clId="{4967B734-A465-2844-BA15-7FBACE49D2F8}" dt="2022-10-04T09:53:48.313" v="2176" actId="1076"/>
-        <pc:sldMkLst>
-          <pc:docMk/>
-          <pc:sldMk cId="0" sldId="264"/>
-        </pc:sldMkLst>
-        <pc:spChg chg="mod">
-          <ac:chgData name="Riccardo Berta" userId="c8694f89-bba4-4576-b0a8-456619ca5a8c" providerId="ADAL" clId="{4967B734-A465-2844-BA15-7FBACE49D2F8}" dt="2022-10-04T09:53:48.313" v="2176" actId="1076"/>
-          <ac:spMkLst>
-            <pc:docMk/>
-            <pc:sldMk cId="0" sldId="264"/>
-            <ac:spMk id="84" creationId="{00000000-0000-0000-0000-000000000000}"/>
-          </ac:spMkLst>
-        </pc:spChg>
-      </pc:sldChg>
-      <pc:sldChg chg="del">
-        <pc:chgData name="Riccardo Berta" userId="c8694f89-bba4-4576-b0a8-456619ca5a8c" providerId="ADAL" clId="{4967B734-A465-2844-BA15-7FBACE49D2F8}" dt="2022-10-04T06:54:04.269" v="52" actId="2696"/>
-        <pc:sldMkLst>
-          <pc:docMk/>
-          <pc:sldMk cId="2752186034" sldId="265"/>
-        </pc:sldMkLst>
-      </pc:sldChg>
-      <pc:sldChg chg="addSp modSp add mod">
-        <pc:chgData name="Riccardo Berta" userId="c8694f89-bba4-4576-b0a8-456619ca5a8c" providerId="ADAL" clId="{4967B734-A465-2844-BA15-7FBACE49D2F8}" dt="2022-10-05T05:38:43.218" v="2573" actId="20577"/>
-        <pc:sldMkLst>
-          <pc:docMk/>
-          <pc:sldMk cId="4260925133" sldId="265"/>
-        </pc:sldMkLst>
-        <pc:spChg chg="mod">
-          <ac:chgData name="Riccardo Berta" userId="c8694f89-bba4-4576-b0a8-456619ca5a8c" providerId="ADAL" clId="{4967B734-A465-2844-BA15-7FBACE49D2F8}" dt="2022-10-04T07:03:57.181" v="300" actId="20577"/>
-          <ac:spMkLst>
-            <pc:docMk/>
-            <pc:sldMk cId="4260925133" sldId="265"/>
-            <ac:spMk id="83" creationId="{00000000-0000-0000-0000-000000000000}"/>
-          </ac:spMkLst>
-        </pc:spChg>
-        <pc:spChg chg="mod">
-          <ac:chgData name="Riccardo Berta" userId="c8694f89-bba4-4576-b0a8-456619ca5a8c" providerId="ADAL" clId="{4967B734-A465-2844-BA15-7FBACE49D2F8}" dt="2022-10-05T05:38:43.218" v="2573" actId="20577"/>
-          <ac:spMkLst>
-            <pc:docMk/>
-            <pc:sldMk cId="4260925133" sldId="265"/>
-            <ac:spMk id="84" creationId="{00000000-0000-0000-0000-000000000000}"/>
-          </ac:spMkLst>
-        </pc:spChg>
-        <pc:picChg chg="add mod">
-          <ac:chgData name="Riccardo Berta" userId="c8694f89-bba4-4576-b0a8-456619ca5a8c" providerId="ADAL" clId="{4967B734-A465-2844-BA15-7FBACE49D2F8}" dt="2022-10-04T07:04:48.519" v="307" actId="167"/>
-          <ac:picMkLst>
-            <pc:docMk/>
-            <pc:sldMk cId="4260925133" sldId="265"/>
-            <ac:picMk id="3" creationId="{674E15D2-3951-6F58-7582-C0EB4A615F1D}"/>
-          </ac:picMkLst>
-        </pc:picChg>
-      </pc:sldChg>
-      <pc:sldChg chg="addSp delSp modSp add mod">
-        <pc:chgData name="Riccardo Berta" userId="c8694f89-bba4-4576-b0a8-456619ca5a8c" providerId="ADAL" clId="{4967B734-A465-2844-BA15-7FBACE49D2F8}" dt="2022-10-05T05:43:30.967" v="2628" actId="20577"/>
-        <pc:sldMkLst>
-          <pc:docMk/>
-          <pc:sldMk cId="2074499598" sldId="266"/>
-        </pc:sldMkLst>
-        <pc:spChg chg="mod">
-          <ac:chgData name="Riccardo Berta" userId="c8694f89-bba4-4576-b0a8-456619ca5a8c" providerId="ADAL" clId="{4967B734-A465-2844-BA15-7FBACE49D2F8}" dt="2022-10-04T08:27:30.224" v="813" actId="20577"/>
-          <ac:spMkLst>
-            <pc:docMk/>
-            <pc:sldMk cId="2074499598" sldId="266"/>
-            <ac:spMk id="83" creationId="{00000000-0000-0000-0000-000000000000}"/>
-          </ac:spMkLst>
-        </pc:spChg>
-        <pc:spChg chg="mod">
-          <ac:chgData name="Riccardo Berta" userId="c8694f89-bba4-4576-b0a8-456619ca5a8c" providerId="ADAL" clId="{4967B734-A465-2844-BA15-7FBACE49D2F8}" dt="2022-10-05T05:43:30.967" v="2628" actId="20577"/>
-          <ac:spMkLst>
-            <pc:docMk/>
-            <pc:sldMk cId="2074499598" sldId="266"/>
-            <ac:spMk id="84" creationId="{00000000-0000-0000-0000-000000000000}"/>
-          </ac:spMkLst>
-        </pc:spChg>
-        <pc:picChg chg="add del mod">
-          <ac:chgData name="Riccardo Berta" userId="c8694f89-bba4-4576-b0a8-456619ca5a8c" providerId="ADAL" clId="{4967B734-A465-2844-BA15-7FBACE49D2F8}" dt="2022-10-04T08:28:52.112" v="847" actId="478"/>
-          <ac:picMkLst>
-            <pc:docMk/>
-            <pc:sldMk cId="2074499598" sldId="266"/>
-            <ac:picMk id="3" creationId="{44D37D90-9379-A202-D5CB-57A361B7ED10}"/>
-          </ac:picMkLst>
-        </pc:picChg>
-      </pc:sldChg>
-      <pc:sldChg chg="addSp delSp modSp add mod ord">
-        <pc:chgData name="Riccardo Berta" userId="c8694f89-bba4-4576-b0a8-456619ca5a8c" providerId="ADAL" clId="{4967B734-A465-2844-BA15-7FBACE49D2F8}" dt="2022-10-05T05:40:18.404" v="2582" actId="20577"/>
-        <pc:sldMkLst>
-          <pc:docMk/>
-          <pc:sldMk cId="2259674710" sldId="267"/>
-        </pc:sldMkLst>
-        <pc:spChg chg="mod">
-          <ac:chgData name="Riccardo Berta" userId="c8694f89-bba4-4576-b0a8-456619ca5a8c" providerId="ADAL" clId="{4967B734-A465-2844-BA15-7FBACE49D2F8}" dt="2022-10-04T07:10:58.043" v="468" actId="20577"/>
-          <ac:spMkLst>
-            <pc:docMk/>
-            <pc:sldMk cId="2259674710" sldId="267"/>
-            <ac:spMk id="83" creationId="{00000000-0000-0000-0000-000000000000}"/>
-          </ac:spMkLst>
-        </pc:spChg>
-        <pc:spChg chg="mod">
-          <ac:chgData name="Riccardo Berta" userId="c8694f89-bba4-4576-b0a8-456619ca5a8c" providerId="ADAL" clId="{4967B734-A465-2844-BA15-7FBACE49D2F8}" dt="2022-10-05T05:40:18.404" v="2582" actId="20577"/>
-          <ac:spMkLst>
-            <pc:docMk/>
-            <pc:sldMk cId="2259674710" sldId="267"/>
-            <ac:spMk id="84" creationId="{00000000-0000-0000-0000-000000000000}"/>
-          </ac:spMkLst>
-        </pc:spChg>
-        <pc:grpChg chg="add mod">
-          <ac:chgData name="Riccardo Berta" userId="c8694f89-bba4-4576-b0a8-456619ca5a8c" providerId="ADAL" clId="{4967B734-A465-2844-BA15-7FBACE49D2F8}" dt="2022-10-04T07:10:46.067" v="451" actId="1076"/>
-          <ac:grpSpMkLst>
-            <pc:docMk/>
-            <pc:sldMk cId="2259674710" sldId="267"/>
-            <ac:grpSpMk id="8" creationId="{76E119E0-3152-62BD-BDB3-39042BF2F1A5}"/>
-          </ac:grpSpMkLst>
-        </pc:grpChg>
-        <pc:grpChg chg="add mod">
-          <ac:chgData name="Riccardo Berta" userId="c8694f89-bba4-4576-b0a8-456619ca5a8c" providerId="ADAL" clId="{4967B734-A465-2844-BA15-7FBACE49D2F8}" dt="2022-10-04T07:10:41.433" v="450" actId="1076"/>
-          <ac:grpSpMkLst>
-            <pc:docMk/>
-            <pc:sldMk cId="2259674710" sldId="267"/>
-            <ac:grpSpMk id="13" creationId="{06C159A0-B8B5-40E9-02ED-983116530DFD}"/>
-          </ac:grpSpMkLst>
-        </pc:grpChg>
-        <pc:picChg chg="add del mod">
-          <ac:chgData name="Riccardo Berta" userId="c8694f89-bba4-4576-b0a8-456619ca5a8c" providerId="ADAL" clId="{4967B734-A465-2844-BA15-7FBACE49D2F8}" dt="2022-10-04T07:09:16.200" v="426" actId="478"/>
-          <ac:picMkLst>
-            <pc:docMk/>
-            <pc:sldMk cId="2259674710" sldId="267"/>
-            <ac:picMk id="3" creationId="{2ABEDA67-0163-D4F3-A664-9064A870FA11}"/>
-          </ac:picMkLst>
-        </pc:picChg>
-        <pc:picChg chg="add mod">
-          <ac:chgData name="Riccardo Berta" userId="c8694f89-bba4-4576-b0a8-456619ca5a8c" providerId="ADAL" clId="{4967B734-A465-2844-BA15-7FBACE49D2F8}" dt="2022-10-04T07:09:56.780" v="438" actId="164"/>
-          <ac:picMkLst>
-            <pc:docMk/>
-            <pc:sldMk cId="2259674710" sldId="267"/>
-            <ac:picMk id="5" creationId="{32BFCBAB-B883-C97F-EB56-9BCA8EFD7C98}"/>
-          </ac:picMkLst>
-        </pc:picChg>
-        <pc:picChg chg="add mod">
-          <ac:chgData name="Riccardo Berta" userId="c8694f89-bba4-4576-b0a8-456619ca5a8c" providerId="ADAL" clId="{4967B734-A465-2844-BA15-7FBACE49D2F8}" dt="2022-10-04T07:09:56.780" v="438" actId="164"/>
-          <ac:picMkLst>
-            <pc:docMk/>
-            <pc:sldMk cId="2259674710" sldId="267"/>
-            <ac:picMk id="7" creationId="{40DBC67E-51C8-0100-997A-3D832D4D8980}"/>
-          </ac:picMkLst>
-        </pc:picChg>
-        <pc:picChg chg="add mod">
-          <ac:chgData name="Riccardo Berta" userId="c8694f89-bba4-4576-b0a8-456619ca5a8c" providerId="ADAL" clId="{4967B734-A465-2844-BA15-7FBACE49D2F8}" dt="2022-10-04T07:10:38.910" v="449" actId="164"/>
-          <ac:picMkLst>
-            <pc:docMk/>
-            <pc:sldMk cId="2259674710" sldId="267"/>
-            <ac:picMk id="10" creationId="{CE457A6C-F4AE-07DF-22FD-0203427E5E4D}"/>
-          </ac:picMkLst>
-        </pc:picChg>
-        <pc:picChg chg="add mod">
-          <ac:chgData name="Riccardo Berta" userId="c8694f89-bba4-4576-b0a8-456619ca5a8c" providerId="ADAL" clId="{4967B734-A465-2844-BA15-7FBACE49D2F8}" dt="2022-10-04T07:10:38.910" v="449" actId="164"/>
-          <ac:picMkLst>
-            <pc:docMk/>
-            <pc:sldMk cId="2259674710" sldId="267"/>
-            <ac:picMk id="12" creationId="{C697C6E3-A578-4BB5-2F96-37B0F860D0FA}"/>
-          </ac:picMkLst>
-        </pc:picChg>
-      </pc:sldChg>
-      <pc:sldChg chg="addSp delSp modSp add mod ord">
-        <pc:chgData name="Riccardo Berta" userId="c8694f89-bba4-4576-b0a8-456619ca5a8c" providerId="ADAL" clId="{4967B734-A465-2844-BA15-7FBACE49D2F8}" dt="2022-10-04T08:21:03.314" v="615" actId="20577"/>
-        <pc:sldMkLst>
-          <pc:docMk/>
-          <pc:sldMk cId="2756532613" sldId="268"/>
-        </pc:sldMkLst>
-        <pc:spChg chg="mod">
-          <ac:chgData name="Riccardo Berta" userId="c8694f89-bba4-4576-b0a8-456619ca5a8c" providerId="ADAL" clId="{4967B734-A465-2844-BA15-7FBACE49D2F8}" dt="2022-10-04T08:19:34.413" v="566" actId="20577"/>
-          <ac:spMkLst>
-            <pc:docMk/>
-            <pc:sldMk cId="2756532613" sldId="268"/>
-            <ac:spMk id="83" creationId="{00000000-0000-0000-0000-000000000000}"/>
-          </ac:spMkLst>
-        </pc:spChg>
-        <pc:spChg chg="mod">
-          <ac:chgData name="Riccardo Berta" userId="c8694f89-bba4-4576-b0a8-456619ca5a8c" providerId="ADAL" clId="{4967B734-A465-2844-BA15-7FBACE49D2F8}" dt="2022-10-04T08:21:03.314" v="615" actId="20577"/>
-          <ac:spMkLst>
-            <pc:docMk/>
-            <pc:sldMk cId="2756532613" sldId="268"/>
-            <ac:spMk id="84" creationId="{00000000-0000-0000-0000-000000000000}"/>
-          </ac:spMkLst>
-        </pc:spChg>
-        <pc:picChg chg="add del mod">
-          <ac:chgData name="Riccardo Berta" userId="c8694f89-bba4-4576-b0a8-456619ca5a8c" providerId="ADAL" clId="{4967B734-A465-2844-BA15-7FBACE49D2F8}" dt="2022-10-04T08:20:02.584" v="570" actId="21"/>
-          <ac:picMkLst>
-            <pc:docMk/>
-            <pc:sldMk cId="2756532613" sldId="268"/>
-            <ac:picMk id="3" creationId="{98442946-176C-875C-17DD-8426B4357AF0}"/>
-          </ac:picMkLst>
-        </pc:picChg>
-      </pc:sldChg>
-      <pc:sldChg chg="addSp delSp modSp add mod ord">
-        <pc:chgData name="Riccardo Berta" userId="c8694f89-bba4-4576-b0a8-456619ca5a8c" providerId="ADAL" clId="{4967B734-A465-2844-BA15-7FBACE49D2F8}" dt="2022-10-04T08:22:30.428" v="629" actId="20577"/>
-        <pc:sldMkLst>
-          <pc:docMk/>
-          <pc:sldMk cId="3950372499" sldId="269"/>
-        </pc:sldMkLst>
-        <pc:spChg chg="add del mod">
-          <ac:chgData name="Riccardo Berta" userId="c8694f89-bba4-4576-b0a8-456619ca5a8c" providerId="ADAL" clId="{4967B734-A465-2844-BA15-7FBACE49D2F8}" dt="2022-10-04T08:21:20.713" v="620" actId="478"/>
-          <ac:spMkLst>
-            <pc:docMk/>
-            <pc:sldMk cId="3950372499" sldId="269"/>
-            <ac:spMk id="4" creationId="{39E4D033-B0C4-D65C-AF4F-60006E851E46}"/>
-          </ac:spMkLst>
-        </pc:spChg>
-        <pc:spChg chg="mod">
-          <ac:chgData name="Riccardo Berta" userId="c8694f89-bba4-4576-b0a8-456619ca5a8c" providerId="ADAL" clId="{4967B734-A465-2844-BA15-7FBACE49D2F8}" dt="2022-10-04T08:22:30.428" v="629" actId="20577"/>
-          <ac:spMkLst>
-            <pc:docMk/>
-            <pc:sldMk cId="3950372499" sldId="269"/>
-            <ac:spMk id="83" creationId="{00000000-0000-0000-0000-000000000000}"/>
-          </ac:spMkLst>
-        </pc:spChg>
-        <pc:spChg chg="del">
-          <ac:chgData name="Riccardo Berta" userId="c8694f89-bba4-4576-b0a8-456619ca5a8c" providerId="ADAL" clId="{4967B734-A465-2844-BA15-7FBACE49D2F8}" dt="2022-10-04T08:21:12.185" v="617" actId="478"/>
-          <ac:spMkLst>
-            <pc:docMk/>
-            <pc:sldMk cId="3950372499" sldId="269"/>
-            <ac:spMk id="84" creationId="{00000000-0000-0000-0000-000000000000}"/>
-          </ac:spMkLst>
-        </pc:spChg>
-        <pc:picChg chg="add del mod modCrop">
-          <ac:chgData name="Riccardo Berta" userId="c8694f89-bba4-4576-b0a8-456619ca5a8c" providerId="ADAL" clId="{4967B734-A465-2844-BA15-7FBACE49D2F8}" dt="2022-10-04T08:22:28.190" v="625" actId="1076"/>
-          <ac:picMkLst>
-            <pc:docMk/>
-            <pc:sldMk cId="3950372499" sldId="269"/>
-            <ac:picMk id="2" creationId="{DD7459EB-2FB9-EE3F-1B0C-BEEC31DF7753}"/>
-          </ac:picMkLst>
-        </pc:picChg>
-      </pc:sldChg>
-      <pc:sldChg chg="addSp delSp modSp add mod">
-        <pc:chgData name="Riccardo Berta" userId="c8694f89-bba4-4576-b0a8-456619ca5a8c" providerId="ADAL" clId="{4967B734-A465-2844-BA15-7FBACE49D2F8}" dt="2022-10-04T08:30:10.946" v="871" actId="1076"/>
-        <pc:sldMkLst>
-          <pc:docMk/>
-          <pc:sldMk cId="3668836689" sldId="270"/>
-        </pc:sldMkLst>
-        <pc:spChg chg="add del mod">
-          <ac:chgData name="Riccardo Berta" userId="c8694f89-bba4-4576-b0a8-456619ca5a8c" providerId="ADAL" clId="{4967B734-A465-2844-BA15-7FBACE49D2F8}" dt="2022-10-04T08:28:59.088" v="849" actId="478"/>
-          <ac:spMkLst>
-            <pc:docMk/>
-            <pc:sldMk cId="3668836689" sldId="270"/>
-            <ac:spMk id="3" creationId="{ADD0BEAE-9DF8-C7CC-E5FD-45BD4BBED0AD}"/>
-          </ac:spMkLst>
-        </pc:spChg>
-        <pc:spChg chg="mod">
-          <ac:chgData name="Riccardo Berta" userId="c8694f89-bba4-4576-b0a8-456619ca5a8c" providerId="ADAL" clId="{4967B734-A465-2844-BA15-7FBACE49D2F8}" dt="2022-10-04T08:29:04.981" v="863" actId="20577"/>
-          <ac:spMkLst>
-            <pc:docMk/>
-            <pc:sldMk cId="3668836689" sldId="270"/>
-            <ac:spMk id="83" creationId="{00000000-0000-0000-0000-000000000000}"/>
-          </ac:spMkLst>
-        </pc:spChg>
-        <pc:spChg chg="del">
-          <ac:chgData name="Riccardo Berta" userId="c8694f89-bba4-4576-b0a8-456619ca5a8c" providerId="ADAL" clId="{4967B734-A465-2844-BA15-7FBACE49D2F8}" dt="2022-10-04T08:28:56.705" v="848" actId="478"/>
-          <ac:spMkLst>
-            <pc:docMk/>
-            <pc:sldMk cId="3668836689" sldId="270"/>
-            <ac:spMk id="84" creationId="{00000000-0000-0000-0000-000000000000}"/>
-          </ac:spMkLst>
-        </pc:spChg>
-        <pc:picChg chg="add mod modCrop">
-          <ac:chgData name="Riccardo Berta" userId="c8694f89-bba4-4576-b0a8-456619ca5a8c" providerId="ADAL" clId="{4967B734-A465-2844-BA15-7FBACE49D2F8}" dt="2022-10-04T08:30:10.946" v="871" actId="1076"/>
-          <ac:picMkLst>
-            <pc:docMk/>
-            <pc:sldMk cId="3668836689" sldId="270"/>
-            <ac:picMk id="4" creationId="{577B3EB2-1884-58A5-AA7F-C288CC12280D}"/>
-          </ac:picMkLst>
-        </pc:picChg>
-      </pc:sldChg>
-      <pc:sldChg chg="addSp modSp add mod">
-        <pc:chgData name="Riccardo Berta" userId="c8694f89-bba4-4576-b0a8-456619ca5a8c" providerId="ADAL" clId="{4967B734-A465-2844-BA15-7FBACE49D2F8}" dt="2022-10-04T08:33:08.776" v="912" actId="1076"/>
-        <pc:sldMkLst>
-          <pc:docMk/>
-          <pc:sldMk cId="1894295752" sldId="271"/>
-        </pc:sldMkLst>
-        <pc:spChg chg="mod">
-          <ac:chgData name="Riccardo Berta" userId="c8694f89-bba4-4576-b0a8-456619ca5a8c" providerId="ADAL" clId="{4967B734-A465-2844-BA15-7FBACE49D2F8}" dt="2022-10-04T08:30:25.791" v="874" actId="20577"/>
-          <ac:spMkLst>
-            <pc:docMk/>
-            <pc:sldMk cId="1894295752" sldId="271"/>
-            <ac:spMk id="83" creationId="{00000000-0000-0000-0000-000000000000}"/>
-          </ac:spMkLst>
-        </pc:spChg>
-        <pc:spChg chg="mod">
-          <ac:chgData name="Riccardo Berta" userId="c8694f89-bba4-4576-b0a8-456619ca5a8c" providerId="ADAL" clId="{4967B734-A465-2844-BA15-7FBACE49D2F8}" dt="2022-10-04T08:33:01.838" v="909" actId="1035"/>
-          <ac:spMkLst>
-            <pc:docMk/>
-            <pc:sldMk cId="1894295752" sldId="271"/>
-            <ac:spMk id="84" creationId="{00000000-0000-0000-0000-000000000000}"/>
-          </ac:spMkLst>
-        </pc:spChg>
-        <pc:picChg chg="add mod">
-          <ac:chgData name="Riccardo Berta" userId="c8694f89-bba4-4576-b0a8-456619ca5a8c" providerId="ADAL" clId="{4967B734-A465-2844-BA15-7FBACE49D2F8}" dt="2022-10-04T08:33:08.776" v="912" actId="1076"/>
-          <ac:picMkLst>
-            <pc:docMk/>
-            <pc:sldMk cId="1894295752" sldId="271"/>
-            <ac:picMk id="3" creationId="{B5A2D85B-25EA-51CE-30EE-5FCC2A5BCEE7}"/>
-          </ac:picMkLst>
-        </pc:picChg>
-      </pc:sldChg>
-      <pc:sldChg chg="del">
-        <pc:chgData name="Riccardo Berta" userId="c8694f89-bba4-4576-b0a8-456619ca5a8c" providerId="ADAL" clId="{4967B734-A465-2844-BA15-7FBACE49D2F8}" dt="2022-10-04T06:54:05.175" v="54" actId="2696"/>
-        <pc:sldMkLst>
-          <pc:docMk/>
-          <pc:sldMk cId="1942012932" sldId="271"/>
-        </pc:sldMkLst>
-      </pc:sldChg>
-      <pc:sldChg chg="addSp modSp add mod">
-        <pc:chgData name="Riccardo Berta" userId="c8694f89-bba4-4576-b0a8-456619ca5a8c" providerId="ADAL" clId="{4967B734-A465-2844-BA15-7FBACE49D2F8}" dt="2022-10-05T05:45:21.155" v="2636" actId="20577"/>
-        <pc:sldMkLst>
-          <pc:docMk/>
-          <pc:sldMk cId="732868139" sldId="272"/>
-        </pc:sldMkLst>
-        <pc:spChg chg="mod">
-          <ac:chgData name="Riccardo Berta" userId="c8694f89-bba4-4576-b0a8-456619ca5a8c" providerId="ADAL" clId="{4967B734-A465-2844-BA15-7FBACE49D2F8}" dt="2022-10-04T08:33:38.186" v="939" actId="20577"/>
-          <ac:spMkLst>
-            <pc:docMk/>
-            <pc:sldMk cId="732868139" sldId="272"/>
-            <ac:spMk id="83" creationId="{00000000-0000-0000-0000-000000000000}"/>
-          </ac:spMkLst>
-        </pc:spChg>
-        <pc:spChg chg="mod">
-          <ac:chgData name="Riccardo Berta" userId="c8694f89-bba4-4576-b0a8-456619ca5a8c" providerId="ADAL" clId="{4967B734-A465-2844-BA15-7FBACE49D2F8}" dt="2022-10-05T05:45:21.155" v="2636" actId="20577"/>
-          <ac:spMkLst>
-            <pc:docMk/>
-            <pc:sldMk cId="732868139" sldId="272"/>
-            <ac:spMk id="84" creationId="{00000000-0000-0000-0000-000000000000}"/>
-          </ac:spMkLst>
-        </pc:spChg>
-        <pc:picChg chg="add mod">
-          <ac:chgData name="Riccardo Berta" userId="c8694f89-bba4-4576-b0a8-456619ca5a8c" providerId="ADAL" clId="{4967B734-A465-2844-BA15-7FBACE49D2F8}" dt="2022-10-04T08:36:29.105" v="1008" actId="1076"/>
-          <ac:picMkLst>
-            <pc:docMk/>
-            <pc:sldMk cId="732868139" sldId="272"/>
-            <ac:picMk id="3" creationId="{06C364F7-5AEB-D00D-6586-D30FF7199764}"/>
-          </ac:picMkLst>
-        </pc:picChg>
-      </pc:sldChg>
-      <pc:sldChg chg="addSp delSp modSp add mod">
-        <pc:chgData name="Riccardo Berta" userId="c8694f89-bba4-4576-b0a8-456619ca5a8c" providerId="ADAL" clId="{4967B734-A465-2844-BA15-7FBACE49D2F8}" dt="2022-10-04T08:54:59.469" v="1509" actId="20577"/>
-        <pc:sldMkLst>
-          <pc:docMk/>
-          <pc:sldMk cId="3859598341" sldId="273"/>
-        </pc:sldMkLst>
-        <pc:spChg chg="add del">
-          <ac:chgData name="Riccardo Berta" userId="c8694f89-bba4-4576-b0a8-456619ca5a8c" providerId="ADAL" clId="{4967B734-A465-2844-BA15-7FBACE49D2F8}" dt="2022-10-04T08:40:47.038" v="1073" actId="478"/>
-          <ac:spMkLst>
-            <pc:docMk/>
-            <pc:sldMk cId="3859598341" sldId="273"/>
-            <ac:spMk id="5" creationId="{4BD7BBB3-7BD1-8528-AAC5-76102E39DEBE}"/>
-          </ac:spMkLst>
-        </pc:spChg>
-        <pc:spChg chg="mod">
-          <ac:chgData name="Riccardo Berta" userId="c8694f89-bba4-4576-b0a8-456619ca5a8c" providerId="ADAL" clId="{4967B734-A465-2844-BA15-7FBACE49D2F8}" dt="2022-10-04T08:54:59.469" v="1509" actId="20577"/>
-          <ac:spMkLst>
-            <pc:docMk/>
-            <pc:sldMk cId="3859598341" sldId="273"/>
-            <ac:spMk id="83" creationId="{00000000-0000-0000-0000-000000000000}"/>
-          </ac:spMkLst>
-        </pc:spChg>
-        <pc:spChg chg="mod">
-          <ac:chgData name="Riccardo Berta" userId="c8694f89-bba4-4576-b0a8-456619ca5a8c" providerId="ADAL" clId="{4967B734-A465-2844-BA15-7FBACE49D2F8}" dt="2022-10-04T08:50:37.924" v="1412" actId="113"/>
-          <ac:spMkLst>
-            <pc:docMk/>
-            <pc:sldMk cId="3859598341" sldId="273"/>
-            <ac:spMk id="84" creationId="{00000000-0000-0000-0000-000000000000}"/>
-          </ac:spMkLst>
-        </pc:spChg>
-        <pc:picChg chg="add del mod">
-          <ac:chgData name="Riccardo Berta" userId="c8694f89-bba4-4576-b0a8-456619ca5a8c" providerId="ADAL" clId="{4967B734-A465-2844-BA15-7FBACE49D2F8}" dt="2022-10-04T08:40:42.684" v="1072" actId="478"/>
-          <ac:picMkLst>
-            <pc:docMk/>
-            <pc:sldMk cId="3859598341" sldId="273"/>
-            <ac:picMk id="3" creationId="{20386706-AA10-6FE6-3018-AE4EEDC01050}"/>
-          </ac:picMkLst>
-        </pc:picChg>
-        <pc:picChg chg="add mod">
-          <ac:chgData name="Riccardo Berta" userId="c8694f89-bba4-4576-b0a8-456619ca5a8c" providerId="ADAL" clId="{4967B734-A465-2844-BA15-7FBACE49D2F8}" dt="2022-10-04T08:50:21.355" v="1410" actId="1076"/>
-          <ac:picMkLst>
-            <pc:docMk/>
-            <pc:sldMk cId="3859598341" sldId="273"/>
-            <ac:picMk id="7" creationId="{3AA9CA5E-B11C-5354-F133-CC2410A67F28}"/>
-          </ac:picMkLst>
-        </pc:picChg>
-      </pc:sldChg>
-      <pc:sldChg chg="addSp modSp add mod">
-        <pc:chgData name="Riccardo Berta" userId="c8694f89-bba4-4576-b0a8-456619ca5a8c" providerId="ADAL" clId="{4967B734-A465-2844-BA15-7FBACE49D2F8}" dt="2022-10-04T08:55:10.050" v="1510" actId="1076"/>
-        <pc:sldMkLst>
-          <pc:docMk/>
-          <pc:sldMk cId="2213323745" sldId="274"/>
-        </pc:sldMkLst>
-        <pc:spChg chg="mod">
-          <ac:chgData name="Riccardo Berta" userId="c8694f89-bba4-4576-b0a8-456619ca5a8c" providerId="ADAL" clId="{4967B734-A465-2844-BA15-7FBACE49D2F8}" dt="2022-10-04T08:54:47.815" v="1503" actId="20577"/>
-          <ac:spMkLst>
-            <pc:docMk/>
-            <pc:sldMk cId="2213323745" sldId="274"/>
-            <ac:spMk id="83" creationId="{00000000-0000-0000-0000-000000000000}"/>
-          </ac:spMkLst>
-        </pc:spChg>
-        <pc:spChg chg="mod">
-          <ac:chgData name="Riccardo Berta" userId="c8694f89-bba4-4576-b0a8-456619ca5a8c" providerId="ADAL" clId="{4967B734-A465-2844-BA15-7FBACE49D2F8}" dt="2022-10-04T08:54:36.556" v="1475" actId="5793"/>
-          <ac:spMkLst>
-            <pc:docMk/>
-            <pc:sldMk cId="2213323745" sldId="274"/>
-            <ac:spMk id="84" creationId="{00000000-0000-0000-0000-000000000000}"/>
-          </ac:spMkLst>
-        </pc:spChg>
-        <pc:picChg chg="add mod">
-          <ac:chgData name="Riccardo Berta" userId="c8694f89-bba4-4576-b0a8-456619ca5a8c" providerId="ADAL" clId="{4967B734-A465-2844-BA15-7FBACE49D2F8}" dt="2022-10-04T08:55:10.050" v="1510" actId="1076"/>
-          <ac:picMkLst>
-            <pc:docMk/>
-            <pc:sldMk cId="2213323745" sldId="274"/>
-            <ac:picMk id="3" creationId="{DC8EA310-4CEB-F6CD-8EBA-90EBC000E7D0}"/>
-          </ac:picMkLst>
-        </pc:picChg>
-      </pc:sldChg>
-      <pc:sldChg chg="del">
-        <pc:chgData name="Riccardo Berta" userId="c8694f89-bba4-4576-b0a8-456619ca5a8c" providerId="ADAL" clId="{4967B734-A465-2844-BA15-7FBACE49D2F8}" dt="2022-10-04T06:54:05.569" v="55" actId="2696"/>
-        <pc:sldMkLst>
-          <pc:docMk/>
-          <pc:sldMk cId="2759966790" sldId="274"/>
-        </pc:sldMkLst>
-      </pc:sldChg>
-      <pc:sldChg chg="addSp modSp add mod">
-        <pc:chgData name="Riccardo Berta" userId="c8694f89-bba4-4576-b0a8-456619ca5a8c" providerId="ADAL" clId="{4967B734-A465-2844-BA15-7FBACE49D2F8}" dt="2022-10-10T05:36:43.547" v="2688" actId="20577"/>
-        <pc:sldMkLst>
-          <pc:docMk/>
-          <pc:sldMk cId="303121765" sldId="275"/>
-        </pc:sldMkLst>
-        <pc:spChg chg="mod">
-          <ac:chgData name="Riccardo Berta" userId="c8694f89-bba4-4576-b0a8-456619ca5a8c" providerId="ADAL" clId="{4967B734-A465-2844-BA15-7FBACE49D2F8}" dt="2022-10-04T08:56:19.042" v="1513"/>
-          <ac:spMkLst>
-            <pc:docMk/>
-            <pc:sldMk cId="303121765" sldId="275"/>
-            <ac:spMk id="83" creationId="{00000000-0000-0000-0000-000000000000}"/>
-          </ac:spMkLst>
-        </pc:spChg>
-        <pc:spChg chg="mod">
-          <ac:chgData name="Riccardo Berta" userId="c8694f89-bba4-4576-b0a8-456619ca5a8c" providerId="ADAL" clId="{4967B734-A465-2844-BA15-7FBACE49D2F8}" dt="2022-10-10T05:36:43.547" v="2688" actId="20577"/>
-          <ac:spMkLst>
-            <pc:docMk/>
-            <pc:sldMk cId="303121765" sldId="275"/>
-            <ac:spMk id="84" creationId="{00000000-0000-0000-0000-000000000000}"/>
-          </ac:spMkLst>
-        </pc:spChg>
-        <pc:picChg chg="add mod">
-          <ac:chgData name="Riccardo Berta" userId="c8694f89-bba4-4576-b0a8-456619ca5a8c" providerId="ADAL" clId="{4967B734-A465-2844-BA15-7FBACE49D2F8}" dt="2022-10-04T09:29:01.183" v="1661" actId="1076"/>
-          <ac:picMkLst>
-            <pc:docMk/>
-            <pc:sldMk cId="303121765" sldId="275"/>
-            <ac:picMk id="3" creationId="{1558432E-BB9A-36EE-DEE9-411FA3BCAAC6}"/>
-          </ac:picMkLst>
-        </pc:picChg>
-        <pc:picChg chg="add mod">
-          <ac:chgData name="Riccardo Berta" userId="c8694f89-bba4-4576-b0a8-456619ca5a8c" providerId="ADAL" clId="{4967B734-A465-2844-BA15-7FBACE49D2F8}" dt="2022-10-04T09:29:10.609" v="1671" actId="1076"/>
-          <ac:picMkLst>
-            <pc:docMk/>
-            <pc:sldMk cId="303121765" sldId="275"/>
-            <ac:picMk id="5" creationId="{AFA7E6B6-E78E-79EF-CB15-0348F1C7B395}"/>
-          </ac:picMkLst>
-        </pc:picChg>
-      </pc:sldChg>
-      <pc:sldChg chg="del">
-        <pc:chgData name="Riccardo Berta" userId="c8694f89-bba4-4576-b0a8-456619ca5a8c" providerId="ADAL" clId="{4967B734-A465-2844-BA15-7FBACE49D2F8}" dt="2022-10-04T06:54:06.082" v="56" actId="2696"/>
-        <pc:sldMkLst>
-          <pc:docMk/>
-          <pc:sldMk cId="3965473342" sldId="275"/>
-        </pc:sldMkLst>
-      </pc:sldChg>
-      <pc:sldChg chg="addSp modSp add mod">
-        <pc:chgData name="Riccardo Berta" userId="c8694f89-bba4-4576-b0a8-456619ca5a8c" providerId="ADAL" clId="{4967B734-A465-2844-BA15-7FBACE49D2F8}" dt="2022-10-04T09:35:09.338" v="1844" actId="113"/>
-        <pc:sldMkLst>
-          <pc:docMk/>
-          <pc:sldMk cId="2020526202" sldId="276"/>
-        </pc:sldMkLst>
-        <pc:spChg chg="mod">
-          <ac:chgData name="Riccardo Berta" userId="c8694f89-bba4-4576-b0a8-456619ca5a8c" providerId="ADAL" clId="{4967B734-A465-2844-BA15-7FBACE49D2F8}" dt="2022-10-04T09:29:30.015" v="1699" actId="20577"/>
-          <ac:spMkLst>
-            <pc:docMk/>
-            <pc:sldMk cId="2020526202" sldId="276"/>
-            <ac:spMk id="83" creationId="{00000000-0000-0000-0000-000000000000}"/>
-          </ac:spMkLst>
-        </pc:spChg>
-        <pc:spChg chg="mod">
-          <ac:chgData name="Riccardo Berta" userId="c8694f89-bba4-4576-b0a8-456619ca5a8c" providerId="ADAL" clId="{4967B734-A465-2844-BA15-7FBACE49D2F8}" dt="2022-10-04T09:35:09.338" v="1844" actId="113"/>
-          <ac:spMkLst>
-            <pc:docMk/>
-            <pc:sldMk cId="2020526202" sldId="276"/>
-            <ac:spMk id="84" creationId="{00000000-0000-0000-0000-000000000000}"/>
-          </ac:spMkLst>
-        </pc:spChg>
-        <pc:picChg chg="add mod">
-          <ac:chgData name="Riccardo Berta" userId="c8694f89-bba4-4576-b0a8-456619ca5a8c" providerId="ADAL" clId="{4967B734-A465-2844-BA15-7FBACE49D2F8}" dt="2022-10-04T09:34:22.336" v="1806" actId="1076"/>
-          <ac:picMkLst>
-            <pc:docMk/>
-            <pc:sldMk cId="2020526202" sldId="276"/>
-            <ac:picMk id="3" creationId="{88ECFE04-FF14-52F4-A978-DE862D655546}"/>
-          </ac:picMkLst>
-        </pc:picChg>
-      </pc:sldChg>
-      <pc:sldChg chg="del">
-        <pc:chgData name="Riccardo Berta" userId="c8694f89-bba4-4576-b0a8-456619ca5a8c" providerId="ADAL" clId="{4967B734-A465-2844-BA15-7FBACE49D2F8}" dt="2022-10-04T06:54:06.650" v="57" actId="2696"/>
-        <pc:sldMkLst>
-          <pc:docMk/>
-          <pc:sldMk cId="3364334937" sldId="276"/>
-        </pc:sldMkLst>
-      </pc:sldChg>
-      <pc:sldChg chg="del">
-        <pc:chgData name="Riccardo Berta" userId="c8694f89-bba4-4576-b0a8-456619ca5a8c" providerId="ADAL" clId="{4967B734-A465-2844-BA15-7FBACE49D2F8}" dt="2022-10-04T06:54:07.117" v="58" actId="2696"/>
-        <pc:sldMkLst>
-          <pc:docMk/>
-          <pc:sldMk cId="2920432797" sldId="277"/>
-        </pc:sldMkLst>
-      </pc:sldChg>
-      <pc:sldChg chg="addSp modSp add mod">
-        <pc:chgData name="Riccardo Berta" userId="c8694f89-bba4-4576-b0a8-456619ca5a8c" providerId="ADAL" clId="{4967B734-A465-2844-BA15-7FBACE49D2F8}" dt="2022-10-10T05:38:42.742" v="2693" actId="20577"/>
-        <pc:sldMkLst>
-          <pc:docMk/>
-          <pc:sldMk cId="3156887330" sldId="277"/>
-        </pc:sldMkLst>
-        <pc:spChg chg="mod">
-          <ac:chgData name="Riccardo Berta" userId="c8694f89-bba4-4576-b0a8-456619ca5a8c" providerId="ADAL" clId="{4967B734-A465-2844-BA15-7FBACE49D2F8}" dt="2022-10-04T09:34:47.105" v="1828" actId="20577"/>
-          <ac:spMkLst>
-            <pc:docMk/>
-            <pc:sldMk cId="3156887330" sldId="277"/>
-            <ac:spMk id="83" creationId="{00000000-0000-0000-0000-000000000000}"/>
-          </ac:spMkLst>
-        </pc:spChg>
-        <pc:spChg chg="mod">
-          <ac:chgData name="Riccardo Berta" userId="c8694f89-bba4-4576-b0a8-456619ca5a8c" providerId="ADAL" clId="{4967B734-A465-2844-BA15-7FBACE49D2F8}" dt="2022-10-10T05:38:42.742" v="2693" actId="20577"/>
-          <ac:spMkLst>
-            <pc:docMk/>
-            <pc:sldMk cId="3156887330" sldId="277"/>
-            <ac:spMk id="84" creationId="{00000000-0000-0000-0000-000000000000}"/>
-          </ac:spMkLst>
-        </pc:spChg>
-        <pc:picChg chg="add mod">
-          <ac:chgData name="Riccardo Berta" userId="c8694f89-bba4-4576-b0a8-456619ca5a8c" providerId="ADAL" clId="{4967B734-A465-2844-BA15-7FBACE49D2F8}" dt="2022-10-04T09:39:19.764" v="1943" actId="1076"/>
-          <ac:picMkLst>
-            <pc:docMk/>
-            <pc:sldMk cId="3156887330" sldId="277"/>
-            <ac:picMk id="3" creationId="{EC767993-3E78-5F54-36E2-E40875AD49A1}"/>
-          </ac:picMkLst>
-        </pc:picChg>
-      </pc:sldChg>
-      <pc:sldChg chg="addSp modSp add mod">
-        <pc:chgData name="Riccardo Berta" userId="c8694f89-bba4-4576-b0a8-456619ca5a8c" providerId="ADAL" clId="{4967B734-A465-2844-BA15-7FBACE49D2F8}" dt="2022-10-04T09:50:43.485" v="2061" actId="1076"/>
-        <pc:sldMkLst>
-          <pc:docMk/>
-          <pc:sldMk cId="1586284290" sldId="278"/>
-        </pc:sldMkLst>
-        <pc:spChg chg="mod">
-          <ac:chgData name="Riccardo Berta" userId="c8694f89-bba4-4576-b0a8-456619ca5a8c" providerId="ADAL" clId="{4967B734-A465-2844-BA15-7FBACE49D2F8}" dt="2022-10-04T09:39:46.696" v="1972" actId="20577"/>
-          <ac:spMkLst>
-            <pc:docMk/>
-            <pc:sldMk cId="1586284290" sldId="278"/>
-            <ac:spMk id="83" creationId="{00000000-0000-0000-0000-000000000000}"/>
-          </ac:spMkLst>
-        </pc:spChg>
-        <pc:spChg chg="mod">
-          <ac:chgData name="Riccardo Berta" userId="c8694f89-bba4-4576-b0a8-456619ca5a8c" providerId="ADAL" clId="{4967B734-A465-2844-BA15-7FBACE49D2F8}" dt="2022-10-04T09:50:25.842" v="2059" actId="20577"/>
-          <ac:spMkLst>
-            <pc:docMk/>
-            <pc:sldMk cId="1586284290" sldId="278"/>
-            <ac:spMk id="84" creationId="{00000000-0000-0000-0000-000000000000}"/>
-          </ac:spMkLst>
-        </pc:spChg>
-        <pc:picChg chg="add mod modCrop">
-          <ac:chgData name="Riccardo Berta" userId="c8694f89-bba4-4576-b0a8-456619ca5a8c" providerId="ADAL" clId="{4967B734-A465-2844-BA15-7FBACE49D2F8}" dt="2022-10-04T09:48:54.619" v="2028" actId="1076"/>
-          <ac:picMkLst>
-            <pc:docMk/>
-            <pc:sldMk cId="1586284290" sldId="278"/>
-            <ac:picMk id="3" creationId="{EC904396-95B0-3596-C30B-F4DAD67A93A0}"/>
-          </ac:picMkLst>
-        </pc:picChg>
-        <pc:picChg chg="add mod">
-          <ac:chgData name="Riccardo Berta" userId="c8694f89-bba4-4576-b0a8-456619ca5a8c" providerId="ADAL" clId="{4967B734-A465-2844-BA15-7FBACE49D2F8}" dt="2022-10-04T09:50:43.485" v="2061" actId="1076"/>
-          <ac:picMkLst>
-            <pc:docMk/>
-            <pc:sldMk cId="1586284290" sldId="278"/>
-            <ac:picMk id="5" creationId="{F263AB65-02BC-B30C-60E2-24FB398F2F09}"/>
-          </ac:picMkLst>
-        </pc:picChg>
-      </pc:sldChg>
-      <pc:sldChg chg="del">
-        <pc:chgData name="Riccardo Berta" userId="c8694f89-bba4-4576-b0a8-456619ca5a8c" providerId="ADAL" clId="{4967B734-A465-2844-BA15-7FBACE49D2F8}" dt="2022-10-04T06:54:07.594" v="59" actId="2696"/>
-        <pc:sldMkLst>
-          <pc:docMk/>
-          <pc:sldMk cId="3024273348" sldId="278"/>
-        </pc:sldMkLst>
-      </pc:sldChg>
-      <pc:sldChg chg="del">
-        <pc:chgData name="Riccardo Berta" userId="c8694f89-bba4-4576-b0a8-456619ca5a8c" providerId="ADAL" clId="{4967B734-A465-2844-BA15-7FBACE49D2F8}" dt="2022-10-04T06:54:08.017" v="60" actId="2696"/>
-        <pc:sldMkLst>
-          <pc:docMk/>
-          <pc:sldMk cId="2505677359" sldId="279"/>
-        </pc:sldMkLst>
-      </pc:sldChg>
-      <pc:sldChg chg="modSp add mod">
-        <pc:chgData name="Riccardo Berta" userId="c8694f89-bba4-4576-b0a8-456619ca5a8c" providerId="ADAL" clId="{4967B734-A465-2844-BA15-7FBACE49D2F8}" dt="2022-10-04T09:56:29.719" v="2268" actId="404"/>
-        <pc:sldMkLst>
-          <pc:docMk/>
-          <pc:sldMk cId="2677523252" sldId="279"/>
-        </pc:sldMkLst>
-        <pc:spChg chg="mod">
-          <ac:chgData name="Riccardo Berta" userId="c8694f89-bba4-4576-b0a8-456619ca5a8c" providerId="ADAL" clId="{4967B734-A465-2844-BA15-7FBACE49D2F8}" dt="2022-10-04T09:51:16.166" v="2076" actId="20577"/>
-          <ac:spMkLst>
-            <pc:docMk/>
-            <pc:sldMk cId="2677523252" sldId="279"/>
-            <ac:spMk id="83" creationId="{00000000-0000-0000-0000-000000000000}"/>
-          </ac:spMkLst>
-        </pc:spChg>
-        <pc:spChg chg="mod">
-          <ac:chgData name="Riccardo Berta" userId="c8694f89-bba4-4576-b0a8-456619ca5a8c" providerId="ADAL" clId="{4967B734-A465-2844-BA15-7FBACE49D2F8}" dt="2022-10-04T09:56:29.719" v="2268" actId="404"/>
-          <ac:spMkLst>
-            <pc:docMk/>
-            <pc:sldMk cId="2677523252" sldId="279"/>
-            <ac:spMk id="84" creationId="{00000000-0000-0000-0000-000000000000}"/>
-          </ac:spMkLst>
-        </pc:spChg>
-      </pc:sldChg>
-      <pc:sldChg chg="addSp delSp modSp add mod">
-        <pc:chgData name="Riccardo Berta" userId="c8694f89-bba4-4576-b0a8-456619ca5a8c" providerId="ADAL" clId="{4967B734-A465-2844-BA15-7FBACE49D2F8}" dt="2022-10-10T05:41:52.141" v="2700" actId="1036"/>
-        <pc:sldMkLst>
-          <pc:docMk/>
-          <pc:sldMk cId="635836889" sldId="280"/>
-        </pc:sldMkLst>
-        <pc:spChg chg="add del mod">
-          <ac:chgData name="Riccardo Berta" userId="c8694f89-bba4-4576-b0a8-456619ca5a8c" providerId="ADAL" clId="{4967B734-A465-2844-BA15-7FBACE49D2F8}" dt="2022-10-04T10:06:24.142" v="2388"/>
-          <ac:spMkLst>
-            <pc:docMk/>
-            <pc:sldMk cId="635836889" sldId="280"/>
-            <ac:spMk id="4" creationId="{CD5234B4-8570-26AF-D55A-23B29365C2EC}"/>
-          </ac:spMkLst>
-        </pc:spChg>
-        <pc:spChg chg="mod">
-          <ac:chgData name="Riccardo Berta" userId="c8694f89-bba4-4576-b0a8-456619ca5a8c" providerId="ADAL" clId="{4967B734-A465-2844-BA15-7FBACE49D2F8}" dt="2022-10-04T10:04:00.493" v="2348" actId="20577"/>
-          <ac:spMkLst>
-            <pc:docMk/>
-            <pc:sldMk cId="635836889" sldId="280"/>
-            <ac:spMk id="83" creationId="{00000000-0000-0000-0000-000000000000}"/>
-          </ac:spMkLst>
-        </pc:spChg>
-        <pc:spChg chg="mod">
-          <ac:chgData name="Riccardo Berta" userId="c8694f89-bba4-4576-b0a8-456619ca5a8c" providerId="ADAL" clId="{4967B734-A465-2844-BA15-7FBACE49D2F8}" dt="2022-10-10T05:41:42.757" v="2695" actId="20577"/>
-          <ac:spMkLst>
-            <pc:docMk/>
-            <pc:sldMk cId="635836889" sldId="280"/>
-            <ac:spMk id="84" creationId="{00000000-0000-0000-0000-000000000000}"/>
-          </ac:spMkLst>
-        </pc:spChg>
-        <pc:picChg chg="add mod">
-          <ac:chgData name="Riccardo Berta" userId="c8694f89-bba4-4576-b0a8-456619ca5a8c" providerId="ADAL" clId="{4967B734-A465-2844-BA15-7FBACE49D2F8}" dt="2022-10-10T05:41:52.141" v="2700" actId="1036"/>
-          <ac:picMkLst>
-            <pc:docMk/>
-            <pc:sldMk cId="635836889" sldId="280"/>
-            <ac:picMk id="3" creationId="{9D698964-6810-0A38-210E-1AC551FB61ED}"/>
-          </ac:picMkLst>
-        </pc:picChg>
-      </pc:sldChg>
-      <pc:sldChg chg="del">
-        <pc:chgData name="Riccardo Berta" userId="c8694f89-bba4-4576-b0a8-456619ca5a8c" providerId="ADAL" clId="{4967B734-A465-2844-BA15-7FBACE49D2F8}" dt="2022-10-04T06:54:08.481" v="61" actId="2696"/>
-        <pc:sldMkLst>
-          <pc:docMk/>
-          <pc:sldMk cId="3525330065" sldId="280"/>
-        </pc:sldMkLst>
-      </pc:sldChg>
-      <pc:sldChg chg="del">
-        <pc:chgData name="Riccardo Berta" userId="c8694f89-bba4-4576-b0a8-456619ca5a8c" providerId="ADAL" clId="{4967B734-A465-2844-BA15-7FBACE49D2F8}" dt="2022-10-04T06:54:08.911" v="62" actId="2696"/>
-        <pc:sldMkLst>
-          <pc:docMk/>
-          <pc:sldMk cId="349541788" sldId="281"/>
-        </pc:sldMkLst>
-      </pc:sldChg>
-      <pc:sldChg chg="addSp modSp add mod">
-        <pc:chgData name="Riccardo Berta" userId="c8694f89-bba4-4576-b0a8-456619ca5a8c" providerId="ADAL" clId="{4967B734-A465-2844-BA15-7FBACE49D2F8}" dt="2022-10-04T10:06:15.809" v="2385" actId="1076"/>
-        <pc:sldMkLst>
-          <pc:docMk/>
-          <pc:sldMk cId="2288803032" sldId="281"/>
-        </pc:sldMkLst>
-        <pc:spChg chg="mod">
-          <ac:chgData name="Riccardo Berta" userId="c8694f89-bba4-4576-b0a8-456619ca5a8c" providerId="ADAL" clId="{4967B734-A465-2844-BA15-7FBACE49D2F8}" dt="2022-10-04T10:04:07.647" v="2351" actId="20577"/>
-          <ac:spMkLst>
-            <pc:docMk/>
-            <pc:sldMk cId="2288803032" sldId="281"/>
-            <ac:spMk id="83" creationId="{00000000-0000-0000-0000-000000000000}"/>
-          </ac:spMkLst>
-        </pc:spChg>
-        <pc:spChg chg="mod">
-          <ac:chgData name="Riccardo Berta" userId="c8694f89-bba4-4576-b0a8-456619ca5a8c" providerId="ADAL" clId="{4967B734-A465-2844-BA15-7FBACE49D2F8}" dt="2022-10-04T10:06:05.744" v="2382" actId="113"/>
-          <ac:spMkLst>
-            <pc:docMk/>
-            <pc:sldMk cId="2288803032" sldId="281"/>
-            <ac:spMk id="84" creationId="{00000000-0000-0000-0000-000000000000}"/>
-          </ac:spMkLst>
-        </pc:spChg>
-        <pc:picChg chg="add mod">
-          <ac:chgData name="Riccardo Berta" userId="c8694f89-bba4-4576-b0a8-456619ca5a8c" providerId="ADAL" clId="{4967B734-A465-2844-BA15-7FBACE49D2F8}" dt="2022-10-04T10:06:15.809" v="2385" actId="1076"/>
-          <ac:picMkLst>
-            <pc:docMk/>
-            <pc:sldMk cId="2288803032" sldId="281"/>
-            <ac:picMk id="3" creationId="{54E22ADE-C1D5-4C60-42F1-3C4C79C16916}"/>
-          </ac:picMkLst>
-        </pc:picChg>
-      </pc:sldChg>
-      <pc:sldChg chg="addSp delSp modSp add mod">
-        <pc:chgData name="Riccardo Berta" userId="c8694f89-bba4-4576-b0a8-456619ca5a8c" providerId="ADAL" clId="{4967B734-A465-2844-BA15-7FBACE49D2F8}" dt="2022-10-04T10:16:31.835" v="2463" actId="20577"/>
-        <pc:sldMkLst>
-          <pc:docMk/>
-          <pc:sldMk cId="663506827" sldId="282"/>
-        </pc:sldMkLst>
-        <pc:spChg chg="mod">
-          <ac:chgData name="Riccardo Berta" userId="c8694f89-bba4-4576-b0a8-456619ca5a8c" providerId="ADAL" clId="{4967B734-A465-2844-BA15-7FBACE49D2F8}" dt="2022-10-04T10:16:31.835" v="2463" actId="20577"/>
-          <ac:spMkLst>
-            <pc:docMk/>
-            <pc:sldMk cId="663506827" sldId="282"/>
-            <ac:spMk id="83" creationId="{00000000-0000-0000-0000-000000000000}"/>
-          </ac:spMkLst>
-        </pc:spChg>
-        <pc:spChg chg="mod">
-          <ac:chgData name="Riccardo Berta" userId="c8694f89-bba4-4576-b0a8-456619ca5a8c" providerId="ADAL" clId="{4967B734-A465-2844-BA15-7FBACE49D2F8}" dt="2022-10-04T10:07:50.041" v="2416" actId="1076"/>
-          <ac:spMkLst>
-            <pc:docMk/>
-            <pc:sldMk cId="663506827" sldId="282"/>
-            <ac:spMk id="84" creationId="{00000000-0000-0000-0000-000000000000}"/>
-          </ac:spMkLst>
-        </pc:spChg>
-        <pc:picChg chg="del">
-          <ac:chgData name="Riccardo Berta" userId="c8694f89-bba4-4576-b0a8-456619ca5a8c" providerId="ADAL" clId="{4967B734-A465-2844-BA15-7FBACE49D2F8}" dt="2022-10-04T10:06:28.259" v="2391" actId="478"/>
-          <ac:picMkLst>
-            <pc:docMk/>
-            <pc:sldMk cId="663506827" sldId="282"/>
-            <ac:picMk id="3" creationId="{54E22ADE-C1D5-4C60-42F1-3C4C79C16916}"/>
-          </ac:picMkLst>
-        </pc:picChg>
-        <pc:picChg chg="add mod">
-          <ac:chgData name="Riccardo Berta" userId="c8694f89-bba4-4576-b0a8-456619ca5a8c" providerId="ADAL" clId="{4967B734-A465-2844-BA15-7FBACE49D2F8}" dt="2022-10-04T10:07:56.607" v="2418" actId="1076"/>
-          <ac:picMkLst>
-            <pc:docMk/>
-            <pc:sldMk cId="663506827" sldId="282"/>
-            <ac:picMk id="4" creationId="{CB17357D-3BA1-B6CF-F4B0-06F6D3C3026E}"/>
-          </ac:picMkLst>
-        </pc:picChg>
-      </pc:sldChg>
-      <pc:sldChg chg="del">
-        <pc:chgData name="Riccardo Berta" userId="c8694f89-bba4-4576-b0a8-456619ca5a8c" providerId="ADAL" clId="{4967B734-A465-2844-BA15-7FBACE49D2F8}" dt="2022-10-04T06:54:09.464" v="63" actId="2696"/>
-        <pc:sldMkLst>
-          <pc:docMk/>
-          <pc:sldMk cId="2584172506" sldId="282"/>
-        </pc:sldMkLst>
-      </pc:sldChg>
-      <pc:sldChg chg="addSp delSp modSp add mod">
-        <pc:chgData name="Riccardo Berta" userId="c8694f89-bba4-4576-b0a8-456619ca5a8c" providerId="ADAL" clId="{4967B734-A465-2844-BA15-7FBACE49D2F8}" dt="2022-10-04T10:17:39.088" v="2550" actId="20577"/>
-        <pc:sldMkLst>
-          <pc:docMk/>
-          <pc:sldMk cId="2423864326" sldId="283"/>
-        </pc:sldMkLst>
-        <pc:spChg chg="mod">
-          <ac:chgData name="Riccardo Berta" userId="c8694f89-bba4-4576-b0a8-456619ca5a8c" providerId="ADAL" clId="{4967B734-A465-2844-BA15-7FBACE49D2F8}" dt="2022-10-04T10:16:35.426" v="2465" actId="20577"/>
-          <ac:spMkLst>
-            <pc:docMk/>
-            <pc:sldMk cId="2423864326" sldId="283"/>
-            <ac:spMk id="83" creationId="{00000000-0000-0000-0000-000000000000}"/>
-          </ac:spMkLst>
-        </pc:spChg>
-        <pc:spChg chg="mod">
-          <ac:chgData name="Riccardo Berta" userId="c8694f89-bba4-4576-b0a8-456619ca5a8c" providerId="ADAL" clId="{4967B734-A465-2844-BA15-7FBACE49D2F8}" dt="2022-10-04T10:17:39.088" v="2550" actId="20577"/>
-          <ac:spMkLst>
-            <pc:docMk/>
-            <pc:sldMk cId="2423864326" sldId="283"/>
-            <ac:spMk id="84" creationId="{00000000-0000-0000-0000-000000000000}"/>
-          </ac:spMkLst>
-        </pc:spChg>
-        <pc:picChg chg="add mod">
-          <ac:chgData name="Riccardo Berta" userId="c8694f89-bba4-4576-b0a8-456619ca5a8c" providerId="ADAL" clId="{4967B734-A465-2844-BA15-7FBACE49D2F8}" dt="2022-10-04T10:16:40.395" v="2467" actId="1076"/>
-          <ac:picMkLst>
-            <pc:docMk/>
-            <pc:sldMk cId="2423864326" sldId="283"/>
-            <ac:picMk id="3" creationId="{A9220B9F-26DE-F97C-B182-0C5B8ACF52A6}"/>
-          </ac:picMkLst>
-        </pc:picChg>
-        <pc:picChg chg="del">
-          <ac:chgData name="Riccardo Berta" userId="c8694f89-bba4-4576-b0a8-456619ca5a8c" providerId="ADAL" clId="{4967B734-A465-2844-BA15-7FBACE49D2F8}" dt="2022-10-04T10:08:28.635" v="2424" actId="478"/>
-          <ac:picMkLst>
-            <pc:docMk/>
-            <pc:sldMk cId="2423864326" sldId="283"/>
-            <ac:picMk id="4" creationId="{CB17357D-3BA1-B6CF-F4B0-06F6D3C3026E}"/>
-          </ac:picMkLst>
-        </pc:picChg>
-        <pc:picChg chg="add del mod">
-          <ac:chgData name="Riccardo Berta" userId="c8694f89-bba4-4576-b0a8-456619ca5a8c" providerId="ADAL" clId="{4967B734-A465-2844-BA15-7FBACE49D2F8}" dt="2022-10-04T10:15:22.510" v="2440" actId="21"/>
-          <ac:picMkLst>
-            <pc:docMk/>
-            <pc:sldMk cId="2423864326" sldId="283"/>
-            <ac:picMk id="6" creationId="{47EEA959-CD75-423F-FF11-1B537B275B90}"/>
-          </ac:picMkLst>
-        </pc:picChg>
-      </pc:sldChg>
-      <pc:sldChg chg="del">
-        <pc:chgData name="Riccardo Berta" userId="c8694f89-bba4-4576-b0a8-456619ca5a8c" providerId="ADAL" clId="{4967B734-A465-2844-BA15-7FBACE49D2F8}" dt="2022-10-04T06:54:09.892" v="64" actId="2696"/>
-        <pc:sldMkLst>
-          <pc:docMk/>
-          <pc:sldMk cId="2548826204" sldId="283"/>
-        </pc:sldMkLst>
-      </pc:sldChg>
-      <pc:sldChg chg="add del">
-        <pc:chgData name="Riccardo Berta" userId="c8694f89-bba4-4576-b0a8-456619ca5a8c" providerId="ADAL" clId="{4967B734-A465-2844-BA15-7FBACE49D2F8}" dt="2022-10-04T10:14:48.405" v="2429"/>
-        <pc:sldMkLst>
-          <pc:docMk/>
-          <pc:sldMk cId="196183857" sldId="284"/>
-        </pc:sldMkLst>
-      </pc:sldChg>
-      <pc:sldChg chg="addSp delSp modSp add mod">
-        <pc:chgData name="Riccardo Berta" userId="c8694f89-bba4-4576-b0a8-456619ca5a8c" providerId="ADAL" clId="{4967B734-A465-2844-BA15-7FBACE49D2F8}" dt="2022-10-04T10:16:23.053" v="2461" actId="1076"/>
-        <pc:sldMkLst>
-          <pc:docMk/>
-          <pc:sldMk cId="852930802" sldId="284"/>
-        </pc:sldMkLst>
-        <pc:spChg chg="mod">
-          <ac:chgData name="Riccardo Berta" userId="c8694f89-bba4-4576-b0a8-456619ca5a8c" providerId="ADAL" clId="{4967B734-A465-2844-BA15-7FBACE49D2F8}" dt="2022-10-04T10:15:10.060" v="2434" actId="20577"/>
-          <ac:spMkLst>
-            <pc:docMk/>
-            <pc:sldMk cId="852930802" sldId="284"/>
-            <ac:spMk id="83" creationId="{00000000-0000-0000-0000-000000000000}"/>
-          </ac:spMkLst>
-        </pc:spChg>
-        <pc:spChg chg="mod">
-          <ac:chgData name="Riccardo Berta" userId="c8694f89-bba4-4576-b0a8-456619ca5a8c" providerId="ADAL" clId="{4967B734-A465-2844-BA15-7FBACE49D2F8}" dt="2022-10-04T10:16:02.996" v="2458" actId="20577"/>
-          <ac:spMkLst>
-            <pc:docMk/>
-            <pc:sldMk cId="852930802" sldId="284"/>
-            <ac:spMk id="84" creationId="{00000000-0000-0000-0000-000000000000}"/>
-          </ac:spMkLst>
-        </pc:spChg>
-        <pc:picChg chg="add mod">
-          <ac:chgData name="Riccardo Berta" userId="c8694f89-bba4-4576-b0a8-456619ca5a8c" providerId="ADAL" clId="{4967B734-A465-2844-BA15-7FBACE49D2F8}" dt="2022-10-04T10:16:23.053" v="2461" actId="1076"/>
-          <ac:picMkLst>
-            <pc:docMk/>
-            <pc:sldMk cId="852930802" sldId="284"/>
-            <ac:picMk id="2" creationId="{DF568B29-4E99-A3CF-2B9A-96B190172962}"/>
-          </ac:picMkLst>
-        </pc:picChg>
-        <pc:picChg chg="del">
-          <ac:chgData name="Riccardo Berta" userId="c8694f89-bba4-4576-b0a8-456619ca5a8c" providerId="ADAL" clId="{4967B734-A465-2844-BA15-7FBACE49D2F8}" dt="2022-10-04T10:15:11.873" v="2435" actId="478"/>
-          <ac:picMkLst>
-            <pc:docMk/>
-            <pc:sldMk cId="852930802" sldId="284"/>
-            <ac:picMk id="3" creationId="{54E22ADE-C1D5-4C60-42F1-3C4C79C16916}"/>
-          </ac:picMkLst>
-        </pc:picChg>
-      </pc:sldChg>
-      <pc:sldChg chg="del">
-        <pc:chgData name="Riccardo Berta" userId="c8694f89-bba4-4576-b0a8-456619ca5a8c" providerId="ADAL" clId="{4967B734-A465-2844-BA15-7FBACE49D2F8}" dt="2022-10-04T06:54:10.321" v="65" actId="2696"/>
-        <pc:sldMkLst>
-          <pc:docMk/>
-          <pc:sldMk cId="3494619461" sldId="284"/>
-        </pc:sldMkLst>
-      </pc:sldChg>
-      <pc:sldChg chg="del">
-        <pc:chgData name="Riccardo Berta" userId="c8694f89-bba4-4576-b0a8-456619ca5a8c" providerId="ADAL" clId="{4967B734-A465-2844-BA15-7FBACE49D2F8}" dt="2022-10-04T06:54:10.985" v="66" actId="2696"/>
-        <pc:sldMkLst>
-          <pc:docMk/>
-          <pc:sldMk cId="3458162749" sldId="285"/>
-        </pc:sldMkLst>
-      </pc:sldChg>
-      <pc:sldChg chg="del">
-        <pc:chgData name="Riccardo Berta" userId="c8694f89-bba4-4576-b0a8-456619ca5a8c" providerId="ADAL" clId="{4967B734-A465-2844-BA15-7FBACE49D2F8}" dt="2022-10-04T06:54:13.372" v="69" actId="2696"/>
-        <pc:sldMkLst>
-          <pc:docMk/>
-          <pc:sldMk cId="3186725423" sldId="286"/>
-        </pc:sldMkLst>
-      </pc:sldChg>
-      <pc:sldChg chg="del">
-        <pc:chgData name="Riccardo Berta" userId="c8694f89-bba4-4576-b0a8-456619ca5a8c" providerId="ADAL" clId="{4967B734-A465-2844-BA15-7FBACE49D2F8}" dt="2022-10-04T06:54:04.705" v="53" actId="2696"/>
-        <pc:sldMkLst>
-          <pc:docMk/>
-          <pc:sldMk cId="1166550415" sldId="288"/>
-        </pc:sldMkLst>
-      </pc:sldChg>
-      <pc:sldChg chg="del">
-        <pc:chgData name="Riccardo Berta" userId="c8694f89-bba4-4576-b0a8-456619ca5a8c" providerId="ADAL" clId="{4967B734-A465-2844-BA15-7FBACE49D2F8}" dt="2022-10-04T06:54:12.030" v="67" actId="2696"/>
-        <pc:sldMkLst>
-          <pc:docMk/>
-          <pc:sldMk cId="0" sldId="344"/>
-        </pc:sldMkLst>
-      </pc:sldChg>
-      <pc:sldChg chg="del">
-        <pc:chgData name="Riccardo Berta" userId="c8694f89-bba4-4576-b0a8-456619ca5a8c" providerId="ADAL" clId="{4967B734-A465-2844-BA15-7FBACE49D2F8}" dt="2022-10-04T06:54:12.601" v="68" actId="2696"/>
-        <pc:sldMkLst>
-          <pc:docMk/>
-          <pc:sldMk cId="615642029" sldId="403"/>
-        </pc:sldMkLst>
-      </pc:sldChg>
-      <pc:sldMasterChg chg="delSldLayout">
-        <pc:chgData name="Riccardo Berta" userId="c8694f89-bba4-4576-b0a8-456619ca5a8c" providerId="ADAL" clId="{4967B734-A465-2844-BA15-7FBACE49D2F8}" dt="2022-10-04T06:54:12.601" v="68" actId="2696"/>
-        <pc:sldMasterMkLst>
-          <pc:docMk/>
-          <pc:sldMasterMk cId="0" sldId="2147483659"/>
-        </pc:sldMasterMkLst>
-        <pc:sldLayoutChg chg="del">
-          <pc:chgData name="Riccardo Berta" userId="c8694f89-bba4-4576-b0a8-456619ca5a8c" providerId="ADAL" clId="{4967B734-A465-2844-BA15-7FBACE49D2F8}" dt="2022-10-04T06:54:12.601" v="68" actId="2696"/>
-          <pc:sldLayoutMkLst>
-            <pc:docMk/>
-            <pc:sldMasterMk cId="0" sldId="2147483659"/>
-            <pc:sldLayoutMk cId="2937273629" sldId="2147483660"/>
-          </pc:sldLayoutMkLst>
-        </pc:sldLayoutChg>
-      </pc:sldMasterChg>
     </pc:docChg>
   </pc:docChgLst>
 </pc:chgInfo>
@@ -12123,13 +12123,14 @@
             <a:endParaRPr lang="en-GB" dirty="0"/>
           </a:p>
           <a:p>
+            <a:pPr lvl="0"/>
             <a:r>
               <a:rPr lang="en-GB" b="1" dirty="0">
                 <a:highlight>
                   <a:srgbClr val="FFFF00"/>
                 </a:highlight>
               </a:rPr>
-              <a:t>See “sampling-</a:t>
+              <a:t>See “</a:t>
             </a:r>
             <a:r>
               <a:rPr lang="en-GB" b="1" dirty="0" err="1">
@@ -12137,7 +12138,7 @@
                   <a:srgbClr val="FFFF00"/>
                 </a:highlight>
               </a:rPr>
-              <a:t>comparison.ipynb</a:t>
+              <a:t>notebook.ipynb</a:t>
             </a:r>
             <a:r>
               <a:rPr lang="en-GB" b="1" dirty="0">
@@ -12145,7 +12146,7 @@
                   <a:srgbClr val="FFFF00"/>
                 </a:highlight>
               </a:rPr>
-              <a:t>” notebook</a:t>
+              <a:t>”</a:t>
             </a:r>
           </a:p>
           <a:p>
@@ -13251,7 +13252,7 @@
                   <a:srgbClr val="FFFF00"/>
                 </a:highlight>
               </a:rPr>
-              <a:t>See “dyna-</a:t>
+              <a:t>See “</a:t>
             </a:r>
             <a:r>
               <a:rPr lang="en-GB" b="1" dirty="0" err="1">
@@ -13259,7 +13260,7 @@
                   <a:srgbClr val="FFFF00"/>
                 </a:highlight>
               </a:rPr>
-              <a:t>q.ipynb</a:t>
+              <a:t>notebook.ipynb</a:t>
             </a:r>
             <a:r>
               <a:rPr lang="en-GB" b="1" dirty="0">
@@ -13267,7 +13268,7 @@
                   <a:srgbClr val="FFFF00"/>
                 </a:highlight>
               </a:rPr>
-              <a:t>” notebook</a:t>
+              <a:t>”</a:t>
             </a:r>
           </a:p>
           <a:p>
@@ -14078,6 +14079,7 @@
             <a:endParaRPr lang="en-GB" dirty="0"/>
           </a:p>
           <a:p>
+            <a:pPr lvl="0"/>
             <a:r>
               <a:rPr lang="en-GB" b="1" dirty="0">
                 <a:highlight>
@@ -14087,28 +14089,12 @@
               <a:t>See “</a:t>
             </a:r>
             <a:r>
-              <a:rPr lang="en-GB" sz="1800" b="1" dirty="0">
-                <a:highlight>
-                  <a:srgbClr val="FFFF00"/>
-                </a:highlight>
-              </a:rPr>
-              <a:t>trajectory-</a:t>
-            </a:r>
-            <a:r>
-              <a:rPr lang="en-GB" sz="1800" b="1" dirty="0" err="1">
-                <a:highlight>
-                  <a:srgbClr val="FFFF00"/>
-                </a:highlight>
-              </a:rPr>
-              <a:t>sampling</a:t>
-            </a:r>
-            <a:r>
               <a:rPr lang="en-GB" b="1" dirty="0" err="1">
                 <a:highlight>
                   <a:srgbClr val="FFFF00"/>
                 </a:highlight>
               </a:rPr>
-              <a:t>.ipynb</a:t>
+              <a:t>notebook.ipynb</a:t>
             </a:r>
             <a:r>
               <a:rPr lang="en-GB" b="1" dirty="0">
@@ -14116,7 +14102,7 @@
                   <a:srgbClr val="FFFF00"/>
                 </a:highlight>
               </a:rPr>
-              <a:t>” notebook</a:t>
+              <a:t>”</a:t>
             </a:r>
           </a:p>
           <a:p>

--- a/06 - Model-based methods/slides.pptx
+++ b/06 - Model-based methods/slides.pptx
@@ -5,7 +5,7 @@
     <p:sldMasterId id="2147483659" r:id="rId1"/>
   </p:sldMasterIdLst>
   <p:notesMasterIdLst>
-    <p:notesMasterId r:id="rId14"/>
+    <p:notesMasterId r:id="rId15"/>
   </p:notesMasterIdLst>
   <p:sldIdLst>
     <p:sldId id="256" r:id="rId2"/>
@@ -14,29 +14,30 @@
     <p:sldId id="314" r:id="rId5"/>
     <p:sldId id="267" r:id="rId6"/>
     <p:sldId id="268" r:id="rId7"/>
-    <p:sldId id="269" r:id="rId8"/>
-    <p:sldId id="270" r:id="rId9"/>
-    <p:sldId id="271" r:id="rId10"/>
-    <p:sldId id="315" r:id="rId11"/>
-    <p:sldId id="272" r:id="rId12"/>
-    <p:sldId id="316" r:id="rId13"/>
+    <p:sldId id="318" r:id="rId8"/>
+    <p:sldId id="269" r:id="rId9"/>
+    <p:sldId id="270" r:id="rId10"/>
+    <p:sldId id="271" r:id="rId11"/>
+    <p:sldId id="315" r:id="rId12"/>
+    <p:sldId id="272" r:id="rId13"/>
+    <p:sldId id="316" r:id="rId14"/>
   </p:sldIdLst>
   <p:sldSz cx="9144000" cy="6858000" type="screen4x3"/>
   <p:notesSz cx="6858000" cy="9144000"/>
   <p:embeddedFontLst>
     <p:embeddedFont>
       <p:font typeface="Economica" panose="02000506040000020004" pitchFamily="2" charset="77"/>
-      <p:regular r:id="rId15"/>
-      <p:bold r:id="rId16"/>
-      <p:italic r:id="rId17"/>
-      <p:boldItalic r:id="rId18"/>
+      <p:regular r:id="rId16"/>
+      <p:bold r:id="rId17"/>
+      <p:italic r:id="rId18"/>
+      <p:boldItalic r:id="rId19"/>
     </p:embeddedFont>
     <p:embeddedFont>
       <p:font typeface="Open Sans" panose="020B0606030504020204" pitchFamily="34" charset="0"/>
-      <p:regular r:id="rId19"/>
-      <p:bold r:id="rId20"/>
-      <p:italic r:id="rId21"/>
-      <p:boldItalic r:id="rId22"/>
+      <p:regular r:id="rId20"/>
+      <p:bold r:id="rId21"/>
+      <p:italic r:id="rId22"/>
+      <p:boldItalic r:id="rId23"/>
     </p:embeddedFont>
   </p:embeddedFontLst>
   <p:defaultTextStyle>
@@ -3935,6 +3936,175 @@
     </pc:docChg>
   </pc:docChgLst>
   <pc:docChgLst>
+    <pc:chgData name="Riccardo Berta" userId="c8694f89-bba4-4576-b0a8-456619ca5a8c" providerId="ADAL" clId="{0F224E75-CFB0-994A-998D-4867A3C3D5B8}"/>
+    <pc:docChg chg="custSel modSld">
+      <pc:chgData name="Riccardo Berta" userId="c8694f89-bba4-4576-b0a8-456619ca5a8c" providerId="ADAL" clId="{0F224E75-CFB0-994A-998D-4867A3C3D5B8}" dt="2022-12-05T09:02:20.005" v="93"/>
+      <pc:docMkLst>
+        <pc:docMk/>
+      </pc:docMkLst>
+      <pc:sldChg chg="addSp">
+        <pc:chgData name="Riccardo Berta" userId="c8694f89-bba4-4576-b0a8-456619ca5a8c" providerId="ADAL" clId="{0F224E75-CFB0-994A-998D-4867A3C3D5B8}" dt="2022-12-05T09:02:20.005" v="93"/>
+        <pc:sldMkLst>
+          <pc:docMk/>
+          <pc:sldMk cId="2610884299" sldId="269"/>
+        </pc:sldMkLst>
+        <pc:inkChg chg="add">
+          <ac:chgData name="Riccardo Berta" userId="c8694f89-bba4-4576-b0a8-456619ca5a8c" providerId="ADAL" clId="{0F224E75-CFB0-994A-998D-4867A3C3D5B8}" dt="2022-12-05T09:02:20.005" v="93"/>
+          <ac:inkMkLst>
+            <pc:docMk/>
+            <pc:sldMk cId="2610884299" sldId="269"/>
+            <ac:inkMk id="2" creationId="{1C0F551B-44AB-C0A2-3E7C-B49F1642A5EE}"/>
+          </ac:inkMkLst>
+        </pc:inkChg>
+      </pc:sldChg>
+      <pc:sldChg chg="addSp">
+        <pc:chgData name="Riccardo Berta" userId="c8694f89-bba4-4576-b0a8-456619ca5a8c" providerId="ADAL" clId="{0F224E75-CFB0-994A-998D-4867A3C3D5B8}" dt="2022-12-05T09:02:20.005" v="93"/>
+        <pc:sldMkLst>
+          <pc:docMk/>
+          <pc:sldMk cId="2689217830" sldId="270"/>
+        </pc:sldMkLst>
+        <pc:inkChg chg="add">
+          <ac:chgData name="Riccardo Berta" userId="c8694f89-bba4-4576-b0a8-456619ca5a8c" providerId="ADAL" clId="{0F224E75-CFB0-994A-998D-4867A3C3D5B8}" dt="2022-12-05T09:02:20.005" v="93"/>
+          <ac:inkMkLst>
+            <pc:docMk/>
+            <pc:sldMk cId="2689217830" sldId="270"/>
+            <ac:inkMk id="2" creationId="{11B24000-DDAB-2390-0487-A46D7E6DE709}"/>
+          </ac:inkMkLst>
+        </pc:inkChg>
+      </pc:sldChg>
+      <pc:sldChg chg="addSp delSp modSp mod">
+        <pc:chgData name="Riccardo Berta" userId="c8694f89-bba4-4576-b0a8-456619ca5a8c" providerId="ADAL" clId="{0F224E75-CFB0-994A-998D-4867A3C3D5B8}" dt="2022-12-05T09:02:20.005" v="93"/>
+        <pc:sldMkLst>
+          <pc:docMk/>
+          <pc:sldMk cId="3320434858" sldId="272"/>
+        </pc:sldMkLst>
+        <pc:picChg chg="add mod">
+          <ac:chgData name="Riccardo Berta" userId="c8694f89-bba4-4576-b0a8-456619ca5a8c" providerId="ADAL" clId="{0F224E75-CFB0-994A-998D-4867A3C3D5B8}" dt="2022-12-05T06:53:24.309" v="67" actId="1035"/>
+          <ac:picMkLst>
+            <pc:docMk/>
+            <pc:sldMk cId="3320434858" sldId="272"/>
+            <ac:picMk id="2" creationId="{DEC6FBB5-B182-C15C-4F28-E0628D86053D}"/>
+          </ac:picMkLst>
+        </pc:picChg>
+        <pc:picChg chg="del">
+          <ac:chgData name="Riccardo Berta" userId="c8694f89-bba4-4576-b0a8-456619ca5a8c" providerId="ADAL" clId="{0F224E75-CFB0-994A-998D-4867A3C3D5B8}" dt="2022-12-05T06:53:45.070" v="70" actId="478"/>
+          <ac:picMkLst>
+            <pc:docMk/>
+            <pc:sldMk cId="3320434858" sldId="272"/>
+            <ac:picMk id="3" creationId="{7C05429C-8434-BE89-5670-26AF4215D7EE}"/>
+          </ac:picMkLst>
+        </pc:picChg>
+        <pc:picChg chg="del">
+          <ac:chgData name="Riccardo Berta" userId="c8694f89-bba4-4576-b0a8-456619ca5a8c" providerId="ADAL" clId="{0F224E75-CFB0-994A-998D-4867A3C3D5B8}" dt="2022-12-05T06:52:56.128" v="57" actId="478"/>
+          <ac:picMkLst>
+            <pc:docMk/>
+            <pc:sldMk cId="3320434858" sldId="272"/>
+            <ac:picMk id="5" creationId="{D9528D03-29A2-C473-6B57-135D188AFBD4}"/>
+          </ac:picMkLst>
+        </pc:picChg>
+        <pc:picChg chg="add mod">
+          <ac:chgData name="Riccardo Berta" userId="c8694f89-bba4-4576-b0a8-456619ca5a8c" providerId="ADAL" clId="{0F224E75-CFB0-994A-998D-4867A3C3D5B8}" dt="2022-12-05T06:54:05.992" v="92" actId="1038"/>
+          <ac:picMkLst>
+            <pc:docMk/>
+            <pc:sldMk cId="3320434858" sldId="272"/>
+            <ac:picMk id="6" creationId="{65AF9C4A-F188-66B6-407D-F7F6CC86AA32}"/>
+          </ac:picMkLst>
+        </pc:picChg>
+        <pc:inkChg chg="add">
+          <ac:chgData name="Riccardo Berta" userId="c8694f89-bba4-4576-b0a8-456619ca5a8c" providerId="ADAL" clId="{0F224E75-CFB0-994A-998D-4867A3C3D5B8}" dt="2022-12-05T09:02:20.005" v="93"/>
+          <ac:inkMkLst>
+            <pc:docMk/>
+            <pc:sldMk cId="3320434858" sldId="272"/>
+            <ac:inkMk id="3" creationId="{A21FA8B3-D5C9-BE6D-A093-05A69248EBB2}"/>
+          </ac:inkMkLst>
+        </pc:inkChg>
+      </pc:sldChg>
+      <pc:sldChg chg="addSp delSp modSp mod">
+        <pc:chgData name="Riccardo Berta" userId="c8694f89-bba4-4576-b0a8-456619ca5a8c" providerId="ADAL" clId="{0F224E75-CFB0-994A-998D-4867A3C3D5B8}" dt="2022-12-05T06:52:59.303" v="58" actId="21"/>
+        <pc:sldMkLst>
+          <pc:docMk/>
+          <pc:sldMk cId="1073505695" sldId="280"/>
+        </pc:sldMkLst>
+        <pc:spChg chg="mod">
+          <ac:chgData name="Riccardo Berta" userId="c8694f89-bba4-4576-b0a8-456619ca5a8c" providerId="ADAL" clId="{0F224E75-CFB0-994A-998D-4867A3C3D5B8}" dt="2022-12-05T06:43:53.177" v="55" actId="20577"/>
+          <ac:spMkLst>
+            <pc:docMk/>
+            <pc:sldMk cId="1073505695" sldId="280"/>
+            <ac:spMk id="84" creationId="{00000000-0000-0000-0000-000000000000}"/>
+          </ac:spMkLst>
+        </pc:spChg>
+        <pc:picChg chg="add del mod">
+          <ac:chgData name="Riccardo Berta" userId="c8694f89-bba4-4576-b0a8-456619ca5a8c" providerId="ADAL" clId="{0F224E75-CFB0-994A-998D-4867A3C3D5B8}" dt="2022-12-05T06:52:59.303" v="58" actId="21"/>
+          <ac:picMkLst>
+            <pc:docMk/>
+            <pc:sldMk cId="1073505695" sldId="280"/>
+            <ac:picMk id="3" creationId="{2C376B40-45B7-6F93-FAC1-3992CCC0BDA7}"/>
+          </ac:picMkLst>
+        </pc:picChg>
+      </pc:sldChg>
+      <pc:sldChg chg="modSp mod">
+        <pc:chgData name="Riccardo Berta" userId="c8694f89-bba4-4576-b0a8-456619ca5a8c" providerId="ADAL" clId="{0F224E75-CFB0-994A-998D-4867A3C3D5B8}" dt="2022-11-30T07:11:21.827" v="3" actId="14"/>
+        <pc:sldMkLst>
+          <pc:docMk/>
+          <pc:sldMk cId="4044708769" sldId="298"/>
+        </pc:sldMkLst>
+        <pc:spChg chg="mod">
+          <ac:chgData name="Riccardo Berta" userId="c8694f89-bba4-4576-b0a8-456619ca5a8c" providerId="ADAL" clId="{0F224E75-CFB0-994A-998D-4867A3C3D5B8}" dt="2022-11-30T07:11:21.827" v="3" actId="14"/>
+          <ac:spMkLst>
+            <pc:docMk/>
+            <pc:sldMk cId="4044708769" sldId="298"/>
+            <ac:spMk id="84" creationId="{00000000-0000-0000-0000-000000000000}"/>
+          </ac:spMkLst>
+        </pc:spChg>
+      </pc:sldChg>
+      <pc:sldChg chg="modSp mod">
+        <pc:chgData name="Riccardo Berta" userId="c8694f89-bba4-4576-b0a8-456619ca5a8c" providerId="ADAL" clId="{0F224E75-CFB0-994A-998D-4867A3C3D5B8}" dt="2022-11-30T07:49:17.167" v="6" actId="20577"/>
+        <pc:sldMkLst>
+          <pc:docMk/>
+          <pc:sldMk cId="3972952492" sldId="302"/>
+        </pc:sldMkLst>
+        <pc:spChg chg="mod">
+          <ac:chgData name="Riccardo Berta" userId="c8694f89-bba4-4576-b0a8-456619ca5a8c" providerId="ADAL" clId="{0F224E75-CFB0-994A-998D-4867A3C3D5B8}" dt="2022-11-30T07:49:17.167" v="6" actId="20577"/>
+          <ac:spMkLst>
+            <pc:docMk/>
+            <pc:sldMk cId="3972952492" sldId="302"/>
+            <ac:spMk id="84" creationId="{00000000-0000-0000-0000-000000000000}"/>
+          </ac:spMkLst>
+        </pc:spChg>
+      </pc:sldChg>
+      <pc:sldChg chg="modSp mod">
+        <pc:chgData name="Riccardo Berta" userId="c8694f89-bba4-4576-b0a8-456619ca5a8c" providerId="ADAL" clId="{0F224E75-CFB0-994A-998D-4867A3C3D5B8}" dt="2022-12-05T06:35:31.722" v="37" actId="20577"/>
+        <pc:sldMkLst>
+          <pc:docMk/>
+          <pc:sldMk cId="3441338737" sldId="313"/>
+        </pc:sldMkLst>
+        <pc:spChg chg="mod">
+          <ac:chgData name="Riccardo Berta" userId="c8694f89-bba4-4576-b0a8-456619ca5a8c" providerId="ADAL" clId="{0F224E75-CFB0-994A-998D-4867A3C3D5B8}" dt="2022-12-05T06:35:31.722" v="37" actId="20577"/>
+          <ac:spMkLst>
+            <pc:docMk/>
+            <pc:sldMk cId="3441338737" sldId="313"/>
+            <ac:spMk id="84" creationId="{00000000-0000-0000-0000-000000000000}"/>
+          </ac:spMkLst>
+        </pc:spChg>
+      </pc:sldChg>
+      <pc:sldChg chg="modSp mod">
+        <pc:chgData name="Riccardo Berta" userId="c8694f89-bba4-4576-b0a8-456619ca5a8c" providerId="ADAL" clId="{0F224E75-CFB0-994A-998D-4867A3C3D5B8}" dt="2022-12-05T06:37:43.625" v="54" actId="15"/>
+        <pc:sldMkLst>
+          <pc:docMk/>
+          <pc:sldMk cId="2414582803" sldId="314"/>
+        </pc:sldMkLst>
+        <pc:spChg chg="mod">
+          <ac:chgData name="Riccardo Berta" userId="c8694f89-bba4-4576-b0a8-456619ca5a8c" providerId="ADAL" clId="{0F224E75-CFB0-994A-998D-4867A3C3D5B8}" dt="2022-12-05T06:37:43.625" v="54" actId="15"/>
+          <ac:spMkLst>
+            <pc:docMk/>
+            <pc:sldMk cId="2414582803" sldId="314"/>
+            <ac:spMk id="84" creationId="{00000000-0000-0000-0000-000000000000}"/>
+          </ac:spMkLst>
+        </pc:spChg>
+      </pc:sldChg>
+    </pc:docChg>
+  </pc:docChgLst>
+  <pc:docChgLst>
     <pc:chgData name="Riccardo Berta" userId="c8694f89-bba4-4576-b0a8-456619ca5a8c" providerId="ADAL" clId="{4967B734-A465-2844-BA15-7FBACE49D2F8}"/>
     <pc:docChg chg="undo redo custSel addSld delSld modSld sldOrd">
       <pc:chgData name="Riccardo Berta" userId="c8694f89-bba4-4576-b0a8-456619ca5a8c" providerId="ADAL" clId="{4967B734-A465-2844-BA15-7FBACE49D2F8}" dt="2022-10-10T05:41:52.141" v="2700" actId="1036"/>
@@ -4912,175 +5082,6 @@
           </pc:sldLayoutMkLst>
         </pc:sldLayoutChg>
       </pc:sldMasterChg>
-    </pc:docChg>
-  </pc:docChgLst>
-  <pc:docChgLst>
-    <pc:chgData name="Riccardo Berta" userId="c8694f89-bba4-4576-b0a8-456619ca5a8c" providerId="ADAL" clId="{0F224E75-CFB0-994A-998D-4867A3C3D5B8}"/>
-    <pc:docChg chg="custSel modSld">
-      <pc:chgData name="Riccardo Berta" userId="c8694f89-bba4-4576-b0a8-456619ca5a8c" providerId="ADAL" clId="{0F224E75-CFB0-994A-998D-4867A3C3D5B8}" dt="2022-12-05T09:02:20.005" v="93"/>
-      <pc:docMkLst>
-        <pc:docMk/>
-      </pc:docMkLst>
-      <pc:sldChg chg="addSp">
-        <pc:chgData name="Riccardo Berta" userId="c8694f89-bba4-4576-b0a8-456619ca5a8c" providerId="ADAL" clId="{0F224E75-CFB0-994A-998D-4867A3C3D5B8}" dt="2022-12-05T09:02:20.005" v="93"/>
-        <pc:sldMkLst>
-          <pc:docMk/>
-          <pc:sldMk cId="2610884299" sldId="269"/>
-        </pc:sldMkLst>
-        <pc:inkChg chg="add">
-          <ac:chgData name="Riccardo Berta" userId="c8694f89-bba4-4576-b0a8-456619ca5a8c" providerId="ADAL" clId="{0F224E75-CFB0-994A-998D-4867A3C3D5B8}" dt="2022-12-05T09:02:20.005" v="93"/>
-          <ac:inkMkLst>
-            <pc:docMk/>
-            <pc:sldMk cId="2610884299" sldId="269"/>
-            <ac:inkMk id="2" creationId="{1C0F551B-44AB-C0A2-3E7C-B49F1642A5EE}"/>
-          </ac:inkMkLst>
-        </pc:inkChg>
-      </pc:sldChg>
-      <pc:sldChg chg="addSp">
-        <pc:chgData name="Riccardo Berta" userId="c8694f89-bba4-4576-b0a8-456619ca5a8c" providerId="ADAL" clId="{0F224E75-CFB0-994A-998D-4867A3C3D5B8}" dt="2022-12-05T09:02:20.005" v="93"/>
-        <pc:sldMkLst>
-          <pc:docMk/>
-          <pc:sldMk cId="2689217830" sldId="270"/>
-        </pc:sldMkLst>
-        <pc:inkChg chg="add">
-          <ac:chgData name="Riccardo Berta" userId="c8694f89-bba4-4576-b0a8-456619ca5a8c" providerId="ADAL" clId="{0F224E75-CFB0-994A-998D-4867A3C3D5B8}" dt="2022-12-05T09:02:20.005" v="93"/>
-          <ac:inkMkLst>
-            <pc:docMk/>
-            <pc:sldMk cId="2689217830" sldId="270"/>
-            <ac:inkMk id="2" creationId="{11B24000-DDAB-2390-0487-A46D7E6DE709}"/>
-          </ac:inkMkLst>
-        </pc:inkChg>
-      </pc:sldChg>
-      <pc:sldChg chg="addSp delSp modSp mod">
-        <pc:chgData name="Riccardo Berta" userId="c8694f89-bba4-4576-b0a8-456619ca5a8c" providerId="ADAL" clId="{0F224E75-CFB0-994A-998D-4867A3C3D5B8}" dt="2022-12-05T09:02:20.005" v="93"/>
-        <pc:sldMkLst>
-          <pc:docMk/>
-          <pc:sldMk cId="3320434858" sldId="272"/>
-        </pc:sldMkLst>
-        <pc:picChg chg="add mod">
-          <ac:chgData name="Riccardo Berta" userId="c8694f89-bba4-4576-b0a8-456619ca5a8c" providerId="ADAL" clId="{0F224E75-CFB0-994A-998D-4867A3C3D5B8}" dt="2022-12-05T06:53:24.309" v="67" actId="1035"/>
-          <ac:picMkLst>
-            <pc:docMk/>
-            <pc:sldMk cId="3320434858" sldId="272"/>
-            <ac:picMk id="2" creationId="{DEC6FBB5-B182-C15C-4F28-E0628D86053D}"/>
-          </ac:picMkLst>
-        </pc:picChg>
-        <pc:picChg chg="del">
-          <ac:chgData name="Riccardo Berta" userId="c8694f89-bba4-4576-b0a8-456619ca5a8c" providerId="ADAL" clId="{0F224E75-CFB0-994A-998D-4867A3C3D5B8}" dt="2022-12-05T06:53:45.070" v="70" actId="478"/>
-          <ac:picMkLst>
-            <pc:docMk/>
-            <pc:sldMk cId="3320434858" sldId="272"/>
-            <ac:picMk id="3" creationId="{7C05429C-8434-BE89-5670-26AF4215D7EE}"/>
-          </ac:picMkLst>
-        </pc:picChg>
-        <pc:picChg chg="del">
-          <ac:chgData name="Riccardo Berta" userId="c8694f89-bba4-4576-b0a8-456619ca5a8c" providerId="ADAL" clId="{0F224E75-CFB0-994A-998D-4867A3C3D5B8}" dt="2022-12-05T06:52:56.128" v="57" actId="478"/>
-          <ac:picMkLst>
-            <pc:docMk/>
-            <pc:sldMk cId="3320434858" sldId="272"/>
-            <ac:picMk id="5" creationId="{D9528D03-29A2-C473-6B57-135D188AFBD4}"/>
-          </ac:picMkLst>
-        </pc:picChg>
-        <pc:picChg chg="add mod">
-          <ac:chgData name="Riccardo Berta" userId="c8694f89-bba4-4576-b0a8-456619ca5a8c" providerId="ADAL" clId="{0F224E75-CFB0-994A-998D-4867A3C3D5B8}" dt="2022-12-05T06:54:05.992" v="92" actId="1038"/>
-          <ac:picMkLst>
-            <pc:docMk/>
-            <pc:sldMk cId="3320434858" sldId="272"/>
-            <ac:picMk id="6" creationId="{65AF9C4A-F188-66B6-407D-F7F6CC86AA32}"/>
-          </ac:picMkLst>
-        </pc:picChg>
-        <pc:inkChg chg="add">
-          <ac:chgData name="Riccardo Berta" userId="c8694f89-bba4-4576-b0a8-456619ca5a8c" providerId="ADAL" clId="{0F224E75-CFB0-994A-998D-4867A3C3D5B8}" dt="2022-12-05T09:02:20.005" v="93"/>
-          <ac:inkMkLst>
-            <pc:docMk/>
-            <pc:sldMk cId="3320434858" sldId="272"/>
-            <ac:inkMk id="3" creationId="{A21FA8B3-D5C9-BE6D-A093-05A69248EBB2}"/>
-          </ac:inkMkLst>
-        </pc:inkChg>
-      </pc:sldChg>
-      <pc:sldChg chg="addSp delSp modSp mod">
-        <pc:chgData name="Riccardo Berta" userId="c8694f89-bba4-4576-b0a8-456619ca5a8c" providerId="ADAL" clId="{0F224E75-CFB0-994A-998D-4867A3C3D5B8}" dt="2022-12-05T06:52:59.303" v="58" actId="21"/>
-        <pc:sldMkLst>
-          <pc:docMk/>
-          <pc:sldMk cId="1073505695" sldId="280"/>
-        </pc:sldMkLst>
-        <pc:spChg chg="mod">
-          <ac:chgData name="Riccardo Berta" userId="c8694f89-bba4-4576-b0a8-456619ca5a8c" providerId="ADAL" clId="{0F224E75-CFB0-994A-998D-4867A3C3D5B8}" dt="2022-12-05T06:43:53.177" v="55" actId="20577"/>
-          <ac:spMkLst>
-            <pc:docMk/>
-            <pc:sldMk cId="1073505695" sldId="280"/>
-            <ac:spMk id="84" creationId="{00000000-0000-0000-0000-000000000000}"/>
-          </ac:spMkLst>
-        </pc:spChg>
-        <pc:picChg chg="add del mod">
-          <ac:chgData name="Riccardo Berta" userId="c8694f89-bba4-4576-b0a8-456619ca5a8c" providerId="ADAL" clId="{0F224E75-CFB0-994A-998D-4867A3C3D5B8}" dt="2022-12-05T06:52:59.303" v="58" actId="21"/>
-          <ac:picMkLst>
-            <pc:docMk/>
-            <pc:sldMk cId="1073505695" sldId="280"/>
-            <ac:picMk id="3" creationId="{2C376B40-45B7-6F93-FAC1-3992CCC0BDA7}"/>
-          </ac:picMkLst>
-        </pc:picChg>
-      </pc:sldChg>
-      <pc:sldChg chg="modSp mod">
-        <pc:chgData name="Riccardo Berta" userId="c8694f89-bba4-4576-b0a8-456619ca5a8c" providerId="ADAL" clId="{0F224E75-CFB0-994A-998D-4867A3C3D5B8}" dt="2022-11-30T07:11:21.827" v="3" actId="14"/>
-        <pc:sldMkLst>
-          <pc:docMk/>
-          <pc:sldMk cId="4044708769" sldId="298"/>
-        </pc:sldMkLst>
-        <pc:spChg chg="mod">
-          <ac:chgData name="Riccardo Berta" userId="c8694f89-bba4-4576-b0a8-456619ca5a8c" providerId="ADAL" clId="{0F224E75-CFB0-994A-998D-4867A3C3D5B8}" dt="2022-11-30T07:11:21.827" v="3" actId="14"/>
-          <ac:spMkLst>
-            <pc:docMk/>
-            <pc:sldMk cId="4044708769" sldId="298"/>
-            <ac:spMk id="84" creationId="{00000000-0000-0000-0000-000000000000}"/>
-          </ac:spMkLst>
-        </pc:spChg>
-      </pc:sldChg>
-      <pc:sldChg chg="modSp mod">
-        <pc:chgData name="Riccardo Berta" userId="c8694f89-bba4-4576-b0a8-456619ca5a8c" providerId="ADAL" clId="{0F224E75-CFB0-994A-998D-4867A3C3D5B8}" dt="2022-11-30T07:49:17.167" v="6" actId="20577"/>
-        <pc:sldMkLst>
-          <pc:docMk/>
-          <pc:sldMk cId="3972952492" sldId="302"/>
-        </pc:sldMkLst>
-        <pc:spChg chg="mod">
-          <ac:chgData name="Riccardo Berta" userId="c8694f89-bba4-4576-b0a8-456619ca5a8c" providerId="ADAL" clId="{0F224E75-CFB0-994A-998D-4867A3C3D5B8}" dt="2022-11-30T07:49:17.167" v="6" actId="20577"/>
-          <ac:spMkLst>
-            <pc:docMk/>
-            <pc:sldMk cId="3972952492" sldId="302"/>
-            <ac:spMk id="84" creationId="{00000000-0000-0000-0000-000000000000}"/>
-          </ac:spMkLst>
-        </pc:spChg>
-      </pc:sldChg>
-      <pc:sldChg chg="modSp mod">
-        <pc:chgData name="Riccardo Berta" userId="c8694f89-bba4-4576-b0a8-456619ca5a8c" providerId="ADAL" clId="{0F224E75-CFB0-994A-998D-4867A3C3D5B8}" dt="2022-12-05T06:35:31.722" v="37" actId="20577"/>
-        <pc:sldMkLst>
-          <pc:docMk/>
-          <pc:sldMk cId="3441338737" sldId="313"/>
-        </pc:sldMkLst>
-        <pc:spChg chg="mod">
-          <ac:chgData name="Riccardo Berta" userId="c8694f89-bba4-4576-b0a8-456619ca5a8c" providerId="ADAL" clId="{0F224E75-CFB0-994A-998D-4867A3C3D5B8}" dt="2022-12-05T06:35:31.722" v="37" actId="20577"/>
-          <ac:spMkLst>
-            <pc:docMk/>
-            <pc:sldMk cId="3441338737" sldId="313"/>
-            <ac:spMk id="84" creationId="{00000000-0000-0000-0000-000000000000}"/>
-          </ac:spMkLst>
-        </pc:spChg>
-      </pc:sldChg>
-      <pc:sldChg chg="modSp mod">
-        <pc:chgData name="Riccardo Berta" userId="c8694f89-bba4-4576-b0a8-456619ca5a8c" providerId="ADAL" clId="{0F224E75-CFB0-994A-998D-4867A3C3D5B8}" dt="2022-12-05T06:37:43.625" v="54" actId="15"/>
-        <pc:sldMkLst>
-          <pc:docMk/>
-          <pc:sldMk cId="2414582803" sldId="314"/>
-        </pc:sldMkLst>
-        <pc:spChg chg="mod">
-          <ac:chgData name="Riccardo Berta" userId="c8694f89-bba4-4576-b0a8-456619ca5a8c" providerId="ADAL" clId="{0F224E75-CFB0-994A-998D-4867A3C3D5B8}" dt="2022-12-05T06:37:43.625" v="54" actId="15"/>
-          <ac:spMkLst>
-            <pc:docMk/>
-            <pc:sldMk cId="2414582803" sldId="314"/>
-            <ac:spMk id="84" creationId="{00000000-0000-0000-0000-000000000000}"/>
-          </ac:spMkLst>
-        </pc:spChg>
-      </pc:sldChg>
     </pc:docChg>
   </pc:docChgLst>
 </pc:chgInfo>
@@ -5730,7 +5731,7 @@
     </p:spTree>
     <p:extLst>
       <p:ext uri="{BB962C8B-B14F-4D97-AF65-F5344CB8AC3E}">
-        <p14:creationId xmlns:p14="http://schemas.microsoft.com/office/powerpoint/2010/main" val="3879815876"/>
+        <p14:creationId xmlns:p14="http://schemas.microsoft.com/office/powerpoint/2010/main" val="2146454560"/>
       </p:ext>
     </p:extLst>
   </p:cSld>
@@ -5839,6 +5840,115 @@
     </p:spTree>
     <p:extLst>
       <p:ext uri="{BB962C8B-B14F-4D97-AF65-F5344CB8AC3E}">
+        <p14:creationId xmlns:p14="http://schemas.microsoft.com/office/powerpoint/2010/main" val="3879815876"/>
+      </p:ext>
+    </p:extLst>
+  </p:cSld>
+  <p:clrMapOvr>
+    <a:masterClrMapping/>
+  </p:clrMapOvr>
+</p:notes>
+</file>
+
+<file path=ppt/notesSlides/notesSlide12.xml><?xml version="1.0" encoding="utf-8"?>
+<p:notes xmlns:a="http://schemas.openxmlformats.org/drawingml/2006/main" xmlns:r="http://schemas.openxmlformats.org/officeDocument/2006/relationships" xmlns:p="http://schemas.openxmlformats.org/presentationml/2006/main" showMasterSp="0" showMasterPhAnim="0">
+  <p:cSld>
+    <p:spTree>
+      <p:nvGrpSpPr>
+        <p:cNvPr id="1" name="Shape 79"/>
+        <p:cNvGrpSpPr/>
+        <p:nvPr/>
+      </p:nvGrpSpPr>
+      <p:grpSpPr>
+        <a:xfrm>
+          <a:off x="0" y="0"/>
+          <a:ext cx="0" cy="0"/>
+          <a:chOff x="0" y="0"/>
+          <a:chExt cx="0" cy="0"/>
+        </a:xfrm>
+      </p:grpSpPr>
+      <p:sp>
+        <p:nvSpPr>
+          <p:cNvPr id="80" name="Google Shape;80;geed6aedbf_0_0:notes"/>
+          <p:cNvSpPr>
+            <a:spLocks noGrp="1" noRot="1" noChangeAspect="1"/>
+          </p:cNvSpPr>
+          <p:nvPr>
+            <p:ph type="sldImg" idx="2"/>
+          </p:nvPr>
+        </p:nvSpPr>
+        <p:spPr>
+          <a:xfrm>
+            <a:off x="1143000" y="685800"/>
+            <a:ext cx="4572000" cy="3429000"/>
+          </a:xfrm>
+          <a:custGeom>
+            <a:avLst/>
+            <a:gdLst/>
+            <a:ahLst/>
+            <a:cxnLst/>
+            <a:rect l="l" t="t" r="r" b="b"/>
+            <a:pathLst>
+              <a:path w="120000" h="120000" extrusionOk="0">
+                <a:moveTo>
+                  <a:pt x="0" y="0"/>
+                </a:moveTo>
+                <a:lnTo>
+                  <a:pt x="120000" y="0"/>
+                </a:lnTo>
+                <a:lnTo>
+                  <a:pt x="120000" y="120000"/>
+                </a:lnTo>
+                <a:lnTo>
+                  <a:pt x="0" y="120000"/>
+                </a:lnTo>
+                <a:close/>
+              </a:path>
+            </a:pathLst>
+          </a:custGeom>
+        </p:spPr>
+      </p:sp>
+      <p:sp>
+        <p:nvSpPr>
+          <p:cNvPr id="81" name="Google Shape;81;geed6aedbf_0_0:notes"/>
+          <p:cNvSpPr txBox="1">
+            <a:spLocks noGrp="1"/>
+          </p:cNvSpPr>
+          <p:nvPr>
+            <p:ph type="body" idx="1"/>
+          </p:nvPr>
+        </p:nvSpPr>
+        <p:spPr>
+          <a:xfrm>
+            <a:off x="685800" y="4343400"/>
+            <a:ext cx="5486400" cy="4114800"/>
+          </a:xfrm>
+          <a:prstGeom prst="rect">
+            <a:avLst/>
+          </a:prstGeom>
+        </p:spPr>
+        <p:txBody>
+          <a:bodyPr spcFirstLastPara="1" wrap="square" lIns="91425" tIns="91425" rIns="91425" bIns="91425" anchor="t" anchorCtr="0">
+            <a:noAutofit/>
+          </a:bodyPr>
+          <a:lstStyle/>
+          <a:p>
+            <a:pPr marL="0" lvl="0" indent="0" algn="l" rtl="0">
+              <a:spcBef>
+                <a:spcPts val="0"/>
+              </a:spcBef>
+              <a:spcAft>
+                <a:spcPts val="0"/>
+              </a:spcAft>
+              <a:buNone/>
+            </a:pPr>
+            <a:endParaRPr dirty="0"/>
+          </a:p>
+        </p:txBody>
+      </p:sp>
+    </p:spTree>
+    <p:extLst>
+      <p:ext uri="{BB962C8B-B14F-4D97-AF65-F5344CB8AC3E}">
         <p14:creationId xmlns:p14="http://schemas.microsoft.com/office/powerpoint/2010/main" val="610920236"/>
       </p:ext>
     </p:extLst>
@@ -5849,7 +5959,7 @@
 </p:notes>
 </file>
 
-<file path=ppt/notesSlides/notesSlide12.xml><?xml version="1.0" encoding="utf-8"?>
+<file path=ppt/notesSlides/notesSlide13.xml><?xml version="1.0" encoding="utf-8"?>
 <p:notes xmlns:a="http://schemas.openxmlformats.org/drawingml/2006/main" xmlns:r="http://schemas.openxmlformats.org/officeDocument/2006/relationships" xmlns:p="http://schemas.openxmlformats.org/presentationml/2006/main" showMasterSp="0" showMasterPhAnim="0">
   <p:cSld>
     <p:spTree>
@@ -6503,7 +6613,13 @@
   <p:cSld>
     <p:spTree>
       <p:nvGrpSpPr>
-        <p:cNvPr id="1" name="Shape 79"/>
+        <p:cNvPr id="1" name="Shape 79">
+          <a:extLst>
+            <a:ext uri="{FF2B5EF4-FFF2-40B4-BE49-F238E27FC236}">
+              <a16:creationId xmlns:a16="http://schemas.microsoft.com/office/drawing/2014/main" id="{2E81A52E-455B-BDD6-D59C-A120934A19B8}"/>
+            </a:ext>
+          </a:extLst>
+        </p:cNvPr>
         <p:cNvGrpSpPr/>
         <p:nvPr/>
       </p:nvGrpSpPr>
@@ -6517,7 +6633,13 @@
       </p:grpSpPr>
       <p:sp>
         <p:nvSpPr>
-          <p:cNvPr id="80" name="Google Shape;80;geed6aedbf_0_0:notes"/>
+          <p:cNvPr id="80" name="Google Shape;80;geed6aedbf_0_0:notes">
+            <a:extLst>
+              <a:ext uri="{FF2B5EF4-FFF2-40B4-BE49-F238E27FC236}">
+                <a16:creationId xmlns:a16="http://schemas.microsoft.com/office/drawing/2014/main" id="{CC5B3016-FADD-6DDD-0465-8FDD6B6B777D}"/>
+              </a:ext>
+            </a:extLst>
+          </p:cNvPr>
           <p:cNvSpPr>
             <a:spLocks noGrp="1" noRot="1" noChangeAspect="1"/>
           </p:cNvSpPr>
@@ -6558,7 +6680,13 @@
       </p:sp>
       <p:sp>
         <p:nvSpPr>
-          <p:cNvPr id="81" name="Google Shape;81;geed6aedbf_0_0:notes"/>
+          <p:cNvPr id="81" name="Google Shape;81;geed6aedbf_0_0:notes">
+            <a:extLst>
+              <a:ext uri="{FF2B5EF4-FFF2-40B4-BE49-F238E27FC236}">
+                <a16:creationId xmlns:a16="http://schemas.microsoft.com/office/drawing/2014/main" id="{2625BDA7-7E5F-8D65-B5BF-138067E3BE6E}"/>
+              </a:ext>
+            </a:extLst>
+          </p:cNvPr>
           <p:cNvSpPr txBox="1">
             <a:spLocks noGrp="1"/>
           </p:cNvSpPr>
@@ -6597,7 +6725,7 @@
     </p:spTree>
     <p:extLst>
       <p:ext uri="{BB962C8B-B14F-4D97-AF65-F5344CB8AC3E}">
-        <p14:creationId xmlns:p14="http://schemas.microsoft.com/office/powerpoint/2010/main" val="1632779113"/>
+        <p14:creationId xmlns:p14="http://schemas.microsoft.com/office/powerpoint/2010/main" val="2775567852"/>
       </p:ext>
     </p:extLst>
   </p:cSld>
@@ -6706,7 +6834,7 @@
     </p:spTree>
     <p:extLst>
       <p:ext uri="{BB962C8B-B14F-4D97-AF65-F5344CB8AC3E}">
-        <p14:creationId xmlns:p14="http://schemas.microsoft.com/office/powerpoint/2010/main" val="1336256491"/>
+        <p14:creationId xmlns:p14="http://schemas.microsoft.com/office/powerpoint/2010/main" val="1632779113"/>
       </p:ext>
     </p:extLst>
   </p:cSld>
@@ -6815,7 +6943,7 @@
     </p:spTree>
     <p:extLst>
       <p:ext uri="{BB962C8B-B14F-4D97-AF65-F5344CB8AC3E}">
-        <p14:creationId xmlns:p14="http://schemas.microsoft.com/office/powerpoint/2010/main" val="2146454560"/>
+        <p14:creationId xmlns:p14="http://schemas.microsoft.com/office/powerpoint/2010/main" val="1336256491"/>
       </p:ext>
     </p:extLst>
   </p:cSld>
@@ -12060,113 +12188,76 @@
             <a:pPr lvl="0"/>
             <a:r>
               <a:rPr lang="en-GB" sz="4000" dirty="0"/>
-              <a:t>Sampling Comparison (1)</a:t>
+              <a:t>Trajectory sampling (2)</a:t>
             </a:r>
             <a:endParaRPr sz="4000" dirty="0"/>
           </a:p>
         </p:txBody>
       </p:sp>
-      <p:sp>
-        <p:nvSpPr>
-          <p:cNvPr id="84" name="Google Shape;84;p14"/>
-          <p:cNvSpPr txBox="1">
-            <a:spLocks noGrp="1"/>
-          </p:cNvSpPr>
-          <p:nvPr>
-            <p:ph type="body" idx="1"/>
-          </p:nvPr>
-        </p:nvSpPr>
+      <p:pic>
+        <p:nvPicPr>
+          <p:cNvPr id="3" name="Immagine 2">
+            <a:extLst>
+              <a:ext uri="{FF2B5EF4-FFF2-40B4-BE49-F238E27FC236}">
+                <a16:creationId xmlns:a16="http://schemas.microsoft.com/office/drawing/2014/main" id="{BB342FE6-16EB-9B8C-1AA0-BD3B0AB63149}"/>
+              </a:ext>
+            </a:extLst>
+          </p:cNvPr>
+          <p:cNvPicPr>
+            <a:picLocks noChangeAspect="1"/>
+          </p:cNvPicPr>
+          <p:nvPr/>
+        </p:nvPicPr>
+        <p:blipFill>
+          <a:blip r:embed="rId3"/>
+          <a:stretch>
+            <a:fillRect/>
+          </a:stretch>
+        </p:blipFill>
         <p:spPr>
           <a:xfrm>
-            <a:off x="162750" y="1212537"/>
-            <a:ext cx="8818500" cy="5224230"/>
+            <a:off x="360680" y="1066593"/>
+            <a:ext cx="8355218" cy="5393034"/>
           </a:xfrm>
           <a:prstGeom prst="rect">
             <a:avLst/>
           </a:prstGeom>
         </p:spPr>
-        <p:txBody>
-          <a:bodyPr spcFirstLastPara="1" wrap="square" lIns="91425" tIns="91425" rIns="91425" bIns="91425" anchor="t" anchorCtr="0">
-            <a:noAutofit/>
-          </a:bodyPr>
-          <a:lstStyle/>
-          <a:p>
-            <a:pPr lvl="0"/>
-            <a:r>
-              <a:rPr lang="en-GB" dirty="0"/>
-              <a:t>We can compare the differences in sampling the model of </a:t>
-            </a:r>
-            <a:r>
-              <a:rPr lang="en-GB" dirty="0" err="1"/>
-              <a:t>DynaQ</a:t>
-            </a:r>
-            <a:r>
-              <a:rPr lang="en-GB" dirty="0"/>
-              <a:t> and Trajectory sampling</a:t>
-            </a:r>
-          </a:p>
-          <a:p>
-            <a:pPr lvl="1"/>
-            <a:r>
-              <a:rPr lang="en-GB" dirty="0"/>
-              <a:t>plot the states that were sampled by the planning phase of the two algorithms </a:t>
-            </a:r>
-          </a:p>
-          <a:p>
-            <a:pPr lvl="1"/>
-            <a:r>
-              <a:rPr lang="en-GB" dirty="0"/>
-              <a:t>and the actions selected in those states</a:t>
-            </a:r>
-          </a:p>
-          <a:p>
-            <a:endParaRPr lang="en-GB" dirty="0"/>
-          </a:p>
-          <a:p>
-            <a:pPr lvl="0"/>
-            <a:r>
-              <a:rPr lang="en-GB" b="1" dirty="0">
-                <a:highlight>
-                  <a:srgbClr val="FFFF00"/>
-                </a:highlight>
-              </a:rPr>
-              <a:t>See “</a:t>
-            </a:r>
-            <a:r>
-              <a:rPr lang="en-GB" b="1" dirty="0" err="1">
-                <a:highlight>
-                  <a:srgbClr val="FFFF00"/>
-                </a:highlight>
-              </a:rPr>
-              <a:t>notebook.ipynb</a:t>
-            </a:r>
-            <a:r>
-              <a:rPr lang="en-GB" b="1" dirty="0">
-                <a:highlight>
-                  <a:srgbClr val="FFFF00"/>
-                </a:highlight>
-              </a:rPr>
-              <a:t>”</a:t>
-            </a:r>
-          </a:p>
-          <a:p>
-            <a:pPr marL="120650" indent="0">
-              <a:buNone/>
-            </a:pPr>
-            <a:endParaRPr lang="en-GB" dirty="0"/>
-          </a:p>
-          <a:p>
-            <a:endParaRPr lang="en-GB" dirty="0"/>
-          </a:p>
-          <a:p>
-            <a:endParaRPr lang="en-GB" dirty="0"/>
-          </a:p>
-        </p:txBody>
-      </p:sp>
+      </p:pic>
+      <p:pic>
+        <p:nvPicPr>
+          <p:cNvPr id="4" name="Immagine 3" descr="Immagine che contiene Carattere, Elementi grafici, logo, cerchio&#10;&#10;Descrizione generata automaticamente">
+            <a:extLst>
+              <a:ext uri="{FF2B5EF4-FFF2-40B4-BE49-F238E27FC236}">
+                <a16:creationId xmlns:a16="http://schemas.microsoft.com/office/drawing/2014/main" id="{9E572CD7-2CA1-659F-4C08-F8530AF17FE5}"/>
+              </a:ext>
+            </a:extLst>
+          </p:cNvPr>
+          <p:cNvPicPr>
+            <a:picLocks noChangeAspect="1"/>
+          </p:cNvPicPr>
+          <p:nvPr/>
+        </p:nvPicPr>
+        <p:blipFill>
+          <a:blip r:embed="rId4"/>
+          <a:stretch>
+            <a:fillRect/>
+          </a:stretch>
+        </p:blipFill>
+        <p:spPr>
+          <a:xfrm>
+            <a:off x="8676502" y="30906"/>
+            <a:ext cx="407258" cy="495579"/>
+          </a:xfrm>
+          <a:prstGeom prst="rect">
+            <a:avLst/>
+          </a:prstGeom>
+        </p:spPr>
+      </p:pic>
     </p:spTree>
     <p:extLst>
       <p:ext uri="{BB962C8B-B14F-4D97-AF65-F5344CB8AC3E}">
-        <p14:creationId xmlns:p14="http://schemas.microsoft.com/office/powerpoint/2010/main" val="100052782"/>
+        <p14:creationId xmlns:p14="http://schemas.microsoft.com/office/powerpoint/2010/main" val="2449509474"/>
       </p:ext>
     </p:extLst>
   </p:cSld>
@@ -12221,7 +12312,7 @@
             <a:pPr lvl="0"/>
             <a:r>
               <a:rPr lang="en-GB" sz="4000" dirty="0"/>
-              <a:t>Sampling Comparison (2)</a:t>
+              <a:t>Sampling Comparison (1)</a:t>
             </a:r>
             <a:endParaRPr sz="4000" dirty="0"/>
           </a:p>
@@ -12253,59 +12344,78 @@
           <a:lstStyle/>
           <a:p>
             <a:pPr lvl="0"/>
+            <a:r>
+              <a:rPr lang="en-GB" b="1" dirty="0"/>
+              <a:t>Dyan-Q</a:t>
+            </a:r>
+          </a:p>
+          <a:p>
+            <a:pPr lvl="1"/>
+            <a:r>
+              <a:rPr lang="en-GB" dirty="0"/>
+              <a:t>the uniform sampling </a:t>
+            </a:r>
+            <a:r>
+              <a:rPr lang="en-GB" b="1" dirty="0"/>
+              <a:t>encourages more exploration</a:t>
+            </a:r>
+            <a:r>
+              <a:rPr lang="en-GB" dirty="0"/>
+              <a:t>, potentially leading to the discovery of novel strategies or shortcuts </a:t>
+            </a:r>
+          </a:p>
+          <a:p>
+            <a:pPr lvl="1"/>
+            <a:r>
+              <a:rPr lang="en-GB" dirty="0"/>
+              <a:t>however, this can also make it </a:t>
+            </a:r>
+            <a:r>
+              <a:rPr lang="en-GB" b="1" dirty="0"/>
+              <a:t>less efficient in exploiting already known rewarding paths</a:t>
+            </a:r>
+            <a:r>
+              <a:rPr lang="en-GB" dirty="0"/>
+              <a:t>. </a:t>
+            </a:r>
+          </a:p>
+          <a:p>
+            <a:pPr lvl="0"/>
+            <a:r>
+              <a:rPr lang="en-GB" b="1" dirty="0"/>
+              <a:t>Trajectory Sampling</a:t>
+            </a:r>
             <a:endParaRPr lang="en-GB" dirty="0"/>
           </a:p>
           <a:p>
-            <a:pPr lvl="0"/>
-            <a:endParaRPr lang="en-GB" dirty="0"/>
-          </a:p>
-          <a:p>
-            <a:pPr lvl="0"/>
-            <a:endParaRPr lang="en-GB" dirty="0"/>
-          </a:p>
-          <a:p>
-            <a:pPr lvl="0"/>
-            <a:endParaRPr lang="en-GB" dirty="0"/>
-          </a:p>
-          <a:p>
-            <a:pPr lvl="0"/>
-            <a:endParaRPr lang="en-GB" dirty="0"/>
-          </a:p>
-          <a:p>
-            <a:pPr lvl="0"/>
-            <a:endParaRPr lang="en-GB" dirty="0"/>
-          </a:p>
-          <a:p>
-            <a:pPr lvl="0"/>
-            <a:endParaRPr lang="en-GB" dirty="0"/>
-          </a:p>
-          <a:p>
-            <a:pPr lvl="0"/>
-            <a:endParaRPr lang="en-GB" dirty="0"/>
-          </a:p>
-          <a:p>
-            <a:pPr lvl="0"/>
-            <a:endParaRPr lang="en-GB" dirty="0"/>
-          </a:p>
-          <a:p>
-            <a:pPr lvl="0"/>
-            <a:endParaRPr lang="en-GB" dirty="0"/>
-          </a:p>
-          <a:p>
-            <a:pPr lvl="0"/>
-            <a:endParaRPr lang="en-GB" dirty="0"/>
-          </a:p>
-          <a:p>
-            <a:pPr lvl="0"/>
-            <a:endParaRPr lang="en-GB" dirty="0"/>
-          </a:p>
-          <a:p>
-            <a:pPr lvl="0"/>
-            <a:endParaRPr lang="en-GB" dirty="0"/>
-          </a:p>
-          <a:p>
-            <a:pPr lvl="0"/>
-            <a:endParaRPr lang="en-GB" dirty="0"/>
+            <a:pPr lvl="1"/>
+            <a:r>
+              <a:rPr lang="en-GB" dirty="0"/>
+              <a:t>the focus on the current policy, prioritizes exploitation, can lead to </a:t>
+            </a:r>
+            <a:r>
+              <a:rPr lang="en-GB" b="1" dirty="0"/>
+              <a:t>faster convergence</a:t>
+            </a:r>
+            <a:r>
+              <a:rPr lang="en-GB" dirty="0"/>
+              <a:t> to a good (though not necessarily optimal) policy.</a:t>
+            </a:r>
+          </a:p>
+          <a:p>
+            <a:pPr lvl="1"/>
+            <a:r>
+              <a:rPr lang="en-GB" dirty="0"/>
+              <a:t>the focused on frequently encountered states, is </a:t>
+            </a:r>
+            <a:r>
+              <a:rPr lang="en-GB" b="1" dirty="0"/>
+              <a:t>less likely to be affected by inaccuracies</a:t>
+            </a:r>
+            <a:r>
+              <a:rPr lang="en-GB" dirty="0"/>
+              <a:t> in less visited parts of the model </a:t>
+            </a:r>
           </a:p>
           <a:p>
             <a:pPr lvl="0"/>
@@ -12315,45 +12425,49 @@
             <a:pPr lvl="0"/>
             <a:r>
               <a:rPr lang="en-GB" dirty="0"/>
-              <a:t>Dyna-Q samples uniformly at random states and actions taken</a:t>
+              <a:t>We can compare the differences in sampling the model of </a:t>
             </a:r>
+            <a:r>
+              <a:rPr lang="en-GB" dirty="0" err="1"/>
+              <a:t>DynaQ</a:t>
+            </a:r>
+            <a:r>
+              <a:rPr lang="en-GB" dirty="0"/>
+              <a:t> and Trajectory sampling:</a:t>
+            </a:r>
+          </a:p>
+          <a:p>
+            <a:pPr lvl="1"/>
+            <a:r>
+              <a:rPr lang="en-GB" dirty="0"/>
+              <a:t>plot the states that were sampled by the planning phase of the two algorithms </a:t>
+            </a:r>
+          </a:p>
+          <a:p>
+            <a:pPr lvl="1"/>
+            <a:r>
+              <a:rPr lang="en-GB" dirty="0"/>
+              <a:t>and the actions selected in those states</a:t>
+            </a:r>
+          </a:p>
+          <a:p>
+            <a:pPr marL="120650" indent="0">
+              <a:buNone/>
+            </a:pPr>
+            <a:endParaRPr lang="en-GB" dirty="0"/>
+          </a:p>
+          <a:p>
+            <a:endParaRPr lang="en-GB" dirty="0"/>
+          </a:p>
+          <a:p>
+            <a:endParaRPr lang="en-GB" dirty="0"/>
           </a:p>
         </p:txBody>
       </p:sp>
-      <p:pic>
-        <p:nvPicPr>
-          <p:cNvPr id="6" name="Immagine 5">
-            <a:extLst>
-              <a:ext uri="{FF2B5EF4-FFF2-40B4-BE49-F238E27FC236}">
-                <a16:creationId xmlns:a16="http://schemas.microsoft.com/office/drawing/2014/main" id="{65AF9C4A-F188-66B6-407D-F7F6CC86AA32}"/>
-              </a:ext>
-            </a:extLst>
-          </p:cNvPr>
-          <p:cNvPicPr>
-            <a:picLocks noChangeAspect="1"/>
-          </p:cNvPicPr>
-          <p:nvPr/>
-        </p:nvPicPr>
-        <p:blipFill>
-          <a:blip r:embed="rId3"/>
-          <a:stretch>
-            <a:fillRect/>
-          </a:stretch>
-        </p:blipFill>
-        <p:spPr>
-          <a:xfrm>
-            <a:off x="162750" y="1238348"/>
-            <a:ext cx="8016093" cy="4407115"/>
-          </a:xfrm>
-          <a:prstGeom prst="rect">
-            <a:avLst/>
-          </a:prstGeom>
-        </p:spPr>
-      </p:pic>
     </p:spTree>
     <p:extLst>
       <p:ext uri="{BB962C8B-B14F-4D97-AF65-F5344CB8AC3E}">
-        <p14:creationId xmlns:p14="http://schemas.microsoft.com/office/powerpoint/2010/main" val="3320434858"/>
+        <p14:creationId xmlns:p14="http://schemas.microsoft.com/office/powerpoint/2010/main" val="100052782"/>
       </p:ext>
     </p:extLst>
   </p:cSld>
@@ -12408,7 +12522,7 @@
             <a:pPr lvl="0"/>
             <a:r>
               <a:rPr lang="en-GB" sz="4000" dirty="0"/>
-              <a:t>Sampling Comparison (3)</a:t>
+              <a:t>Sampling Comparison (2)</a:t>
             </a:r>
             <a:endParaRPr sz="4000" dirty="0"/>
           </a:p>
@@ -12496,6 +12610,223 @@
           </a:p>
           <a:p>
             <a:pPr lvl="0"/>
+            <a:endParaRPr lang="en-GB" dirty="0"/>
+          </a:p>
+          <a:p>
+            <a:pPr lvl="0"/>
+            <a:r>
+              <a:rPr lang="en-GB" dirty="0"/>
+              <a:t>Dyna-Q samples uniformly at random states and actions taken</a:t>
+            </a:r>
+          </a:p>
+        </p:txBody>
+      </p:sp>
+      <p:pic>
+        <p:nvPicPr>
+          <p:cNvPr id="6" name="Immagine 5">
+            <a:extLst>
+              <a:ext uri="{FF2B5EF4-FFF2-40B4-BE49-F238E27FC236}">
+                <a16:creationId xmlns:a16="http://schemas.microsoft.com/office/drawing/2014/main" id="{65AF9C4A-F188-66B6-407D-F7F6CC86AA32}"/>
+              </a:ext>
+            </a:extLst>
+          </p:cNvPr>
+          <p:cNvPicPr>
+            <a:picLocks noChangeAspect="1"/>
+          </p:cNvPicPr>
+          <p:nvPr/>
+        </p:nvPicPr>
+        <p:blipFill>
+          <a:blip r:embed="rId3"/>
+          <a:stretch>
+            <a:fillRect/>
+          </a:stretch>
+        </p:blipFill>
+        <p:spPr>
+          <a:xfrm>
+            <a:off x="162750" y="1238348"/>
+            <a:ext cx="8016093" cy="4407115"/>
+          </a:xfrm>
+          <a:prstGeom prst="rect">
+            <a:avLst/>
+          </a:prstGeom>
+        </p:spPr>
+      </p:pic>
+      <p:pic>
+        <p:nvPicPr>
+          <p:cNvPr id="2" name="Immagine 1" descr="Immagine che contiene Carattere, Elementi grafici, logo, cerchio&#10;&#10;Descrizione generata automaticamente">
+            <a:extLst>
+              <a:ext uri="{FF2B5EF4-FFF2-40B4-BE49-F238E27FC236}">
+                <a16:creationId xmlns:a16="http://schemas.microsoft.com/office/drawing/2014/main" id="{07CE2F2D-9C52-2555-3B0F-F0CCA1199617}"/>
+              </a:ext>
+            </a:extLst>
+          </p:cNvPr>
+          <p:cNvPicPr>
+            <a:picLocks noChangeAspect="1"/>
+          </p:cNvPicPr>
+          <p:nvPr/>
+        </p:nvPicPr>
+        <p:blipFill>
+          <a:blip r:embed="rId4"/>
+          <a:stretch>
+            <a:fillRect/>
+          </a:stretch>
+        </p:blipFill>
+        <p:spPr>
+          <a:xfrm>
+            <a:off x="8676502" y="76626"/>
+            <a:ext cx="407258" cy="495579"/>
+          </a:xfrm>
+          <a:prstGeom prst="rect">
+            <a:avLst/>
+          </a:prstGeom>
+        </p:spPr>
+      </p:pic>
+    </p:spTree>
+    <p:extLst>
+      <p:ext uri="{BB962C8B-B14F-4D97-AF65-F5344CB8AC3E}">
+        <p14:creationId xmlns:p14="http://schemas.microsoft.com/office/powerpoint/2010/main" val="3320434858"/>
+      </p:ext>
+    </p:extLst>
+  </p:cSld>
+  <p:clrMapOvr>
+    <a:masterClrMapping/>
+  </p:clrMapOvr>
+</p:sld>
+</file>
+
+<file path=ppt/slides/slide13.xml><?xml version="1.0" encoding="utf-8"?>
+<p:sld xmlns:a="http://schemas.openxmlformats.org/drawingml/2006/main" xmlns:r="http://schemas.openxmlformats.org/officeDocument/2006/relationships" xmlns:p="http://schemas.openxmlformats.org/presentationml/2006/main">
+  <p:cSld>
+    <p:spTree>
+      <p:nvGrpSpPr>
+        <p:cNvPr id="1" name="Shape 82"/>
+        <p:cNvGrpSpPr/>
+        <p:nvPr/>
+      </p:nvGrpSpPr>
+      <p:grpSpPr>
+        <a:xfrm>
+          <a:off x="0" y="0"/>
+          <a:ext cx="0" cy="0"/>
+          <a:chOff x="0" y="0"/>
+          <a:chExt cx="0" cy="0"/>
+        </a:xfrm>
+      </p:grpSpPr>
+      <p:sp>
+        <p:nvSpPr>
+          <p:cNvPr id="83" name="Google Shape;83;p14"/>
+          <p:cNvSpPr txBox="1">
+            <a:spLocks noGrp="1"/>
+          </p:cNvSpPr>
+          <p:nvPr>
+            <p:ph type="title" idx="4294967295"/>
+          </p:nvPr>
+        </p:nvSpPr>
+        <p:spPr>
+          <a:xfrm>
+            <a:off x="311700" y="421233"/>
+            <a:ext cx="8520600" cy="622500"/>
+          </a:xfrm>
+          <a:prstGeom prst="rect">
+            <a:avLst/>
+          </a:prstGeom>
+        </p:spPr>
+        <p:txBody>
+          <a:bodyPr spcFirstLastPara="1" wrap="square" lIns="91425" tIns="91425" rIns="91425" bIns="91425" anchor="b" anchorCtr="0">
+            <a:noAutofit/>
+          </a:bodyPr>
+          <a:lstStyle/>
+          <a:p>
+            <a:pPr lvl="0"/>
+            <a:r>
+              <a:rPr lang="en-GB" sz="4000" dirty="0"/>
+              <a:t>Sampling Comparison (3)</a:t>
+            </a:r>
+            <a:endParaRPr sz="4000" dirty="0"/>
+          </a:p>
+        </p:txBody>
+      </p:sp>
+      <p:sp>
+        <p:nvSpPr>
+          <p:cNvPr id="84" name="Google Shape;84;p14"/>
+          <p:cNvSpPr txBox="1">
+            <a:spLocks noGrp="1"/>
+          </p:cNvSpPr>
+          <p:nvPr>
+            <p:ph type="body" idx="1"/>
+          </p:nvPr>
+        </p:nvSpPr>
+        <p:spPr>
+          <a:xfrm>
+            <a:off x="162750" y="1212537"/>
+            <a:ext cx="8818500" cy="5224230"/>
+          </a:xfrm>
+          <a:prstGeom prst="rect">
+            <a:avLst/>
+          </a:prstGeom>
+        </p:spPr>
+        <p:txBody>
+          <a:bodyPr spcFirstLastPara="1" wrap="square" lIns="91425" tIns="91425" rIns="91425" bIns="91425" anchor="t" anchorCtr="0">
+            <a:noAutofit/>
+          </a:bodyPr>
+          <a:lstStyle/>
+          <a:p>
+            <a:pPr lvl="0"/>
+            <a:endParaRPr lang="en-GB" dirty="0"/>
+          </a:p>
+          <a:p>
+            <a:pPr lvl="0"/>
+            <a:endParaRPr lang="en-GB" dirty="0"/>
+          </a:p>
+          <a:p>
+            <a:pPr lvl="0"/>
+            <a:endParaRPr lang="en-GB" dirty="0"/>
+          </a:p>
+          <a:p>
+            <a:pPr lvl="0"/>
+            <a:endParaRPr lang="en-GB" dirty="0"/>
+          </a:p>
+          <a:p>
+            <a:pPr lvl="0"/>
+            <a:endParaRPr lang="en-GB" dirty="0"/>
+          </a:p>
+          <a:p>
+            <a:pPr lvl="0"/>
+            <a:endParaRPr lang="en-GB" dirty="0"/>
+          </a:p>
+          <a:p>
+            <a:pPr lvl="0"/>
+            <a:endParaRPr lang="en-GB" dirty="0"/>
+          </a:p>
+          <a:p>
+            <a:pPr lvl="0"/>
+            <a:endParaRPr lang="en-GB" dirty="0"/>
+          </a:p>
+          <a:p>
+            <a:pPr lvl="0"/>
+            <a:endParaRPr lang="en-GB" dirty="0"/>
+          </a:p>
+          <a:p>
+            <a:pPr lvl="0"/>
+            <a:endParaRPr lang="en-GB" dirty="0"/>
+          </a:p>
+          <a:p>
+            <a:pPr lvl="0"/>
+            <a:endParaRPr lang="en-GB" dirty="0"/>
+          </a:p>
+          <a:p>
+            <a:pPr lvl="0"/>
+            <a:endParaRPr lang="en-GB" dirty="0"/>
+          </a:p>
+          <a:p>
+            <a:pPr lvl="0"/>
+            <a:endParaRPr lang="en-GB" dirty="0"/>
+          </a:p>
+          <a:p>
+            <a:pPr lvl="0"/>
+            <a:endParaRPr lang="en-GB" dirty="0"/>
+          </a:p>
+          <a:p>
+            <a:pPr lvl="0"/>
             <a:r>
               <a:rPr lang="en-GB" dirty="0"/>
               <a:t>Trajectory sampling  samples the model to improve greedy action selection</a:t>
@@ -12541,6 +12872,36 @@
           <a:xfrm>
             <a:off x="311700" y="1043733"/>
             <a:ext cx="8129280" cy="4400465"/>
+          </a:xfrm>
+          <a:prstGeom prst="rect">
+            <a:avLst/>
+          </a:prstGeom>
+        </p:spPr>
+      </p:pic>
+      <p:pic>
+        <p:nvPicPr>
+          <p:cNvPr id="3" name="Immagine 2" descr="Immagine che contiene Carattere, Elementi grafici, logo, cerchio&#10;&#10;Descrizione generata automaticamente">
+            <a:extLst>
+              <a:ext uri="{FF2B5EF4-FFF2-40B4-BE49-F238E27FC236}">
+                <a16:creationId xmlns:a16="http://schemas.microsoft.com/office/drawing/2014/main" id="{CB4188D6-1FEC-72CF-4326-A40A609577FC}"/>
+              </a:ext>
+            </a:extLst>
+          </p:cNvPr>
+          <p:cNvPicPr>
+            <a:picLocks noChangeAspect="1"/>
+          </p:cNvPicPr>
+          <p:nvPr/>
+        </p:nvPicPr>
+        <p:blipFill>
+          <a:blip r:embed="rId4"/>
+          <a:stretch>
+            <a:fillRect/>
+          </a:stretch>
+        </p:blipFill>
+        <p:spPr>
+          <a:xfrm>
+            <a:off x="8676502" y="76626"/>
+            <a:ext cx="407258" cy="495579"/>
           </a:xfrm>
           <a:prstGeom prst="rect">
             <a:avLst/>
@@ -13246,36 +13607,16 @@
           </a:p>
           <a:p>
             <a:pPr lvl="0"/>
-            <a:r>
-              <a:rPr lang="en-GB" b="1" dirty="0">
-                <a:highlight>
-                  <a:srgbClr val="FFFF00"/>
-                </a:highlight>
-              </a:rPr>
-              <a:t>See “</a:t>
-            </a:r>
-            <a:r>
-              <a:rPr lang="en-GB" b="1" dirty="0" err="1">
-                <a:highlight>
-                  <a:srgbClr val="FFFF00"/>
-                </a:highlight>
-              </a:rPr>
-              <a:t>notebook.ipynb</a:t>
-            </a:r>
-            <a:r>
-              <a:rPr lang="en-GB" b="1" dirty="0">
-                <a:highlight>
-                  <a:srgbClr val="FFFF00"/>
-                </a:highlight>
-              </a:rPr>
-              <a:t>”</a:t>
-            </a:r>
-          </a:p>
-          <a:p>
-            <a:pPr lvl="1"/>
+            <a:endParaRPr lang="en-GB" b="1" dirty="0">
+              <a:highlight>
+                <a:srgbClr val="FFFF00"/>
+              </a:highlight>
+            </a:endParaRPr>
+          </a:p>
+          <a:p>
             <a:r>
               <a:rPr lang="en-GB" dirty="0"/>
-              <a:t>We use again the </a:t>
+              <a:t>We can use again the </a:t>
             </a:r>
             <a:r>
               <a:rPr lang="en-GB" b="1" dirty="0"/>
@@ -13294,10 +13635,10 @@
       </p:sp>
       <p:pic>
         <p:nvPicPr>
-          <p:cNvPr id="2" name="Immagine 1">
+          <p:cNvPr id="4" name="Immagine 3">
             <a:extLst>
               <a:ext uri="{FF2B5EF4-FFF2-40B4-BE49-F238E27FC236}">
-                <a16:creationId xmlns:a16="http://schemas.microsoft.com/office/drawing/2014/main" id="{DAA37F96-4958-7962-A4A8-353909A91625}"/>
+                <a16:creationId xmlns:a16="http://schemas.microsoft.com/office/drawing/2014/main" id="{2575D674-DD45-81D5-05C6-B51EB9C16EA6}"/>
               </a:ext>
             </a:extLst>
           </p:cNvPr>
@@ -13314,8 +13655,8 @@
         </p:blipFill>
         <p:spPr>
           <a:xfrm>
-            <a:off x="162750" y="1667697"/>
-            <a:ext cx="8818500" cy="3522606"/>
+            <a:off x="162750" y="1845310"/>
+            <a:ext cx="8659350" cy="2783840"/>
           </a:xfrm>
           <a:prstGeom prst="rect">
             <a:avLst/>
@@ -13388,10 +13729,10 @@
       </p:sp>
       <p:pic>
         <p:nvPicPr>
-          <p:cNvPr id="5" name="Immagine 4">
+          <p:cNvPr id="2" name="Immagine 1" descr="Immagine che contiene Carattere, Elementi grafici, logo, cerchio&#10;&#10;Descrizione generata automaticamente">
             <a:extLst>
               <a:ext uri="{FF2B5EF4-FFF2-40B4-BE49-F238E27FC236}">
-                <a16:creationId xmlns:a16="http://schemas.microsoft.com/office/drawing/2014/main" id="{3E9A9C40-17CD-723D-B238-471ADAF19D33}"/>
+                <a16:creationId xmlns:a16="http://schemas.microsoft.com/office/drawing/2014/main" id="{E9D0082C-6D40-F11B-AB8A-02C671D32A11}"/>
               </a:ext>
             </a:extLst>
           </p:cNvPr>
@@ -13408,8 +13749,38 @@
         </p:blipFill>
         <p:spPr>
           <a:xfrm>
-            <a:off x="206535" y="1161719"/>
-            <a:ext cx="8730930" cy="5135841"/>
+            <a:off x="8661328" y="65196"/>
+            <a:ext cx="407258" cy="495579"/>
+          </a:xfrm>
+          <a:prstGeom prst="rect">
+            <a:avLst/>
+          </a:prstGeom>
+        </p:spPr>
+      </p:pic>
+      <p:pic>
+        <p:nvPicPr>
+          <p:cNvPr id="4" name="Immagine 3" descr="Immagine che contiene testo, Diagramma, linea, schermata&#10;&#10;Descrizione generata automaticamente">
+            <a:extLst>
+              <a:ext uri="{FF2B5EF4-FFF2-40B4-BE49-F238E27FC236}">
+                <a16:creationId xmlns:a16="http://schemas.microsoft.com/office/drawing/2014/main" id="{C09651C3-CF73-A1CA-62BE-932846651FEB}"/>
+              </a:ext>
+            </a:extLst>
+          </p:cNvPr>
+          <p:cNvPicPr>
+            <a:picLocks noChangeAspect="1"/>
+          </p:cNvPicPr>
+          <p:nvPr/>
+        </p:nvPicPr>
+        <p:blipFill>
+          <a:blip r:embed="rId4"/>
+          <a:stretch>
+            <a:fillRect/>
+          </a:stretch>
+        </p:blipFill>
+        <p:spPr>
+          <a:xfrm>
+            <a:off x="396239" y="1049118"/>
+            <a:ext cx="8469543" cy="5385971"/>
           </a:xfrm>
           <a:prstGeom prst="rect">
             <a:avLst/>
@@ -13430,6 +13801,211 @@
 </file>
 
 <file path=ppt/slides/slide7.xml><?xml version="1.0" encoding="utf-8"?>
+<p:sld xmlns:a="http://schemas.openxmlformats.org/drawingml/2006/main" xmlns:r="http://schemas.openxmlformats.org/officeDocument/2006/relationships" xmlns:p="http://schemas.openxmlformats.org/presentationml/2006/main">
+  <p:cSld>
+    <p:spTree>
+      <p:nvGrpSpPr>
+        <p:cNvPr id="1" name="Shape 82">
+          <a:extLst>
+            <a:ext uri="{FF2B5EF4-FFF2-40B4-BE49-F238E27FC236}">
+              <a16:creationId xmlns:a16="http://schemas.microsoft.com/office/drawing/2014/main" id="{D3746031-52FD-2E0C-4B16-AEA07866998C}"/>
+            </a:ext>
+          </a:extLst>
+        </p:cNvPr>
+        <p:cNvGrpSpPr/>
+        <p:nvPr/>
+      </p:nvGrpSpPr>
+      <p:grpSpPr>
+        <a:xfrm>
+          <a:off x="0" y="0"/>
+          <a:ext cx="0" cy="0"/>
+          <a:chOff x="0" y="0"/>
+          <a:chExt cx="0" cy="0"/>
+        </a:xfrm>
+      </p:grpSpPr>
+      <p:sp>
+        <p:nvSpPr>
+          <p:cNvPr id="83" name="Google Shape;83;p14">
+            <a:extLst>
+              <a:ext uri="{FF2B5EF4-FFF2-40B4-BE49-F238E27FC236}">
+                <a16:creationId xmlns:a16="http://schemas.microsoft.com/office/drawing/2014/main" id="{AED4FE37-7E68-14C4-35EF-41087EDDA704}"/>
+              </a:ext>
+            </a:extLst>
+          </p:cNvPr>
+          <p:cNvSpPr txBox="1">
+            <a:spLocks noGrp="1"/>
+          </p:cNvSpPr>
+          <p:nvPr>
+            <p:ph type="title" idx="4294967295"/>
+          </p:nvPr>
+        </p:nvSpPr>
+        <p:spPr>
+          <a:xfrm>
+            <a:off x="311700" y="421233"/>
+            <a:ext cx="8520600" cy="622500"/>
+          </a:xfrm>
+          <a:prstGeom prst="rect">
+            <a:avLst/>
+          </a:prstGeom>
+        </p:spPr>
+        <p:txBody>
+          <a:bodyPr spcFirstLastPara="1" wrap="square" lIns="91425" tIns="91425" rIns="91425" bIns="91425" anchor="b" anchorCtr="0">
+            <a:noAutofit/>
+          </a:bodyPr>
+          <a:lstStyle/>
+          <a:p>
+            <a:pPr lvl="0"/>
+            <a:r>
+              <a:rPr lang="en-GB" sz="4000" dirty="0"/>
+              <a:t>Dyna-Q (4)</a:t>
+            </a:r>
+            <a:endParaRPr sz="4000" dirty="0"/>
+          </a:p>
+        </p:txBody>
+      </p:sp>
+      <p:sp>
+        <p:nvSpPr>
+          <p:cNvPr id="84" name="Google Shape;84;p14">
+            <a:extLst>
+              <a:ext uri="{FF2B5EF4-FFF2-40B4-BE49-F238E27FC236}">
+                <a16:creationId xmlns:a16="http://schemas.microsoft.com/office/drawing/2014/main" id="{45BF1772-47E3-12CC-B5AF-7779E8632E79}"/>
+              </a:ext>
+            </a:extLst>
+          </p:cNvPr>
+          <p:cNvSpPr txBox="1">
+            <a:spLocks noGrp="1"/>
+          </p:cNvSpPr>
+          <p:nvPr>
+            <p:ph type="body" idx="1"/>
+          </p:nvPr>
+        </p:nvSpPr>
+        <p:spPr>
+          <a:xfrm>
+            <a:off x="162750" y="1128141"/>
+            <a:ext cx="8818500" cy="5224230"/>
+          </a:xfrm>
+          <a:prstGeom prst="rect">
+            <a:avLst/>
+          </a:prstGeom>
+        </p:spPr>
+        <p:txBody>
+          <a:bodyPr spcFirstLastPara="1" wrap="square" lIns="91425" tIns="91425" rIns="91425" bIns="91425" anchor="t" anchorCtr="0">
+            <a:noAutofit/>
+          </a:bodyPr>
+          <a:lstStyle/>
+          <a:p>
+            <a:r>
+              <a:rPr lang="en-GB" dirty="0"/>
+              <a:t>Dyna-Q can learn </a:t>
+            </a:r>
+            <a:r>
+              <a:rPr lang="en-GB" b="1" dirty="0"/>
+              <a:t>faster</a:t>
+            </a:r>
+            <a:r>
+              <a:rPr lang="en-GB" dirty="0"/>
+              <a:t> than model-free methods</a:t>
+            </a:r>
+          </a:p>
+          <a:p>
+            <a:pPr lvl="1"/>
+            <a:r>
+              <a:rPr lang="en-GB" dirty="0"/>
+              <a:t>it can learn from both real and simulated experiences</a:t>
+            </a:r>
+          </a:p>
+          <a:p>
+            <a:r>
+              <a:rPr lang="en-GB" dirty="0"/>
+              <a:t>Important in applications where interacting with the environment is </a:t>
+            </a:r>
+            <a:r>
+              <a:rPr lang="en-GB" b="1" dirty="0"/>
+              <a:t>expensive</a:t>
+            </a:r>
+            <a:r>
+              <a:rPr lang="en-GB" dirty="0"/>
+              <a:t> or </a:t>
+            </a:r>
+            <a:r>
+              <a:rPr lang="en-GB" b="1" dirty="0"/>
+              <a:t>time-consuming</a:t>
+            </a:r>
+          </a:p>
+          <a:p>
+            <a:pPr lvl="1"/>
+            <a:r>
+              <a:rPr lang="en-GB" dirty="0"/>
+              <a:t>e.g. robotics</a:t>
+            </a:r>
+          </a:p>
+          <a:p>
+            <a:r>
+              <a:rPr lang="en-GB" dirty="0"/>
+              <a:t>Performance is dependent on the </a:t>
+            </a:r>
+            <a:r>
+              <a:rPr lang="en-GB" b="1" dirty="0"/>
+              <a:t>accuracy</a:t>
+            </a:r>
+            <a:r>
+              <a:rPr lang="en-GB" dirty="0"/>
+              <a:t> of its learned model</a:t>
+            </a:r>
+          </a:p>
+          <a:p>
+            <a:pPr lvl="1"/>
+            <a:r>
+              <a:rPr lang="en-GB" dirty="0"/>
+              <a:t>if the model is inaccurate, the agent may make poor decisions</a:t>
+            </a:r>
+          </a:p>
+          <a:p>
+            <a:pPr lvl="1"/>
+            <a:r>
+              <a:rPr lang="en-GB" dirty="0"/>
+              <a:t>problematic in </a:t>
+            </a:r>
+            <a:r>
+              <a:rPr lang="en-GB" b="1" dirty="0"/>
+              <a:t>changing environments</a:t>
+            </a:r>
+            <a:r>
+              <a:rPr lang="en-GB" dirty="0"/>
+              <a:t>, where the model needs to be constantly updated. Moreover, planning can be computationally expensive</a:t>
+            </a:r>
+          </a:p>
+          <a:p>
+            <a:pPr lvl="1"/>
+            <a:endParaRPr lang="en-GB" dirty="0"/>
+          </a:p>
+          <a:p>
+            <a:r>
+              <a:rPr lang="en-GB" dirty="0"/>
+              <a:t>We can check the model learned by </a:t>
+            </a:r>
+            <a:r>
+              <a:rPr lang="en-GB" dirty="0" err="1"/>
+              <a:t>DynaQ</a:t>
+            </a:r>
+            <a:endParaRPr lang="en-GB" dirty="0"/>
+          </a:p>
+        </p:txBody>
+      </p:sp>
+    </p:spTree>
+    <p:extLst>
+      <p:ext uri="{BB962C8B-B14F-4D97-AF65-F5344CB8AC3E}">
+        <p14:creationId xmlns:p14="http://schemas.microsoft.com/office/powerpoint/2010/main" val="1284730750"/>
+      </p:ext>
+    </p:extLst>
+  </p:cSld>
+  <p:clrMapOvr>
+    <a:masterClrMapping/>
+  </p:clrMapOvr>
+</p:sld>
+</file>
+
+<file path=ppt/slides/slide8.xml><?xml version="1.0" encoding="utf-8"?>
 <p:sld xmlns:a="http://schemas.openxmlformats.org/drawingml/2006/main" xmlns:r="http://schemas.openxmlformats.org/officeDocument/2006/relationships" xmlns:p="http://schemas.openxmlformats.org/presentationml/2006/main">
   <p:cSld>
     <p:spTree>
@@ -13874,261 +14450,40 @@
           </p:spPr>
         </p:pic>
       </p:grpSp>
-    </p:spTree>
-    <p:extLst>
-      <p:ext uri="{BB962C8B-B14F-4D97-AF65-F5344CB8AC3E}">
-        <p14:creationId xmlns:p14="http://schemas.microsoft.com/office/powerpoint/2010/main" val="2610884299"/>
-      </p:ext>
-    </p:extLst>
-  </p:cSld>
-  <p:clrMapOvr>
-    <a:masterClrMapping/>
-  </p:clrMapOvr>
-</p:sld>
-</file>
-
-<file path=ppt/slides/slide8.xml><?xml version="1.0" encoding="utf-8"?>
-<p:sld xmlns:a="http://schemas.openxmlformats.org/drawingml/2006/main" xmlns:r="http://schemas.openxmlformats.org/officeDocument/2006/relationships" xmlns:p="http://schemas.openxmlformats.org/presentationml/2006/main">
-  <p:cSld>
-    <p:spTree>
-      <p:nvGrpSpPr>
-        <p:cNvPr id="1" name="Shape 82"/>
-        <p:cNvGrpSpPr/>
-        <p:nvPr/>
-      </p:nvGrpSpPr>
-      <p:grpSpPr>
-        <a:xfrm>
-          <a:off x="0" y="0"/>
-          <a:ext cx="0" cy="0"/>
-          <a:chOff x="0" y="0"/>
-          <a:chExt cx="0" cy="0"/>
-        </a:xfrm>
-      </p:grpSpPr>
-      <p:sp>
-        <p:nvSpPr>
-          <p:cNvPr id="83" name="Google Shape;83;p14"/>
-          <p:cNvSpPr txBox="1">
-            <a:spLocks noGrp="1"/>
-          </p:cNvSpPr>
-          <p:nvPr>
-            <p:ph type="title" idx="4294967295"/>
-          </p:nvPr>
-        </p:nvSpPr>
+      <p:pic>
+        <p:nvPicPr>
+          <p:cNvPr id="2" name="Immagine 1" descr="Immagine che contiene Carattere, Elementi grafici, logo, cerchio&#10;&#10;Descrizione generata automaticamente">
+            <a:extLst>
+              <a:ext uri="{FF2B5EF4-FFF2-40B4-BE49-F238E27FC236}">
+                <a16:creationId xmlns:a16="http://schemas.microsoft.com/office/drawing/2014/main" id="{37A1A12D-7C6F-EE11-BAEF-FCB7F3FCCDB7}"/>
+              </a:ext>
+            </a:extLst>
+          </p:cNvPr>
+          <p:cNvPicPr>
+            <a:picLocks noChangeAspect="1"/>
+          </p:cNvPicPr>
+          <p:nvPr/>
+        </p:nvPicPr>
+        <p:blipFill>
+          <a:blip r:embed="rId11"/>
+          <a:stretch>
+            <a:fillRect/>
+          </a:stretch>
+        </p:blipFill>
         <p:spPr>
           <a:xfrm>
-            <a:off x="311700" y="421233"/>
-            <a:ext cx="8520600" cy="622500"/>
+            <a:off x="8661328" y="65196"/>
+            <a:ext cx="407258" cy="495579"/>
           </a:xfrm>
           <a:prstGeom prst="rect">
             <a:avLst/>
           </a:prstGeom>
         </p:spPr>
-        <p:txBody>
-          <a:bodyPr spcFirstLastPara="1" wrap="square" lIns="91425" tIns="91425" rIns="91425" bIns="91425" anchor="b" anchorCtr="0">
-            <a:noAutofit/>
-          </a:bodyPr>
-          <a:lstStyle/>
-          <a:p>
-            <a:pPr lvl="0"/>
-            <a:r>
-              <a:rPr lang="en-GB" sz="4000" dirty="0"/>
-              <a:t>Trajectory sampling (1)</a:t>
-            </a:r>
-            <a:endParaRPr sz="4000" dirty="0"/>
-          </a:p>
-        </p:txBody>
-      </p:sp>
-      <p:sp>
-        <p:nvSpPr>
-          <p:cNvPr id="84" name="Google Shape;84;p14"/>
-          <p:cNvSpPr txBox="1">
-            <a:spLocks noGrp="1"/>
-          </p:cNvSpPr>
-          <p:nvPr>
-            <p:ph type="body" idx="1"/>
-          </p:nvPr>
-        </p:nvSpPr>
-        <p:spPr>
-          <a:xfrm>
-            <a:off x="162750" y="1268809"/>
-            <a:ext cx="8818500" cy="5103857"/>
-          </a:xfrm>
-          <a:prstGeom prst="rect">
-            <a:avLst/>
-          </a:prstGeom>
-        </p:spPr>
-        <p:txBody>
-          <a:bodyPr spcFirstLastPara="1" wrap="square" lIns="91425" tIns="91425" rIns="91425" bIns="91425" anchor="t" anchorCtr="0">
-            <a:noAutofit/>
-          </a:bodyPr>
-          <a:lstStyle/>
-          <a:p>
-            <a:pPr lvl="0"/>
-            <a:r>
-              <a:rPr lang="en-GB" dirty="0"/>
-              <a:t>Dyna-Q in planning phase samples from the state-action pairs that have been visited</a:t>
-            </a:r>
-          </a:p>
-          <a:p>
-            <a:pPr lvl="1"/>
-            <a:r>
-              <a:rPr lang="en-GB" dirty="0"/>
-              <a:t>we </a:t>
-            </a:r>
-            <a:r>
-              <a:rPr lang="en-GB" b="1" dirty="0"/>
-              <a:t>don’t waste time </a:t>
-            </a:r>
-            <a:r>
-              <a:rPr lang="en-GB" dirty="0"/>
-              <a:t>with state-action pairs about which the model has no information</a:t>
-            </a:r>
-          </a:p>
-          <a:p>
-            <a:pPr lvl="1"/>
-            <a:r>
-              <a:rPr lang="en-GB" dirty="0" err="1"/>
-              <a:t>Ihowever</a:t>
-            </a:r>
-            <a:r>
-              <a:rPr lang="en-GB" dirty="0"/>
-              <a:t>, from those pairs, we sample a </a:t>
-            </a:r>
-            <a:r>
-              <a:rPr lang="en-GB" b="1" dirty="0"/>
-              <a:t>uniformly at random</a:t>
-            </a:r>
-          </a:p>
-          <a:p>
-            <a:endParaRPr lang="en-GB" dirty="0"/>
-          </a:p>
-          <a:p>
-            <a:r>
-              <a:rPr lang="en-GB" dirty="0"/>
-              <a:t>We can be </a:t>
-            </a:r>
-            <a:r>
-              <a:rPr lang="en-GB" b="1" dirty="0"/>
-              <a:t>more effective </a:t>
-            </a:r>
-            <a:r>
-              <a:rPr lang="en-GB" dirty="0"/>
-              <a:t>if we </a:t>
-            </a:r>
-          </a:p>
-          <a:p>
-            <a:pPr lvl="1"/>
-            <a:r>
-              <a:rPr lang="en-GB" dirty="0"/>
-              <a:t>use a state that </a:t>
-            </a:r>
-            <a:r>
-              <a:rPr lang="en-GB" b="1" dirty="0"/>
-              <a:t>we expect to encounter </a:t>
-            </a:r>
-            <a:r>
-              <a:rPr lang="en-GB" dirty="0"/>
-              <a:t>during the current episode</a:t>
-            </a:r>
-          </a:p>
-          <a:p>
-            <a:pPr lvl="2"/>
-            <a:r>
-              <a:rPr lang="en-GB" dirty="0"/>
-              <a:t>planning for the immediate future is a smarter approach</a:t>
-            </a:r>
-          </a:p>
-          <a:p>
-            <a:pPr lvl="1"/>
-            <a:r>
-              <a:rPr lang="en-GB" dirty="0"/>
-              <a:t>sample actions from </a:t>
-            </a:r>
-          </a:p>
-          <a:p>
-            <a:pPr lvl="2"/>
-            <a:r>
-              <a:rPr lang="en-GB" dirty="0"/>
-              <a:t>the </a:t>
-            </a:r>
-            <a:r>
-              <a:rPr lang="en-GB" b="1" dirty="0"/>
-              <a:t>same behavioural policy </a:t>
-            </a:r>
-            <a:r>
-              <a:rPr lang="en-GB" dirty="0"/>
-              <a:t>(on policy) </a:t>
-            </a:r>
-          </a:p>
-          <a:p>
-            <a:pPr lvl="2"/>
-            <a:r>
-              <a:rPr lang="en-GB" dirty="0"/>
-              <a:t>or </a:t>
-            </a:r>
-            <a:r>
-              <a:rPr lang="en-GB" b="1" dirty="0"/>
-              <a:t>from a greedy policy </a:t>
-            </a:r>
-            <a:r>
-              <a:rPr lang="en-GB" dirty="0"/>
-              <a:t>with respect to the current estimates (off policy)</a:t>
-            </a:r>
-          </a:p>
-          <a:p>
-            <a:endParaRPr lang="en-GB" dirty="0"/>
-          </a:p>
-          <a:p>
-            <a:pPr lvl="0"/>
-            <a:r>
-              <a:rPr lang="en-GB" b="1" dirty="0">
-                <a:highlight>
-                  <a:srgbClr val="FFFF00"/>
-                </a:highlight>
-              </a:rPr>
-              <a:t>See “</a:t>
-            </a:r>
-            <a:r>
-              <a:rPr lang="en-GB" b="1" dirty="0" err="1">
-                <a:highlight>
-                  <a:srgbClr val="FFFF00"/>
-                </a:highlight>
-              </a:rPr>
-              <a:t>notebook.ipynb</a:t>
-            </a:r>
-            <a:r>
-              <a:rPr lang="en-GB" b="1" dirty="0">
-                <a:highlight>
-                  <a:srgbClr val="FFFF00"/>
-                </a:highlight>
-              </a:rPr>
-              <a:t>”</a:t>
-            </a:r>
-          </a:p>
-          <a:p>
-            <a:pPr marL="120650" indent="0">
-              <a:buNone/>
-            </a:pPr>
-            <a:endParaRPr lang="en-GB" dirty="0"/>
-          </a:p>
-          <a:p>
-            <a:pPr marL="120650" indent="0">
-              <a:buNone/>
-            </a:pPr>
-            <a:endParaRPr lang="en-GB" dirty="0"/>
-          </a:p>
-          <a:p>
-            <a:endParaRPr lang="en-GB" dirty="0"/>
-          </a:p>
-          <a:p>
-            <a:endParaRPr lang="en-GB" dirty="0"/>
-          </a:p>
-        </p:txBody>
-      </p:sp>
+      </p:pic>
     </p:spTree>
     <p:extLst>
       <p:ext uri="{BB962C8B-B14F-4D97-AF65-F5344CB8AC3E}">
-        <p14:creationId xmlns:p14="http://schemas.microsoft.com/office/powerpoint/2010/main" val="2689217830"/>
+        <p14:creationId xmlns:p14="http://schemas.microsoft.com/office/powerpoint/2010/main" val="2610884299"/>
       </p:ext>
     </p:extLst>
   </p:cSld>
@@ -14183,46 +14538,173 @@
             <a:pPr lvl="0"/>
             <a:r>
               <a:rPr lang="en-GB" sz="4000" dirty="0"/>
-              <a:t>Trajectory sampling (2)</a:t>
+              <a:t>Trajectory sampling (1)</a:t>
             </a:r>
             <a:endParaRPr sz="4000" dirty="0"/>
           </a:p>
         </p:txBody>
       </p:sp>
-      <p:pic>
-        <p:nvPicPr>
-          <p:cNvPr id="5" name="Immagine 4">
-            <a:extLst>
-              <a:ext uri="{FF2B5EF4-FFF2-40B4-BE49-F238E27FC236}">
-                <a16:creationId xmlns:a16="http://schemas.microsoft.com/office/drawing/2014/main" id="{D98F78C9-58FA-3B5B-B387-4276B0C65AEC}"/>
-              </a:ext>
-            </a:extLst>
-          </p:cNvPr>
-          <p:cNvPicPr>
-            <a:picLocks noChangeAspect="1"/>
-          </p:cNvPicPr>
-          <p:nvPr/>
-        </p:nvPicPr>
-        <p:blipFill>
-          <a:blip r:embed="rId3"/>
-          <a:stretch>
-            <a:fillRect/>
-          </a:stretch>
-        </p:blipFill>
+      <p:sp>
+        <p:nvSpPr>
+          <p:cNvPr id="84" name="Google Shape;84;p14"/>
+          <p:cNvSpPr txBox="1">
+            <a:spLocks noGrp="1"/>
+          </p:cNvSpPr>
+          <p:nvPr>
+            <p:ph type="body" idx="1"/>
+          </p:nvPr>
+        </p:nvSpPr>
         <p:spPr>
           <a:xfrm>
-            <a:off x="0" y="1177231"/>
-            <a:ext cx="8836886" cy="5120330"/>
+            <a:off x="162750" y="1268809"/>
+            <a:ext cx="8818500" cy="5103857"/>
           </a:xfrm>
           <a:prstGeom prst="rect">
             <a:avLst/>
           </a:prstGeom>
         </p:spPr>
-      </p:pic>
+        <p:txBody>
+          <a:bodyPr spcFirstLastPara="1" wrap="square" lIns="91425" tIns="91425" rIns="91425" bIns="91425" anchor="t" anchorCtr="0">
+            <a:noAutofit/>
+          </a:bodyPr>
+          <a:lstStyle/>
+          <a:p>
+            <a:pPr lvl="0"/>
+            <a:r>
+              <a:rPr lang="en-GB" dirty="0"/>
+              <a:t>Dyna-Q in planning phase samples from the state-action pairs that have been visited</a:t>
+            </a:r>
+          </a:p>
+          <a:p>
+            <a:pPr lvl="1"/>
+            <a:r>
+              <a:rPr lang="en-GB" dirty="0"/>
+              <a:t>we </a:t>
+            </a:r>
+            <a:r>
+              <a:rPr lang="en-GB" b="1" dirty="0"/>
+              <a:t>don’t waste time </a:t>
+            </a:r>
+            <a:r>
+              <a:rPr lang="en-GB" dirty="0"/>
+              <a:t>with state-action pairs about which the model has no information</a:t>
+            </a:r>
+          </a:p>
+          <a:p>
+            <a:pPr lvl="1"/>
+            <a:r>
+              <a:rPr lang="en-GB" dirty="0"/>
+              <a:t>however, from those pairs, we sample a </a:t>
+            </a:r>
+            <a:r>
+              <a:rPr lang="en-GB" b="1" dirty="0"/>
+              <a:t>uniformly at random</a:t>
+            </a:r>
+          </a:p>
+          <a:p>
+            <a:endParaRPr lang="en-GB" dirty="0"/>
+          </a:p>
+          <a:p>
+            <a:r>
+              <a:rPr lang="en-GB" dirty="0"/>
+              <a:t>We can be </a:t>
+            </a:r>
+            <a:r>
+              <a:rPr lang="en-GB" b="1" dirty="0"/>
+              <a:t>more effective </a:t>
+            </a:r>
+            <a:r>
+              <a:rPr lang="en-GB" dirty="0"/>
+              <a:t>if we </a:t>
+            </a:r>
+          </a:p>
+          <a:p>
+            <a:pPr lvl="1"/>
+            <a:r>
+              <a:rPr lang="en-GB" dirty="0"/>
+              <a:t>use a state that </a:t>
+            </a:r>
+            <a:r>
+              <a:rPr lang="en-GB" b="1" dirty="0"/>
+              <a:t>we expect to encounter </a:t>
+            </a:r>
+            <a:r>
+              <a:rPr lang="en-GB" dirty="0"/>
+              <a:t>during the current episode</a:t>
+            </a:r>
+          </a:p>
+          <a:p>
+            <a:pPr lvl="2"/>
+            <a:r>
+              <a:rPr lang="en-GB" b="1" dirty="0"/>
+              <a:t>planning for the immediate future </a:t>
+            </a:r>
+            <a:r>
+              <a:rPr lang="en-GB" dirty="0"/>
+              <a:t>is a smarter approach</a:t>
+            </a:r>
+          </a:p>
+          <a:p>
+            <a:pPr lvl="1"/>
+            <a:r>
+              <a:rPr lang="en-GB" dirty="0"/>
+              <a:t>sample actions from </a:t>
+            </a:r>
+          </a:p>
+          <a:p>
+            <a:pPr lvl="2"/>
+            <a:r>
+              <a:rPr lang="en-GB" dirty="0"/>
+              <a:t>the </a:t>
+            </a:r>
+            <a:r>
+              <a:rPr lang="en-GB" b="1" dirty="0"/>
+              <a:t>same behavioural policy </a:t>
+            </a:r>
+            <a:r>
+              <a:rPr lang="en-GB" dirty="0"/>
+              <a:t>(on policy) </a:t>
+            </a:r>
+          </a:p>
+          <a:p>
+            <a:pPr lvl="2"/>
+            <a:r>
+              <a:rPr lang="en-GB" dirty="0"/>
+              <a:t>or </a:t>
+            </a:r>
+            <a:r>
+              <a:rPr lang="en-GB" b="1" dirty="0"/>
+              <a:t>from a greedy policy </a:t>
+            </a:r>
+            <a:r>
+              <a:rPr lang="en-GB" dirty="0"/>
+              <a:t>with respect to the current estimates (off policy)</a:t>
+            </a:r>
+          </a:p>
+          <a:p>
+            <a:pPr marL="120650" indent="0">
+              <a:buNone/>
+            </a:pPr>
+            <a:endParaRPr lang="en-GB" dirty="0"/>
+          </a:p>
+          <a:p>
+            <a:pPr marL="120650" indent="0">
+              <a:buNone/>
+            </a:pPr>
+            <a:endParaRPr lang="en-GB" dirty="0"/>
+          </a:p>
+          <a:p>
+            <a:endParaRPr lang="en-GB" dirty="0"/>
+          </a:p>
+          <a:p>
+            <a:endParaRPr lang="en-GB" dirty="0"/>
+          </a:p>
+        </p:txBody>
+      </p:sp>
     </p:spTree>
     <p:extLst>
       <p:ext uri="{BB962C8B-B14F-4D97-AF65-F5344CB8AC3E}">
-        <p14:creationId xmlns:p14="http://schemas.microsoft.com/office/powerpoint/2010/main" val="2449509474"/>
+        <p14:creationId xmlns:p14="http://schemas.microsoft.com/office/powerpoint/2010/main" val="2689217830"/>
       </p:ext>
     </p:extLst>
   </p:cSld>
